--- a/markdown/report.pptx
+++ b/markdown/report.pptx
@@ -38,10 +38,6 @@
     <p:sldId id="286" r:id="rId32"/>
     <p:sldId id="287" r:id="rId33"/>
     <p:sldId id="288" r:id="rId34"/>
-    <p:sldId id="289" r:id="rId35"/>
-    <p:sldId id="290" r:id="rId36"/>
-    <p:sldId id="291" r:id="rId37"/>
-    <p:sldId id="292" r:id="rId38"/>
   </p:sldIdLst>
   <p:sldSz cx="9144000" cy="5143500" type="screen16x9"/>
   <p:notesSz cx="6858000" cy="9144000"/>
@@ -160,8 +156,8 @@
 </file>
 
 <file path=ppt/slideLayouts/slideLayout1.xml><?xml version="1.0" encoding="utf-8"?>
-<p:sldLayout xmlns:a="http://schemas.openxmlformats.org/drawingml/2006/main" xmlns:r="http://schemas.openxmlformats.org/officeDocument/2006/relationships" xmlns:p="http://schemas.openxmlformats.org/presentationml/2006/main" type="title" preserve="1">
-  <p:cSld name="Title Slide">
+<p:sldLayout xmlns:a="http://schemas.openxmlformats.org/drawingml/2006/main" xmlns:r="http://schemas.openxmlformats.org/officeDocument/2006/relationships" xmlns:p="http://schemas.openxmlformats.org/presentationml/2006/main" type="secHead" preserve="1">
+  <p:cSld name="Section Header">
     <p:spTree>
       <p:nvGrpSpPr>
         <p:cNvPr id="1" name=""/>
@@ -176,35 +172,6 @@
           <a:chExt cx="0" cy="0"/>
         </a:xfrm>
       </p:grpSpPr>
-      <p:pic>
-        <p:nvPicPr>
-          <p:cNvPr id="8" name="Picture 7" descr="A picture containing outdoor, day&#10;&#10;Description automatically generated">
-            <a:extLst>
-              <a:ext uri="{FF2B5EF4-FFF2-40B4-BE49-F238E27FC236}">
-                <a16:creationId xmlns:a16="http://schemas.microsoft.com/office/drawing/2014/main" id="{EF9F929A-BFBA-A342-9D97-5B08564C416D}"/>
-              </a:ext>
-            </a:extLst>
-          </p:cNvPr>
-          <p:cNvPicPr>
-            <a:picLocks noChangeAspect="1"/>
-          </p:cNvPicPr>
-          <p:nvPr userDrawn="1"/>
-        </p:nvPicPr>
-        <p:blipFill rotWithShape="1">
-          <a:blip r:embed="rId2"/>
-          <a:srcRect t="54444"/>
-          <a:stretch/>
-        </p:blipFill>
-        <p:spPr>
-          <a:xfrm>
-            <a:off x="-1" y="0"/>
-            <a:ext cx="9225023" cy="4594860"/>
-          </a:xfrm>
-          <a:prstGeom prst="rect">
-            <a:avLst/>
-          </a:prstGeom>
-        </p:spPr>
-      </p:pic>
       <p:sp>
         <p:nvSpPr>
           <p:cNvPr id="2" name="Title 1"/>
@@ -212,21 +179,25 @@
             <a:spLocks noGrp="1"/>
           </p:cNvSpPr>
           <p:nvPr>
-            <p:ph type="ctrTitle"/>
+            <p:ph type="title"/>
           </p:nvPr>
         </p:nvSpPr>
         <p:spPr>
           <a:xfrm>
-            <a:off x="685800" y="1597819"/>
-            <a:ext cx="7772400" cy="1102519"/>
+            <a:off x="722313" y="3305176"/>
+            <a:ext cx="7772400" cy="1021556"/>
           </a:xfrm>
         </p:spPr>
         <p:txBody>
-          <a:bodyPr/>
-          <a:lstStyle/>
-          <a:p>
-            <a:r>
-              <a:rPr lang="en-US"/>
+          <a:bodyPr anchor="t"/>
+          <a:lstStyle>
+            <a:lvl1pPr algn="l">
+              <a:defRPr sz="3000" b="1" cap="none" baseline="0"/>
+            </a:lvl1pPr>
+          </a:lstStyle>
+          <a:p>
+            <a:r>
+              <a:rPr lang="en-US" dirty="0"/>
               <a:t>Click to edit Master title style</a:t>
             </a:r>
           </a:p>
@@ -234,26 +205,26 @@
       </p:sp>
       <p:sp>
         <p:nvSpPr>
-          <p:cNvPr id="3" name="Subtitle 2"/>
+          <p:cNvPr id="3" name="Text Placeholder 2"/>
           <p:cNvSpPr>
             <a:spLocks noGrp="1"/>
           </p:cNvSpPr>
           <p:nvPr>
-            <p:ph type="subTitle" idx="1"/>
+            <p:ph type="body" idx="1"/>
           </p:nvPr>
         </p:nvSpPr>
         <p:spPr>
           <a:xfrm>
-            <a:off x="1371600" y="2914650"/>
-            <a:ext cx="6400800" cy="1314450"/>
+            <a:off x="722313" y="2180035"/>
+            <a:ext cx="7772400" cy="1125140"/>
           </a:xfrm>
         </p:spPr>
         <p:txBody>
-          <a:bodyPr/>
+          <a:bodyPr anchor="b"/>
           <a:lstStyle>
-            <a:lvl1pPr marL="0" indent="0" algn="ctr">
-              <a:buNone/>
-              <a:defRPr>
+            <a:lvl1pPr marL="0" indent="0">
+              <a:buNone/>
+              <a:defRPr sz="1500">
                 <a:solidFill>
                   <a:schemeClr val="tx1">
                     <a:tint val="75000"/>
@@ -261,9 +232,9 @@
                 </a:solidFill>
               </a:defRPr>
             </a:lvl1pPr>
-            <a:lvl2pPr marL="342900" indent="0" algn="ctr">
-              <a:buNone/>
-              <a:defRPr>
+            <a:lvl2pPr marL="342900" indent="0">
+              <a:buNone/>
+              <a:defRPr sz="1350">
                 <a:solidFill>
                   <a:schemeClr val="tx1">
                     <a:tint val="75000"/>
@@ -271,9 +242,9 @@
                 </a:solidFill>
               </a:defRPr>
             </a:lvl2pPr>
-            <a:lvl3pPr marL="685800" indent="0" algn="ctr">
-              <a:buNone/>
-              <a:defRPr>
+            <a:lvl3pPr marL="685800" indent="0">
+              <a:buNone/>
+              <a:defRPr sz="1200">
                 <a:solidFill>
                   <a:schemeClr val="tx1">
                     <a:tint val="75000"/>
@@ -281,9 +252,9 @@
                 </a:solidFill>
               </a:defRPr>
             </a:lvl3pPr>
-            <a:lvl4pPr marL="1028700" indent="0" algn="ctr">
-              <a:buNone/>
-              <a:defRPr>
+            <a:lvl4pPr marL="1028700" indent="0">
+              <a:buNone/>
+              <a:defRPr sz="1050">
                 <a:solidFill>
                   <a:schemeClr val="tx1">
                     <a:tint val="75000"/>
@@ -291,9 +262,9 @@
                 </a:solidFill>
               </a:defRPr>
             </a:lvl4pPr>
-            <a:lvl5pPr marL="1371600" indent="0" algn="ctr">
-              <a:buNone/>
-              <a:defRPr>
+            <a:lvl5pPr marL="1371600" indent="0">
+              <a:buNone/>
+              <a:defRPr sz="1050">
                 <a:solidFill>
                   <a:schemeClr val="tx1">
                     <a:tint val="75000"/>
@@ -301,9 +272,9 @@
                 </a:solidFill>
               </a:defRPr>
             </a:lvl5pPr>
-            <a:lvl6pPr marL="1714500" indent="0" algn="ctr">
-              <a:buNone/>
-              <a:defRPr>
+            <a:lvl6pPr marL="1714500" indent="0">
+              <a:buNone/>
+              <a:defRPr sz="1050">
                 <a:solidFill>
                   <a:schemeClr val="tx1">
                     <a:tint val="75000"/>
@@ -311,9 +282,9 @@
                 </a:solidFill>
               </a:defRPr>
             </a:lvl6pPr>
-            <a:lvl7pPr marL="2057400" indent="0" algn="ctr">
-              <a:buNone/>
-              <a:defRPr>
+            <a:lvl7pPr marL="2057400" indent="0">
+              <a:buNone/>
+              <a:defRPr sz="1050">
                 <a:solidFill>
                   <a:schemeClr val="tx1">
                     <a:tint val="75000"/>
@@ -321,9 +292,9 @@
                 </a:solidFill>
               </a:defRPr>
             </a:lvl7pPr>
-            <a:lvl8pPr marL="2400300" indent="0" algn="ctr">
-              <a:buNone/>
-              <a:defRPr>
+            <a:lvl8pPr marL="2400300" indent="0">
+              <a:buNone/>
+              <a:defRPr sz="1050">
                 <a:solidFill>
                   <a:schemeClr val="tx1">
                     <a:tint val="75000"/>
@@ -331,9 +302,9 @@
                 </a:solidFill>
               </a:defRPr>
             </a:lvl8pPr>
-            <a:lvl9pPr marL="2743200" indent="0" algn="ctr">
-              <a:buNone/>
-              <a:defRPr>
+            <a:lvl9pPr marL="2743200" indent="0">
+              <a:buNone/>
+              <a:defRPr sz="1050">
                 <a:solidFill>
                   <a:schemeClr val="tx1">
                     <a:tint val="75000"/>
@@ -343,9 +314,10 @@
             </a:lvl9pPr>
           </a:lstStyle>
           <a:p>
+            <a:pPr lvl="0"/>
             <a:r>
               <a:rPr lang="en-US"/>
-              <a:t>Click to edit Master subtitle style</a:t>
+              <a:t>Click to edit Master text styles</a:t>
             </a:r>
           </a:p>
         </p:txBody>
@@ -360,30 +332,16 @@
             <p:ph type="dt" sz="half" idx="10"/>
           </p:nvPr>
         </p:nvSpPr>
-        <p:spPr>
-          <a:xfrm>
-            <a:off x="133109" y="79515"/>
-            <a:ext cx="2133600" cy="273844"/>
-          </a:xfrm>
-        </p:spPr>
+        <p:spPr/>
         <p:txBody>
           <a:bodyPr/>
-          <a:lstStyle>
-            <a:lvl1pPr>
-              <a:defRPr b="1">
-                <a:solidFill>
-                  <a:schemeClr val="tx1"/>
-                </a:solidFill>
-              </a:defRPr>
-            </a:lvl1pPr>
-          </a:lstStyle>
-          <a:p>
-            <a:fld id="{CDBC5A6A-A72D-6447-BE14-64EDA02DB0A6}" type="datetime1">
+          <a:lstStyle/>
+          <a:p>
+            <a:fld id="{BC94A024-7C88-BB4F-963A-0AE4C1313A4D}" type="datetime1">
               <a:rPr lang="de-CH" smtClean="0"/>
-              <a:pPr/>
-              <a:t>19.04.21</a:t>
+              <a:t>22.04.21</a:t>
             </a:fld>
-            <a:endParaRPr lang="en-US" dirty="0"/>
+            <a:endParaRPr lang="en-US"/>
           </a:p>
         </p:txBody>
       </p:sp>
@@ -416,37 +374,23 @@
             <p:ph type="sldNum" sz="quarter" idx="12"/>
           </p:nvPr>
         </p:nvSpPr>
-        <p:spPr>
-          <a:xfrm>
-            <a:off x="6867645" y="49524"/>
-            <a:ext cx="2133600" cy="273844"/>
-          </a:xfrm>
-        </p:spPr>
+        <p:spPr/>
         <p:txBody>
           <a:bodyPr/>
-          <a:lstStyle>
-            <a:lvl1pPr>
-              <a:defRPr b="1">
-                <a:solidFill>
-                  <a:schemeClr val="tx1"/>
-                </a:solidFill>
-              </a:defRPr>
-            </a:lvl1pPr>
-          </a:lstStyle>
-          <a:p>
-            <a:fld id="{40F827CB-05CC-1F42-9FE6-72493269F883}" type="slidenum">
+          <a:lstStyle/>
+          <a:p>
+            <a:fld id="{C5EF2332-01BF-834F-8236-50238282D533}" type="slidenum">
               <a:rPr lang="en-US" smtClean="0"/>
-              <a:pPr/>
               <a:t>‹#›</a:t>
             </a:fld>
-            <a:endParaRPr lang="en-US" dirty="0"/>
+            <a:endParaRPr lang="en-US"/>
           </a:p>
         </p:txBody>
       </p:sp>
     </p:spTree>
     <p:extLst>
       <p:ext uri="{BB962C8B-B14F-4D97-AF65-F5344CB8AC3E}">
-        <p14:creationId xmlns:p14="http://schemas.microsoft.com/office/powerpoint/2010/main" val="1444357513"/>
+        <p14:creationId xmlns:p14="http://schemas.microsoft.com/office/powerpoint/2010/main" val="1073069076"/>
       </p:ext>
     </p:extLst>
   </p:cSld>
@@ -563,7 +507,7 @@
           <a:p>
             <a:fld id="{B771E26A-63A1-D644-BABA-AEFB031B22C6}" type="datetime1">
               <a:rPr lang="de-CH" smtClean="0"/>
-              <a:t>19.04.21</a:t>
+              <a:t>22.04.21</a:t>
             </a:fld>
             <a:endParaRPr lang="en-US"/>
           </a:p>
@@ -741,7 +685,7 @@
           <a:p>
             <a:fld id="{11D2F6B8-4DF8-9F42-B85A-D48730FB9EC4}" type="datetime1">
               <a:rPr lang="de-CH" smtClean="0"/>
-              <a:t>19.04.21</a:t>
+              <a:t>22.04.21</a:t>
             </a:fld>
             <a:endParaRPr lang="en-US"/>
           </a:p>
@@ -909,7 +853,7 @@
           <a:p>
             <a:fld id="{D5698881-D495-0549-BBE8-DA3EEA3E36AF}" type="datetime1">
               <a:rPr lang="de-CH" smtClean="0"/>
-              <a:t>19.04.21</a:t>
+              <a:t>22.04.21</a:t>
             </a:fld>
             <a:endParaRPr lang="en-US"/>
           </a:p>
@@ -971,8 +915,8 @@
 </file>
 
 <file path=ppt/slideLayouts/slideLayout3.xml><?xml version="1.0" encoding="utf-8"?>
-<p:sldLayout xmlns:a="http://schemas.openxmlformats.org/drawingml/2006/main" xmlns:r="http://schemas.openxmlformats.org/officeDocument/2006/relationships" xmlns:p="http://schemas.openxmlformats.org/presentationml/2006/main" type="secHead" preserve="1">
-  <p:cSld name="Section Header">
+<p:sldLayout xmlns:a="http://schemas.openxmlformats.org/drawingml/2006/main" xmlns:r="http://schemas.openxmlformats.org/officeDocument/2006/relationships" xmlns:p="http://schemas.openxmlformats.org/presentationml/2006/main" type="title" preserve="1">
+  <p:cSld name="Title Slide">
     <p:spTree>
       <p:nvGrpSpPr>
         <p:cNvPr id="1" name=""/>
@@ -987,6 +931,35 @@
           <a:chExt cx="0" cy="0"/>
         </a:xfrm>
       </p:grpSpPr>
+      <p:pic>
+        <p:nvPicPr>
+          <p:cNvPr id="8" name="Picture 7" descr="A picture containing outdoor, day&#10;&#10;Description automatically generated">
+            <a:extLst>
+              <a:ext uri="{FF2B5EF4-FFF2-40B4-BE49-F238E27FC236}">
+                <a16:creationId xmlns:a16="http://schemas.microsoft.com/office/drawing/2014/main" id="{EF9F929A-BFBA-A342-9D97-5B08564C416D}"/>
+              </a:ext>
+            </a:extLst>
+          </p:cNvPr>
+          <p:cNvPicPr>
+            <a:picLocks noChangeAspect="1"/>
+          </p:cNvPicPr>
+          <p:nvPr userDrawn="1"/>
+        </p:nvPicPr>
+        <p:blipFill rotWithShape="1">
+          <a:blip r:embed="rId2"/>
+          <a:srcRect t="54444"/>
+          <a:stretch/>
+        </p:blipFill>
+        <p:spPr>
+          <a:xfrm>
+            <a:off x="-1" y="-1"/>
+            <a:ext cx="9144001" cy="4706343"/>
+          </a:xfrm>
+          <a:prstGeom prst="rect">
+            <a:avLst/>
+          </a:prstGeom>
+        </p:spPr>
+      </p:pic>
       <p:sp>
         <p:nvSpPr>
           <p:cNvPr id="2" name="Title 1"/>
@@ -994,22 +967,18 @@
             <a:spLocks noGrp="1"/>
           </p:cNvSpPr>
           <p:nvPr>
-            <p:ph type="title"/>
+            <p:ph type="ctrTitle"/>
           </p:nvPr>
         </p:nvSpPr>
         <p:spPr>
           <a:xfrm>
-            <a:off x="722313" y="3305176"/>
-            <a:ext cx="7772400" cy="1021556"/>
+            <a:off x="685800" y="1597819"/>
+            <a:ext cx="7772400" cy="1102519"/>
           </a:xfrm>
         </p:spPr>
         <p:txBody>
-          <a:bodyPr anchor="t"/>
-          <a:lstStyle>
-            <a:lvl1pPr algn="l">
-              <a:defRPr sz="3000" b="1" cap="all"/>
-            </a:lvl1pPr>
-          </a:lstStyle>
+          <a:bodyPr/>
+          <a:lstStyle/>
           <a:p>
             <a:r>
               <a:rPr lang="en-US"/>
@@ -1020,26 +989,26 @@
       </p:sp>
       <p:sp>
         <p:nvSpPr>
-          <p:cNvPr id="3" name="Text Placeholder 2"/>
+          <p:cNvPr id="3" name="Subtitle 2"/>
           <p:cNvSpPr>
             <a:spLocks noGrp="1"/>
           </p:cNvSpPr>
           <p:nvPr>
-            <p:ph type="body" idx="1"/>
+            <p:ph type="subTitle" idx="1"/>
           </p:nvPr>
         </p:nvSpPr>
         <p:spPr>
           <a:xfrm>
-            <a:off x="722313" y="2180035"/>
-            <a:ext cx="7772400" cy="1125140"/>
+            <a:off x="1371600" y="2914650"/>
+            <a:ext cx="6400800" cy="1314450"/>
           </a:xfrm>
         </p:spPr>
         <p:txBody>
-          <a:bodyPr anchor="b"/>
+          <a:bodyPr/>
           <a:lstStyle>
-            <a:lvl1pPr marL="0" indent="0">
-              <a:buNone/>
-              <a:defRPr sz="1500">
+            <a:lvl1pPr marL="0" indent="0" algn="ctr">
+              <a:buNone/>
+              <a:defRPr>
                 <a:solidFill>
                   <a:schemeClr val="tx1">
                     <a:tint val="75000"/>
@@ -1047,9 +1016,9 @@
                 </a:solidFill>
               </a:defRPr>
             </a:lvl1pPr>
-            <a:lvl2pPr marL="342900" indent="0">
-              <a:buNone/>
-              <a:defRPr sz="1350">
+            <a:lvl2pPr marL="342900" indent="0" algn="ctr">
+              <a:buNone/>
+              <a:defRPr>
                 <a:solidFill>
                   <a:schemeClr val="tx1">
                     <a:tint val="75000"/>
@@ -1057,9 +1026,9 @@
                 </a:solidFill>
               </a:defRPr>
             </a:lvl2pPr>
-            <a:lvl3pPr marL="685800" indent="0">
-              <a:buNone/>
-              <a:defRPr sz="1200">
+            <a:lvl3pPr marL="685800" indent="0" algn="ctr">
+              <a:buNone/>
+              <a:defRPr>
                 <a:solidFill>
                   <a:schemeClr val="tx1">
                     <a:tint val="75000"/>
@@ -1067,9 +1036,9 @@
                 </a:solidFill>
               </a:defRPr>
             </a:lvl3pPr>
-            <a:lvl4pPr marL="1028700" indent="0">
-              <a:buNone/>
-              <a:defRPr sz="1050">
+            <a:lvl4pPr marL="1028700" indent="0" algn="ctr">
+              <a:buNone/>
+              <a:defRPr>
                 <a:solidFill>
                   <a:schemeClr val="tx1">
                     <a:tint val="75000"/>
@@ -1077,9 +1046,9 @@
                 </a:solidFill>
               </a:defRPr>
             </a:lvl4pPr>
-            <a:lvl5pPr marL="1371600" indent="0">
-              <a:buNone/>
-              <a:defRPr sz="1050">
+            <a:lvl5pPr marL="1371600" indent="0" algn="ctr">
+              <a:buNone/>
+              <a:defRPr>
                 <a:solidFill>
                   <a:schemeClr val="tx1">
                     <a:tint val="75000"/>
@@ -1087,9 +1056,9 @@
                 </a:solidFill>
               </a:defRPr>
             </a:lvl5pPr>
-            <a:lvl6pPr marL="1714500" indent="0">
-              <a:buNone/>
-              <a:defRPr sz="1050">
+            <a:lvl6pPr marL="1714500" indent="0" algn="ctr">
+              <a:buNone/>
+              <a:defRPr>
                 <a:solidFill>
                   <a:schemeClr val="tx1">
                     <a:tint val="75000"/>
@@ -1097,9 +1066,9 @@
                 </a:solidFill>
               </a:defRPr>
             </a:lvl6pPr>
-            <a:lvl7pPr marL="2057400" indent="0">
-              <a:buNone/>
-              <a:defRPr sz="1050">
+            <a:lvl7pPr marL="2057400" indent="0" algn="ctr">
+              <a:buNone/>
+              <a:defRPr>
                 <a:solidFill>
                   <a:schemeClr val="tx1">
                     <a:tint val="75000"/>
@@ -1107,9 +1076,9 @@
                 </a:solidFill>
               </a:defRPr>
             </a:lvl7pPr>
-            <a:lvl8pPr marL="2400300" indent="0">
-              <a:buNone/>
-              <a:defRPr sz="1050">
+            <a:lvl8pPr marL="2400300" indent="0" algn="ctr">
+              <a:buNone/>
+              <a:defRPr>
                 <a:solidFill>
                   <a:schemeClr val="tx1">
                     <a:tint val="75000"/>
@@ -1117,9 +1086,9 @@
                 </a:solidFill>
               </a:defRPr>
             </a:lvl8pPr>
-            <a:lvl9pPr marL="2743200" indent="0">
-              <a:buNone/>
-              <a:defRPr sz="1050">
+            <a:lvl9pPr marL="2743200" indent="0" algn="ctr">
+              <a:buNone/>
+              <a:defRPr>
                 <a:solidFill>
                   <a:schemeClr val="tx1">
                     <a:tint val="75000"/>
@@ -1129,10 +1098,9 @@
             </a:lvl9pPr>
           </a:lstStyle>
           <a:p>
-            <a:pPr lvl="0"/>
             <a:r>
               <a:rPr lang="en-US"/>
-              <a:t>Click to edit Master text styles</a:t>
+              <a:t>Click to edit Master subtitle style</a:t>
             </a:r>
           </a:p>
         </p:txBody>
@@ -1147,16 +1115,30 @@
             <p:ph type="dt" sz="half" idx="10"/>
           </p:nvPr>
         </p:nvSpPr>
-        <p:spPr/>
+        <p:spPr>
+          <a:xfrm>
+            <a:off x="133109" y="79515"/>
+            <a:ext cx="2133600" cy="273844"/>
+          </a:xfrm>
+        </p:spPr>
         <p:txBody>
           <a:bodyPr/>
-          <a:lstStyle/>
-          <a:p>
-            <a:fld id="{BC94A024-7C88-BB4F-963A-0AE4C1313A4D}" type="datetime1">
+          <a:lstStyle>
+            <a:lvl1pPr>
+              <a:defRPr b="1">
+                <a:solidFill>
+                  <a:schemeClr val="tx1"/>
+                </a:solidFill>
+              </a:defRPr>
+            </a:lvl1pPr>
+          </a:lstStyle>
+          <a:p>
+            <a:fld id="{CDBC5A6A-A72D-6447-BE14-64EDA02DB0A6}" type="datetime1">
               <a:rPr lang="de-CH" smtClean="0"/>
-              <a:t>19.04.21</a:t>
+              <a:pPr/>
+              <a:t>22.04.21</a:t>
             </a:fld>
-            <a:endParaRPr lang="en-US"/>
+            <a:endParaRPr lang="en-US" dirty="0"/>
           </a:p>
         </p:txBody>
       </p:sp>
@@ -1189,23 +1171,37 @@
             <p:ph type="sldNum" sz="quarter" idx="12"/>
           </p:nvPr>
         </p:nvSpPr>
-        <p:spPr/>
+        <p:spPr>
+          <a:xfrm>
+            <a:off x="6867645" y="49524"/>
+            <a:ext cx="2133600" cy="273844"/>
+          </a:xfrm>
+        </p:spPr>
         <p:txBody>
           <a:bodyPr/>
-          <a:lstStyle/>
-          <a:p>
-            <a:fld id="{C5EF2332-01BF-834F-8236-50238282D533}" type="slidenum">
+          <a:lstStyle>
+            <a:lvl1pPr>
+              <a:defRPr b="1">
+                <a:solidFill>
+                  <a:schemeClr val="tx1"/>
+                </a:solidFill>
+              </a:defRPr>
+            </a:lvl1pPr>
+          </a:lstStyle>
+          <a:p>
+            <a:fld id="{40F827CB-05CC-1F42-9FE6-72493269F883}" type="slidenum">
               <a:rPr lang="en-US" smtClean="0"/>
+              <a:pPr/>
               <a:t>‹#›</a:t>
             </a:fld>
-            <a:endParaRPr lang="en-US"/>
+            <a:endParaRPr lang="en-US" dirty="0"/>
           </a:p>
         </p:txBody>
       </p:sp>
     </p:spTree>
     <p:extLst>
       <p:ext uri="{BB962C8B-B14F-4D97-AF65-F5344CB8AC3E}">
-        <p14:creationId xmlns:p14="http://schemas.microsoft.com/office/powerpoint/2010/main" val="1073069076"/>
+        <p14:creationId xmlns:p14="http://schemas.microsoft.com/office/powerpoint/2010/main" val="1444357513"/>
       </p:ext>
     </p:extLst>
   </p:cSld>
@@ -1439,7 +1435,7 @@
           <a:p>
             <a:fld id="{74FCCE46-DD0F-B84C-900D-1DDC3B11A3C0}" type="datetime1">
               <a:rPr lang="de-CH" smtClean="0"/>
-              <a:t>19.04.21</a:t>
+              <a:t>22.04.21</a:t>
             </a:fld>
             <a:endParaRPr lang="en-US"/>
           </a:p>
@@ -1858,7 +1854,7 @@
           <a:p>
             <a:fld id="{40972A8D-287C-834C-8D3E-DBE356442E27}" type="datetime1">
               <a:rPr lang="de-CH" smtClean="0"/>
-              <a:t>19.04.21</a:t>
+              <a:t>22.04.21</a:t>
             </a:fld>
             <a:endParaRPr lang="en-US"/>
           </a:p>
@@ -1975,7 +1971,7 @@
           <a:p>
             <a:fld id="{4B497F74-1AB4-0F42-97F1-5FC4A2180FD9}" type="datetime1">
               <a:rPr lang="de-CH" smtClean="0"/>
-              <a:t>19.04.21</a:t>
+              <a:t>22.04.21</a:t>
             </a:fld>
             <a:endParaRPr lang="en-US"/>
           </a:p>
@@ -2037,7 +2033,7 @@
 </file>
 
 <file path=ppt/slideLayouts/slideLayout7.xml><?xml version="1.0" encoding="utf-8"?>
-<p:sldLayout xmlns:a="http://schemas.openxmlformats.org/drawingml/2006/main" xmlns:r="http://schemas.openxmlformats.org/officeDocument/2006/relationships" xmlns:p="http://schemas.openxmlformats.org/presentationml/2006/main" type="blank" preserve="1">
+<p:sldLayout xmlns:a="http://schemas.openxmlformats.org/drawingml/2006/main" xmlns:r="http://schemas.openxmlformats.org/officeDocument/2006/relationships" xmlns:p="http://schemas.openxmlformats.org/presentationml/2006/main" preserve="1" userDrawn="1">
   <p:cSld name="Blank">
     <p:spTree>
       <p:nvGrpSpPr>
@@ -2070,7 +2066,7 @@
           <a:p>
             <a:fld id="{940A61FA-0275-A847-9833-902ABE251E20}" type="datetime1">
               <a:rPr lang="de-CH" smtClean="0"/>
-              <a:t>19.04.21</a:t>
+              <a:t>22.04.21</a:t>
             </a:fld>
             <a:endParaRPr lang="en-US"/>
           </a:p>
@@ -2345,7 +2341,7 @@
           <a:p>
             <a:fld id="{6F2E3E97-608A-0342-AEC6-FCED48971362}" type="datetime1">
               <a:rPr lang="de-CH" smtClean="0"/>
-              <a:t>19.04.21</a:t>
+              <a:t>22.04.21</a:t>
             </a:fld>
             <a:endParaRPr lang="en-US"/>
           </a:p>
@@ -2597,7 +2593,7 @@
           <a:p>
             <a:fld id="{B44C92B5-49C5-0848-B8A7-DC05B7061CF4}" type="datetime1">
               <a:rPr lang="de-CH" smtClean="0"/>
-              <a:t>19.04.21</a:t>
+              <a:t>22.04.21</a:t>
             </a:fld>
             <a:endParaRPr lang="en-US"/>
           </a:p>
@@ -2680,35 +2676,6 @@
           <a:chExt cx="0" cy="0"/>
         </a:xfrm>
       </p:grpSpPr>
-      <p:pic>
-        <p:nvPicPr>
-          <p:cNvPr id="11" name="Picture 10" descr="A picture containing outdoor, day&#10;&#10;Description automatically generated">
-            <a:extLst>
-              <a:ext uri="{FF2B5EF4-FFF2-40B4-BE49-F238E27FC236}">
-                <a16:creationId xmlns:a16="http://schemas.microsoft.com/office/drawing/2014/main" id="{AF2513A8-078E-184B-A410-BE82E6A1BE7D}"/>
-              </a:ext>
-            </a:extLst>
-          </p:cNvPr>
-          <p:cNvPicPr>
-            <a:picLocks noChangeAspect="1"/>
-          </p:cNvPicPr>
-          <p:nvPr userDrawn="1"/>
-        </p:nvPicPr>
-        <p:blipFill rotWithShape="1">
-          <a:blip r:embed="rId13"/>
-          <a:srcRect t="54444"/>
-          <a:stretch/>
-        </p:blipFill>
-        <p:spPr>
-          <a:xfrm>
-            <a:off x="-1" y="1"/>
-            <a:ext cx="9144001" cy="4709162"/>
-          </a:xfrm>
-          <a:prstGeom prst="rect">
-            <a:avLst/>
-          </a:prstGeom>
-        </p:spPr>
-      </p:pic>
       <p:sp>
         <p:nvSpPr>
           <p:cNvPr id="2" name="Title Placeholder 1"/>
@@ -2768,35 +2735,35 @@
           <a:p>
             <a:pPr lvl="0"/>
             <a:r>
-              <a:rPr lang="en-US"/>
+              <a:rPr lang="en-US" dirty="0"/>
               <a:t>Click to edit Master text styles</a:t>
             </a:r>
           </a:p>
           <a:p>
             <a:pPr lvl="1"/>
             <a:r>
-              <a:rPr lang="en-US"/>
+              <a:rPr lang="en-US" dirty="0"/>
               <a:t>Second level</a:t>
             </a:r>
           </a:p>
           <a:p>
             <a:pPr lvl="2"/>
             <a:r>
-              <a:rPr lang="en-US"/>
+              <a:rPr lang="en-US" dirty="0"/>
               <a:t>Third level</a:t>
             </a:r>
           </a:p>
           <a:p>
             <a:pPr lvl="3"/>
             <a:r>
-              <a:rPr lang="en-US"/>
+              <a:rPr lang="en-US" dirty="0"/>
               <a:t>Fourth level</a:t>
             </a:r>
           </a:p>
           <a:p>
             <a:pPr lvl="4"/>
             <a:r>
-              <a:rPr lang="en-US"/>
+              <a:rPr lang="en-US" dirty="0"/>
               <a:t>Fifth level</a:t>
             </a:r>
           </a:p>
@@ -2837,7 +2804,7 @@
           <a:p>
             <a:fld id="{1A32F869-B25E-E949-86C6-F2FF68A541E9}" type="datetime1">
               <a:rPr lang="de-CH" smtClean="0"/>
-              <a:t>19.04.21</a:t>
+              <a:t>22.04.21</a:t>
             </a:fld>
             <a:endParaRPr lang="en-US"/>
           </a:p>
@@ -2988,7 +2955,7 @@
           <p:nvPr userDrawn="1"/>
         </p:nvPicPr>
         <p:blipFill rotWithShape="1">
-          <a:blip r:embed="rId14">
+          <a:blip r:embed="rId13">
             <a:alphaModFix/>
           </a:blip>
           <a:srcRect/>
@@ -3133,9 +3100,9 @@
   </p:cSld>
   <p:clrMap bg1="lt1" tx1="dk1" bg2="lt2" tx2="dk2" accent1="accent1" accent2="accent2" accent3="accent3" accent4="accent4" accent5="accent5" accent6="accent6" hlink="hlink" folHlink="folHlink"/>
   <p:sldLayoutIdLst>
-    <p:sldLayoutId id="2147483649" r:id="rId1"/>
+    <p:sldLayoutId id="2147483651" r:id="rId1"/>
     <p:sldLayoutId id="2147483650" r:id="rId2"/>
-    <p:sldLayoutId id="2147483651" r:id="rId3"/>
+    <p:sldLayoutId id="2147483649" r:id="rId3"/>
     <p:sldLayoutId id="2147483652" r:id="rId4"/>
     <p:sldLayoutId id="2147483653" r:id="rId5"/>
     <p:sldLayoutId id="2147483654" r:id="rId6"/>
@@ -3155,7 +3122,7 @@
         <a:buNone/>
         <a:defRPr sz="3300" kern="1200">
           <a:solidFill>
-            <a:schemeClr val="tx1"/>
+            <a:srgbClr val="0070C0"/>
           </a:solidFill>
           <a:latin typeface="+mj-lt"/>
           <a:ea typeface="+mj-ea"/>
@@ -3172,7 +3139,7 @@
         <a:buChar char="•"/>
         <a:defRPr sz="2400" kern="1200">
           <a:solidFill>
-            <a:schemeClr val="tx1"/>
+            <a:srgbClr val="0070C0"/>
           </a:solidFill>
           <a:latin typeface="+mn-lt"/>
           <a:ea typeface="+mn-ea"/>
@@ -3187,7 +3154,7 @@
         <a:buChar char="–"/>
         <a:defRPr sz="2100" kern="1200">
           <a:solidFill>
-            <a:schemeClr val="tx1"/>
+            <a:srgbClr val="0070C0"/>
           </a:solidFill>
           <a:latin typeface="+mn-lt"/>
           <a:ea typeface="+mn-ea"/>
@@ -3202,7 +3169,7 @@
         <a:buChar char="•"/>
         <a:defRPr sz="1800" kern="1200">
           <a:solidFill>
-            <a:schemeClr val="tx1"/>
+            <a:srgbClr val="0070C0"/>
           </a:solidFill>
           <a:latin typeface="+mn-lt"/>
           <a:ea typeface="+mn-ea"/>
@@ -3217,7 +3184,7 @@
         <a:buChar char="–"/>
         <a:defRPr sz="1500" kern="1200">
           <a:solidFill>
-            <a:schemeClr val="tx1"/>
+            <a:srgbClr val="0070C0"/>
           </a:solidFill>
           <a:latin typeface="+mn-lt"/>
           <a:ea typeface="+mn-ea"/>
@@ -3232,7 +3199,7 @@
         <a:buChar char="»"/>
         <a:defRPr sz="1500" kern="1200">
           <a:solidFill>
-            <a:schemeClr val="tx1"/>
+            <a:srgbClr val="0070C0"/>
           </a:solidFill>
           <a:latin typeface="+mn-lt"/>
           <a:ea typeface="+mn-ea"/>
@@ -3416,88 +3383,8 @@
           <a:chExt cx="0" cy="0"/>
         </a:xfrm>
       </p:grpSpPr>
-      <p:sp>
-        <p:nvSpPr>
-          <p:cNvPr id="2" name="Title 1"/>
-          <p:cNvSpPr>
-            <a:spLocks noGrp="1"/>
-          </p:cNvSpPr>
-          <p:nvPr>
-            <p:ph type="ctrTitle"/>
-          </p:nvPr>
-        </p:nvSpPr>
-        <p:spPr>
-          <a:xfrm>
-            <a:off x="685800" y="1597819"/>
-            <a:ext cx="7772400" cy="1102519"/>
-          </a:xfrm>
-        </p:spPr>
-        <p:txBody>
-          <a:bodyPr/>
-          <a:lstStyle/>
-          <a:p>
-            <a:pPr lvl="0" marL="0" indent="0">
-              <a:buNone/>
-            </a:pPr>
-            <a:r>
-              <a:rPr/>
-              <a:t>COVID-19</a:t>
-            </a:r>
-            <a:r>
-              <a:rPr/>
-              <a:t> </a:t>
-            </a:r>
-            <a:r>
-              <a:rPr/>
-              <a:t>Contact</a:t>
-            </a:r>
-            <a:r>
-              <a:rPr/>
-              <a:t> </a:t>
-            </a:r>
-            <a:r>
-              <a:rPr/>
-              <a:t>Tracing</a:t>
-            </a:r>
-            <a:r>
-              <a:rPr/>
-              <a:t> </a:t>
-            </a:r>
-            <a:r>
-              <a:rPr/>
-              <a:t>Report</a:t>
-            </a:r>
-          </a:p>
-        </p:txBody>
-      </p:sp>
-      <p:sp>
-        <p:nvSpPr>
-          <p:cNvPr id="3" name="Subtitle 2"/>
-          <p:cNvSpPr>
-            <a:spLocks noGrp="1"/>
-          </p:cNvSpPr>
-          <p:nvPr>
-            <p:ph type="subTitle" idx="1"/>
-          </p:nvPr>
-        </p:nvSpPr>
-        <p:spPr>
-          <a:xfrm>
-            <a:off x="1371600" y="2914650"/>
-            <a:ext cx="6400800" cy="1314450"/>
-          </a:xfrm>
-        </p:spPr>
-        <p:txBody>
-          <a:bodyPr/>
-          <a:lstStyle/>
-          <a:p>
-            <a:pPr lvl="0" marL="0" indent="0">
-              <a:buNone/>
-            </a:pPr>
-            <a:br/>
-            <a:br/>
-          </a:p>
-        </p:txBody>
-      </p:sp>
+      <p:sp/>
+      <p:sp/>
     </p:spTree>
   </p:cSld>
 </p:sld>
@@ -3571,7 +3458,7 @@
       </p:sp>
       <p:pic>
         <p:nvPicPr>
-          <p:cNvPr descr="report_files/figure-pptx/unnamed-chunk-8-1.png" id="0" name="Picture 1"/>
+          <p:cNvPr descr="report_files/figure-pptx/allContactsPerRegionBarChart-1.png" id="0" name="Picture 1"/>
           <p:cNvPicPr>
             <a:picLocks noGrp="1" noChangeAspect="1"/>
           </p:cNvPicPr>
@@ -3672,7 +3559,7 @@
       </p:sp>
       <p:pic>
         <p:nvPicPr>
-          <p:cNvPr descr="report_files/figure-pptx/unnamed-chunk-9-1.png" id="0" name="Picture 1"/>
+          <p:cNvPr descr="report_files/figure-pptx/allContactsPerRegionSunburstPlot-1.png" id="0" name="Picture 1"/>
           <p:cNvPicPr>
             <a:picLocks noGrp="1" noChangeAspect="1"/>
           </p:cNvPicPr>
@@ -3724,6 +3611,3821 @@
       </p:grpSpPr>
       <p:sp>
         <p:nvSpPr>
+          <p:cNvPr id="2" name="Title 1"/>
+          <p:cNvSpPr>
+            <a:spLocks noGrp="1"/>
+          </p:cNvSpPr>
+          <p:nvPr>
+            <p:ph type="title"/>
+          </p:nvPr>
+        </p:nvSpPr>
+        <p:spPr/>
+        <p:txBody>
+          <a:bodyPr/>
+          <a:lstStyle/>
+          <a:p>
+            <a:pPr lvl="0" marL="0" indent="0">
+              <a:buNone/>
+            </a:pPr>
+            <a:r>
+              <a:rPr/>
+              <a:t>Regional</a:t>
+            </a:r>
+            <a:r>
+              <a:rPr/>
+              <a:t> </a:t>
+            </a:r>
+            <a:r>
+              <a:rPr/>
+              <a:t>breakdown</a:t>
+            </a:r>
+            <a:r>
+              <a:rPr/>
+              <a:t> </a:t>
+            </a:r>
+            <a:r>
+              <a:rPr/>
+              <a:t>table</a:t>
+            </a:r>
+          </a:p>
+        </p:txBody>
+      </p:sp>
+      <p:graphicFrame xmlns:a="http://schemas.openxmlformats.org/drawingml/2006/main" xmlns:r="http://schemas.openxmlformats.org/officeDocument/2006/relationships" xmlns:p="http://schemas.openxmlformats.org/presentationml/2006/main">
+        <p:nvGraphicFramePr>
+          <p:cNvPr id="668466738" name=""/>
+          <p:cNvGraphicFramePr>
+            <a:graphicFrameLocks noGrp="true"/>
+          </p:cNvGraphicFramePr>
+          <p:nvPr/>
+        </p:nvGraphicFramePr>
+        <p:xfrm rot="0">
+          <a:off x="914400" y="1828800"/>
+          <a:ext cx="9144000" cy="5486400"/>
+        </p:xfrm>
+        <a:graphic>
+          <a:graphicData uri="http://schemas.openxmlformats.org/drawingml/2006/table">
+            <a:tbl>
+              <a:tblPr/>
+              <a:tblGrid>
+                <a:gridCol w="784045"/>
+                <a:gridCol w="2026588"/>
+                <a:gridCol w="1055373"/>
+                <a:gridCol w="551030"/>
+              </a:tblGrid>
+              <a:tr h="239956">
+                <a:tc>
+                  <a:txBody>
+                    <a:bodyPr/>
+                    <a:lstStyle/>
+                    <a:p>
+                      <a:pPr algn="l" marL="76200" marR="6350">
+                        <a:lnSpc>
+                          <a:spcPct val="100000"/>
+                        </a:lnSpc>
+                        <a:spcBef>
+                          <a:spcPts val="50"/>
+                        </a:spcBef>
+                        <a:spcAft>
+                          <a:spcPts val="50"/>
+                        </a:spcAft>
+                        <a:buNone/>
+                      </a:pPr>
+                      <a:r>
+                        <a:rPr sz="1100" b="1">
+                          <a:solidFill>
+                            <a:srgbClr val="FFFFFF">
+                              <a:alpha val="100000"/>
+                            </a:srgbClr>
+                          </a:solidFill>
+                          <a:latin typeface="Helvetica"/>
+                        </a:rPr>
+                        <a:t>Region</a:t>
+                      </a:r>
+                    </a:p>
+                  </a:txBody>
+                  <a:tcPr anchor="t" marB="0" marT="0" marR="0" marL="0">
+                    <a:lnL w="12700" cmpd="sng" algn="ctr" cap="flat">
+                      <a:solidFill>
+                        <a:srgbClr val="FFFFFF">
+                          <a:alpha val="100000"/>
+                        </a:srgbClr>
+                      </a:solidFill>
+                      <a:prstDash val="solid"/>
+                    </a:lnL>
+                    <a:lnR w="12700" cmpd="sng" algn="ctr" cap="flat">
+                      <a:solidFill>
+                        <a:srgbClr val="FFFFFF">
+                          <a:alpha val="100000"/>
+                        </a:srgbClr>
+                      </a:solidFill>
+                      <a:prstDash val="solid"/>
+                    </a:lnR>
+                    <a:lnT w="12700" cmpd="sng" algn="ctr" cap="flat">
+                      <a:solidFill>
+                        <a:srgbClr val="FFFFFF">
+                          <a:alpha val="100000"/>
+                        </a:srgbClr>
+                      </a:solidFill>
+                      <a:prstDash val="solid"/>
+                    </a:lnT>
+                    <a:lnB w="12700" cmpd="sng" algn="ctr" cap="flat">
+                      <a:solidFill>
+                        <a:srgbClr val="FFFFFF">
+                          <a:alpha val="100000"/>
+                        </a:srgbClr>
+                      </a:solidFill>
+                      <a:prstDash val="solid"/>
+                    </a:lnB>
+                    <a:solidFill>
+                      <a:srgbClr val="5499C7">
+                        <a:alpha val="100000"/>
+                      </a:srgbClr>
+                    </a:solidFill>
+                  </a:tcPr>
+                </a:tc>
+                <a:tc>
+                  <a:txBody>
+                    <a:bodyPr/>
+                    <a:lstStyle/>
+                    <a:p>
+                      <a:pPr algn="l" marL="6350" marR="6350">
+                        <a:lnSpc>
+                          <a:spcPct val="100000"/>
+                        </a:lnSpc>
+                        <a:spcBef>
+                          <a:spcPts val="50"/>
+                        </a:spcBef>
+                        <a:spcAft>
+                          <a:spcPts val="50"/>
+                        </a:spcAft>
+                        <a:buNone/>
+                      </a:pPr>
+                      <a:r>
+                        <a:rPr sz="1100" b="1">
+                          <a:solidFill>
+                            <a:srgbClr val="FFFFFF">
+                              <a:alpha val="100000"/>
+                            </a:srgbClr>
+                          </a:solidFill>
+                          <a:latin typeface="Helvetica"/>
+                        </a:rPr>
+                        <a:t>District</a:t>
+                      </a:r>
+                    </a:p>
+                  </a:txBody>
+                  <a:tcPr anchor="t" marB="0" marT="0" marR="0" marL="0">
+                    <a:lnL w="12700" cmpd="sng" algn="ctr" cap="flat">
+                      <a:solidFill>
+                        <a:srgbClr val="FFFFFF">
+                          <a:alpha val="100000"/>
+                        </a:srgbClr>
+                      </a:solidFill>
+                      <a:prstDash val="solid"/>
+                    </a:lnL>
+                    <a:lnR w="12700" cmpd="sng" algn="ctr" cap="flat">
+                      <a:solidFill>
+                        <a:srgbClr val="FFFFFF">
+                          <a:alpha val="100000"/>
+                        </a:srgbClr>
+                      </a:solidFill>
+                      <a:prstDash val="solid"/>
+                    </a:lnR>
+                    <a:lnT w="12700" cmpd="sng" algn="ctr" cap="flat">
+                      <a:solidFill>
+                        <a:srgbClr val="FFFFFF">
+                          <a:alpha val="100000"/>
+                        </a:srgbClr>
+                      </a:solidFill>
+                      <a:prstDash val="solid"/>
+                    </a:lnT>
+                    <a:lnB w="12700" cmpd="sng" algn="ctr" cap="flat">
+                      <a:solidFill>
+                        <a:srgbClr val="FFFFFF">
+                          <a:alpha val="100000"/>
+                        </a:srgbClr>
+                      </a:solidFill>
+                      <a:prstDash val="solid"/>
+                    </a:lnB>
+                    <a:solidFill>
+                      <a:srgbClr val="5499C7">
+                        <a:alpha val="100000"/>
+                      </a:srgbClr>
+                    </a:solidFill>
+                  </a:tcPr>
+                </a:tc>
+                <a:tc>
+                  <a:txBody>
+                    <a:bodyPr/>
+                    <a:lstStyle/>
+                    <a:p>
+                      <a:pPr algn="r" marL="6350" marR="6350">
+                        <a:lnSpc>
+                          <a:spcPct val="100000"/>
+                        </a:lnSpc>
+                        <a:spcBef>
+                          <a:spcPts val="50"/>
+                        </a:spcBef>
+                        <a:spcAft>
+                          <a:spcPts val="50"/>
+                        </a:spcAft>
+                        <a:buNone/>
+                      </a:pPr>
+                      <a:r>
+                        <a:rPr sz="1100" b="1">
+                          <a:solidFill>
+                            <a:srgbClr val="FFFFFF">
+                              <a:alpha val="100000"/>
+                            </a:srgbClr>
+                          </a:solidFill>
+                          <a:latin typeface="Helvetica"/>
+                        </a:rPr>
+                        <a:t>Total contacts</a:t>
+                      </a:r>
+                    </a:p>
+                  </a:txBody>
+                  <a:tcPr anchor="t" marB="0" marT="0" marR="0" marL="0">
+                    <a:lnL w="12700" cmpd="sng" algn="ctr" cap="flat">
+                      <a:solidFill>
+                        <a:srgbClr val="FFFFFF">
+                          <a:alpha val="100000"/>
+                        </a:srgbClr>
+                      </a:solidFill>
+                      <a:prstDash val="solid"/>
+                    </a:lnL>
+                    <a:lnR w="12700" cmpd="sng" algn="ctr" cap="flat">
+                      <a:solidFill>
+                        <a:srgbClr val="FFFFFF">
+                          <a:alpha val="100000"/>
+                        </a:srgbClr>
+                      </a:solidFill>
+                      <a:prstDash val="solid"/>
+                    </a:lnR>
+                    <a:lnT w="12700" cmpd="sng" algn="ctr" cap="flat">
+                      <a:solidFill>
+                        <a:srgbClr val="FFFFFF">
+                          <a:alpha val="100000"/>
+                        </a:srgbClr>
+                      </a:solidFill>
+                      <a:prstDash val="solid"/>
+                    </a:lnT>
+                    <a:lnB w="12700" cmpd="sng" algn="ctr" cap="flat">
+                      <a:solidFill>
+                        <a:srgbClr val="FFFFFF">
+                          <a:alpha val="100000"/>
+                        </a:srgbClr>
+                      </a:solidFill>
+                      <a:prstDash val="solid"/>
+                    </a:lnB>
+                    <a:solidFill>
+                      <a:srgbClr val="5499C7">
+                        <a:alpha val="100000"/>
+                      </a:srgbClr>
+                    </a:solidFill>
+                  </a:tcPr>
+                </a:tc>
+                <a:tc>
+                  <a:txBody>
+                    <a:bodyPr/>
+                    <a:lstStyle/>
+                    <a:p>
+                      <a:pPr algn="r" marL="6350" marR="76200">
+                        <a:lnSpc>
+                          <a:spcPct val="100000"/>
+                        </a:lnSpc>
+                        <a:spcBef>
+                          <a:spcPts val="50"/>
+                        </a:spcBef>
+                        <a:spcAft>
+                          <a:spcPts val="50"/>
+                        </a:spcAft>
+                        <a:buNone/>
+                      </a:pPr>
+                      <a:r>
+                        <a:rPr sz="1100" b="1">
+                          <a:solidFill>
+                            <a:srgbClr val="FFFFFF">
+                              <a:alpha val="100000"/>
+                            </a:srgbClr>
+                          </a:solidFill>
+                          <a:latin typeface="Helvetica"/>
+                        </a:rPr>
+                        <a:t>%</a:t>
+                      </a:r>
+                    </a:p>
+                  </a:txBody>
+                  <a:tcPr anchor="t" marB="0" marT="0" marR="0" marL="0">
+                    <a:lnL w="12700" cmpd="sng" algn="ctr" cap="flat">
+                      <a:solidFill>
+                        <a:srgbClr val="FFFFFF">
+                          <a:alpha val="100000"/>
+                        </a:srgbClr>
+                      </a:solidFill>
+                      <a:prstDash val="solid"/>
+                    </a:lnL>
+                    <a:lnR w="12700" cmpd="sng" algn="ctr" cap="flat">
+                      <a:solidFill>
+                        <a:srgbClr val="FFFFFF">
+                          <a:alpha val="100000"/>
+                        </a:srgbClr>
+                      </a:solidFill>
+                      <a:prstDash val="solid"/>
+                    </a:lnR>
+                    <a:lnT w="12700" cmpd="sng" algn="ctr" cap="flat">
+                      <a:solidFill>
+                        <a:srgbClr val="FFFFFF">
+                          <a:alpha val="100000"/>
+                        </a:srgbClr>
+                      </a:solidFill>
+                      <a:prstDash val="solid"/>
+                    </a:lnT>
+                    <a:lnB w="12700" cmpd="sng" algn="ctr" cap="flat">
+                      <a:solidFill>
+                        <a:srgbClr val="FFFFFF">
+                          <a:alpha val="100000"/>
+                        </a:srgbClr>
+                      </a:solidFill>
+                      <a:prstDash val="solid"/>
+                    </a:lnB>
+                    <a:solidFill>
+                      <a:srgbClr val="5499C7">
+                        <a:alpha val="100000"/>
+                      </a:srgbClr>
+                    </a:solidFill>
+                  </a:tcPr>
+                </a:tc>
+              </a:tr>
+              <a:tr h="238387">
+                <a:tc>
+                  <a:txBody>
+                    <a:bodyPr/>
+                    <a:lstStyle/>
+                    <a:p>
+                      <a:pPr algn="l" marL="76200" marR="6350">
+                        <a:lnSpc>
+                          <a:spcPct val="100000"/>
+                        </a:lnSpc>
+                        <a:spcBef>
+                          <a:spcPts val="50"/>
+                        </a:spcBef>
+                        <a:spcAft>
+                          <a:spcPts val="50"/>
+                        </a:spcAft>
+                        <a:buNone/>
+                      </a:pPr>
+                      <a:r>
+                        <a:rPr sz="1100">
+                          <a:solidFill>
+                            <a:srgbClr val="000000">
+                              <a:alpha val="100000"/>
+                            </a:srgbClr>
+                          </a:solidFill>
+                          <a:latin typeface="Helvetica"/>
+                        </a:rPr>
+                        <a:t>Abidjan 2</a:t>
+                      </a:r>
+                    </a:p>
+                  </a:txBody>
+                  <a:tcPr anchor="t" marB="0" marT="0" marR="0" marL="0">
+                    <a:lnL w="12700" cmpd="sng" algn="ctr" cap="flat">
+                      <a:solidFill>
+                        <a:srgbClr val="FFFFFF">
+                          <a:alpha val="100000"/>
+                        </a:srgbClr>
+                      </a:solidFill>
+                      <a:prstDash val="solid"/>
+                    </a:lnL>
+                    <a:lnR w="12700" cmpd="sng" algn="ctr" cap="flat">
+                      <a:solidFill>
+                        <a:srgbClr val="FFFFFF">
+                          <a:alpha val="100000"/>
+                        </a:srgbClr>
+                      </a:solidFill>
+                      <a:prstDash val="solid"/>
+                    </a:lnR>
+                    <a:lnT w="12700" cmpd="sng" algn="ctr" cap="flat">
+                      <a:solidFill>
+                        <a:srgbClr val="FFFFFF">
+                          <a:alpha val="100000"/>
+                        </a:srgbClr>
+                      </a:solidFill>
+                      <a:prstDash val="solid"/>
+                    </a:lnT>
+                    <a:lnB w="12700" cmpd="sng" algn="ctr" cap="flat">
+                      <a:solidFill>
+                        <a:srgbClr val="FFFFFF">
+                          <a:alpha val="100000"/>
+                        </a:srgbClr>
+                      </a:solidFill>
+                      <a:prstDash val="solid"/>
+                    </a:lnB>
+                    <a:solidFill>
+                      <a:srgbClr val="D4E6F1">
+                        <a:alpha val="100000"/>
+                      </a:srgbClr>
+                    </a:solidFill>
+                  </a:tcPr>
+                </a:tc>
+                <a:tc>
+                  <a:txBody>
+                    <a:bodyPr/>
+                    <a:lstStyle/>
+                    <a:p>
+                      <a:pPr algn="l" marL="6350" marR="6350">
+                        <a:lnSpc>
+                          <a:spcPct val="100000"/>
+                        </a:lnSpc>
+                        <a:spcBef>
+                          <a:spcPts val="50"/>
+                        </a:spcBef>
+                        <a:spcAft>
+                          <a:spcPts val="50"/>
+                        </a:spcAft>
+                        <a:buNone/>
+                      </a:pPr>
+                      <a:r>
+                        <a:rPr sz="1100">
+                          <a:solidFill>
+                            <a:srgbClr val="000000">
+                              <a:alpha val="100000"/>
+                            </a:srgbClr>
+                          </a:solidFill>
+                          <a:latin typeface="Helvetica"/>
+                        </a:rPr>
+                        <a:t>Adjame &amp; Plateau &amp; Attecoube</a:t>
+                      </a:r>
+                    </a:p>
+                  </a:txBody>
+                  <a:tcPr anchor="t" marB="0" marT="0" marR="0" marL="0">
+                    <a:lnL w="12700" cmpd="sng" algn="ctr" cap="flat">
+                      <a:solidFill>
+                        <a:srgbClr val="FFFFFF">
+                          <a:alpha val="100000"/>
+                        </a:srgbClr>
+                      </a:solidFill>
+                      <a:prstDash val="solid"/>
+                    </a:lnL>
+                    <a:lnR w="12700" cmpd="sng" algn="ctr" cap="flat">
+                      <a:solidFill>
+                        <a:srgbClr val="FFFFFF">
+                          <a:alpha val="100000"/>
+                        </a:srgbClr>
+                      </a:solidFill>
+                      <a:prstDash val="solid"/>
+                    </a:lnR>
+                    <a:lnT w="12700" cmpd="sng" algn="ctr" cap="flat">
+                      <a:solidFill>
+                        <a:srgbClr val="FFFFFF">
+                          <a:alpha val="100000"/>
+                        </a:srgbClr>
+                      </a:solidFill>
+                      <a:prstDash val="solid"/>
+                    </a:lnT>
+                    <a:lnB w="12700" cmpd="sng" algn="ctr" cap="flat">
+                      <a:solidFill>
+                        <a:srgbClr val="FFFFFF">
+                          <a:alpha val="100000"/>
+                        </a:srgbClr>
+                      </a:solidFill>
+                      <a:prstDash val="solid"/>
+                    </a:lnB>
+                    <a:solidFill>
+                      <a:srgbClr val="D4E6F1">
+                        <a:alpha val="100000"/>
+                      </a:srgbClr>
+                    </a:solidFill>
+                  </a:tcPr>
+                </a:tc>
+                <a:tc>
+                  <a:txBody>
+                    <a:bodyPr/>
+                    <a:lstStyle/>
+                    <a:p>
+                      <a:pPr algn="r" marL="6350" marR="6350">
+                        <a:lnSpc>
+                          <a:spcPct val="100000"/>
+                        </a:lnSpc>
+                        <a:spcBef>
+                          <a:spcPts val="50"/>
+                        </a:spcBef>
+                        <a:spcAft>
+                          <a:spcPts val="50"/>
+                        </a:spcAft>
+                        <a:buNone/>
+                      </a:pPr>
+                      <a:r>
+                        <a:rPr sz="1100">
+                          <a:solidFill>
+                            <a:srgbClr val="000000">
+                              <a:alpha val="100000"/>
+                            </a:srgbClr>
+                          </a:solidFill>
+                          <a:latin typeface="Helvetica"/>
+                        </a:rPr>
+                        <a:t>50</a:t>
+                      </a:r>
+                    </a:p>
+                  </a:txBody>
+                  <a:tcPr anchor="t" marB="0" marT="0" marR="0" marL="0">
+                    <a:lnL w="12700" cmpd="sng" algn="ctr" cap="flat">
+                      <a:solidFill>
+                        <a:srgbClr val="FFFFFF">
+                          <a:alpha val="100000"/>
+                        </a:srgbClr>
+                      </a:solidFill>
+                      <a:prstDash val="solid"/>
+                    </a:lnL>
+                    <a:lnR w="12700" cmpd="sng" algn="ctr" cap="flat">
+                      <a:solidFill>
+                        <a:srgbClr val="FFFFFF">
+                          <a:alpha val="100000"/>
+                        </a:srgbClr>
+                      </a:solidFill>
+                      <a:prstDash val="solid"/>
+                    </a:lnR>
+                    <a:lnT w="12700" cmpd="sng" algn="ctr" cap="flat">
+                      <a:solidFill>
+                        <a:srgbClr val="FFFFFF">
+                          <a:alpha val="100000"/>
+                        </a:srgbClr>
+                      </a:solidFill>
+                      <a:prstDash val="solid"/>
+                    </a:lnT>
+                    <a:lnB w="12700" cmpd="sng" algn="ctr" cap="flat">
+                      <a:solidFill>
+                        <a:srgbClr val="FFFFFF">
+                          <a:alpha val="100000"/>
+                        </a:srgbClr>
+                      </a:solidFill>
+                      <a:prstDash val="solid"/>
+                    </a:lnB>
+                    <a:solidFill>
+                      <a:srgbClr val="D4E6F1">
+                        <a:alpha val="100000"/>
+                      </a:srgbClr>
+                    </a:solidFill>
+                  </a:tcPr>
+                </a:tc>
+                <a:tc>
+                  <a:txBody>
+                    <a:bodyPr/>
+                    <a:lstStyle/>
+                    <a:p>
+                      <a:pPr algn="r" marL="6350" marR="76200">
+                        <a:lnSpc>
+                          <a:spcPct val="100000"/>
+                        </a:lnSpc>
+                        <a:spcBef>
+                          <a:spcPts val="50"/>
+                        </a:spcBef>
+                        <a:spcAft>
+                          <a:spcPts val="50"/>
+                        </a:spcAft>
+                        <a:buNone/>
+                      </a:pPr>
+                      <a:r>
+                        <a:rPr sz="1100">
+                          <a:solidFill>
+                            <a:srgbClr val="000000">
+                              <a:alpha val="100000"/>
+                            </a:srgbClr>
+                          </a:solidFill>
+                          <a:latin typeface="Helvetica"/>
+                        </a:rPr>
+                        <a:t>12.6 </a:t>
+                      </a:r>
+                    </a:p>
+                  </a:txBody>
+                  <a:tcPr anchor="t" marB="0" marT="0" marR="0" marL="0">
+                    <a:lnL w="12700" cmpd="sng" algn="ctr" cap="flat">
+                      <a:solidFill>
+                        <a:srgbClr val="FFFFFF">
+                          <a:alpha val="100000"/>
+                        </a:srgbClr>
+                      </a:solidFill>
+                      <a:prstDash val="solid"/>
+                    </a:lnL>
+                    <a:lnR w="12700" cmpd="sng" algn="ctr" cap="flat">
+                      <a:solidFill>
+                        <a:srgbClr val="FFFFFF">
+                          <a:alpha val="100000"/>
+                        </a:srgbClr>
+                      </a:solidFill>
+                      <a:prstDash val="solid"/>
+                    </a:lnR>
+                    <a:lnT w="12700" cmpd="sng" algn="ctr" cap="flat">
+                      <a:solidFill>
+                        <a:srgbClr val="FFFFFF">
+                          <a:alpha val="100000"/>
+                        </a:srgbClr>
+                      </a:solidFill>
+                      <a:prstDash val="solid"/>
+                    </a:lnT>
+                    <a:lnB w="12700" cmpd="sng" algn="ctr" cap="flat">
+                      <a:solidFill>
+                        <a:srgbClr val="FFFFFF">
+                          <a:alpha val="100000"/>
+                        </a:srgbClr>
+                      </a:solidFill>
+                      <a:prstDash val="solid"/>
+                    </a:lnB>
+                    <a:solidFill>
+                      <a:srgbClr val="D4E6F1">
+                        <a:alpha val="100000"/>
+                      </a:srgbClr>
+                    </a:solidFill>
+                  </a:tcPr>
+                </a:tc>
+              </a:tr>
+              <a:tr h="238387">
+                <a:tc>
+                  <a:txBody>
+                    <a:bodyPr/>
+                    <a:lstStyle/>
+                    <a:p>
+                      <a:pPr algn="l" marL="76200" marR="6350">
+                        <a:lnSpc>
+                          <a:spcPct val="100000"/>
+                        </a:lnSpc>
+                        <a:spcBef>
+                          <a:spcPts val="50"/>
+                        </a:spcBef>
+                        <a:spcAft>
+                          <a:spcPts val="50"/>
+                        </a:spcAft>
+                        <a:buNone/>
+                      </a:pPr>
+                      <a:r>
+                        <a:rPr sz="1100">
+                          <a:solidFill>
+                            <a:srgbClr val="000000">
+                              <a:alpha val="100000"/>
+                            </a:srgbClr>
+                          </a:solidFill>
+                          <a:latin typeface="Helvetica"/>
+                        </a:rPr>
+                        <a:t>Abidjan 2</a:t>
+                      </a:r>
+                    </a:p>
+                  </a:txBody>
+                  <a:tcPr anchor="t" marB="0" marT="0" marR="0" marL="0">
+                    <a:lnL w="12700" cmpd="sng" algn="ctr" cap="flat">
+                      <a:solidFill>
+                        <a:srgbClr val="FFFFFF">
+                          <a:alpha val="100000"/>
+                        </a:srgbClr>
+                      </a:solidFill>
+                      <a:prstDash val="solid"/>
+                    </a:lnL>
+                    <a:lnR w="12700" cmpd="sng" algn="ctr" cap="flat">
+                      <a:solidFill>
+                        <a:srgbClr val="FFFFFF">
+                          <a:alpha val="100000"/>
+                        </a:srgbClr>
+                      </a:solidFill>
+                      <a:prstDash val="solid"/>
+                    </a:lnR>
+                    <a:lnT w="12700" cmpd="sng" algn="ctr" cap="flat">
+                      <a:solidFill>
+                        <a:srgbClr val="FFFFFF">
+                          <a:alpha val="100000"/>
+                        </a:srgbClr>
+                      </a:solidFill>
+                      <a:prstDash val="solid"/>
+                    </a:lnT>
+                    <a:lnB w="12700" cmpd="sng" algn="ctr" cap="flat">
+                      <a:solidFill>
+                        <a:srgbClr val="FFFFFF">
+                          <a:alpha val="100000"/>
+                        </a:srgbClr>
+                      </a:solidFill>
+                      <a:prstDash val="solid"/>
+                    </a:lnB>
+                    <a:solidFill>
+                      <a:srgbClr val="A9CCE3">
+                        <a:alpha val="100000"/>
+                      </a:srgbClr>
+                    </a:solidFill>
+                  </a:tcPr>
+                </a:tc>
+                <a:tc>
+                  <a:txBody>
+                    <a:bodyPr/>
+                    <a:lstStyle/>
+                    <a:p>
+                      <a:pPr algn="l" marL="6350" marR="6350">
+                        <a:lnSpc>
+                          <a:spcPct val="100000"/>
+                        </a:lnSpc>
+                        <a:spcBef>
+                          <a:spcPts val="50"/>
+                        </a:spcBef>
+                        <a:spcAft>
+                          <a:spcPts val="50"/>
+                        </a:spcAft>
+                        <a:buNone/>
+                      </a:pPr>
+                      <a:r>
+                        <a:rPr sz="1100">
+                          <a:solidFill>
+                            <a:srgbClr val="000000">
+                              <a:alpha val="100000"/>
+                            </a:srgbClr>
+                          </a:solidFill>
+                          <a:latin typeface="Helvetica"/>
+                        </a:rPr>
+                        <a:t>Port Bouet &amp; Vridi</a:t>
+                      </a:r>
+                    </a:p>
+                  </a:txBody>
+                  <a:tcPr anchor="t" marB="0" marT="0" marR="0" marL="0">
+                    <a:lnL w="12700" cmpd="sng" algn="ctr" cap="flat">
+                      <a:solidFill>
+                        <a:srgbClr val="FFFFFF">
+                          <a:alpha val="100000"/>
+                        </a:srgbClr>
+                      </a:solidFill>
+                      <a:prstDash val="solid"/>
+                    </a:lnL>
+                    <a:lnR w="12700" cmpd="sng" algn="ctr" cap="flat">
+                      <a:solidFill>
+                        <a:srgbClr val="FFFFFF">
+                          <a:alpha val="100000"/>
+                        </a:srgbClr>
+                      </a:solidFill>
+                      <a:prstDash val="solid"/>
+                    </a:lnR>
+                    <a:lnT w="12700" cmpd="sng" algn="ctr" cap="flat">
+                      <a:solidFill>
+                        <a:srgbClr val="FFFFFF">
+                          <a:alpha val="100000"/>
+                        </a:srgbClr>
+                      </a:solidFill>
+                      <a:prstDash val="solid"/>
+                    </a:lnT>
+                    <a:lnB w="12700" cmpd="sng" algn="ctr" cap="flat">
+                      <a:solidFill>
+                        <a:srgbClr val="FFFFFF">
+                          <a:alpha val="100000"/>
+                        </a:srgbClr>
+                      </a:solidFill>
+                      <a:prstDash val="solid"/>
+                    </a:lnB>
+                    <a:solidFill>
+                      <a:srgbClr val="A9CCE3">
+                        <a:alpha val="100000"/>
+                      </a:srgbClr>
+                    </a:solidFill>
+                  </a:tcPr>
+                </a:tc>
+                <a:tc>
+                  <a:txBody>
+                    <a:bodyPr/>
+                    <a:lstStyle/>
+                    <a:p>
+                      <a:pPr algn="r" marL="6350" marR="6350">
+                        <a:lnSpc>
+                          <a:spcPct val="100000"/>
+                        </a:lnSpc>
+                        <a:spcBef>
+                          <a:spcPts val="50"/>
+                        </a:spcBef>
+                        <a:spcAft>
+                          <a:spcPts val="50"/>
+                        </a:spcAft>
+                        <a:buNone/>
+                      </a:pPr>
+                      <a:r>
+                        <a:rPr sz="1100">
+                          <a:solidFill>
+                            <a:srgbClr val="000000">
+                              <a:alpha val="100000"/>
+                            </a:srgbClr>
+                          </a:solidFill>
+                          <a:latin typeface="Helvetica"/>
+                        </a:rPr>
+                        <a:t>41</a:t>
+                      </a:r>
+                    </a:p>
+                  </a:txBody>
+                  <a:tcPr anchor="t" marB="0" marT="0" marR="0" marL="0">
+                    <a:lnL w="12700" cmpd="sng" algn="ctr" cap="flat">
+                      <a:solidFill>
+                        <a:srgbClr val="FFFFFF">
+                          <a:alpha val="100000"/>
+                        </a:srgbClr>
+                      </a:solidFill>
+                      <a:prstDash val="solid"/>
+                    </a:lnL>
+                    <a:lnR w="12700" cmpd="sng" algn="ctr" cap="flat">
+                      <a:solidFill>
+                        <a:srgbClr val="FFFFFF">
+                          <a:alpha val="100000"/>
+                        </a:srgbClr>
+                      </a:solidFill>
+                      <a:prstDash val="solid"/>
+                    </a:lnR>
+                    <a:lnT w="12700" cmpd="sng" algn="ctr" cap="flat">
+                      <a:solidFill>
+                        <a:srgbClr val="FFFFFF">
+                          <a:alpha val="100000"/>
+                        </a:srgbClr>
+                      </a:solidFill>
+                      <a:prstDash val="solid"/>
+                    </a:lnT>
+                    <a:lnB w="12700" cmpd="sng" algn="ctr" cap="flat">
+                      <a:solidFill>
+                        <a:srgbClr val="FFFFFF">
+                          <a:alpha val="100000"/>
+                        </a:srgbClr>
+                      </a:solidFill>
+                      <a:prstDash val="solid"/>
+                    </a:lnB>
+                    <a:solidFill>
+                      <a:srgbClr val="A9CCE3">
+                        <a:alpha val="100000"/>
+                      </a:srgbClr>
+                    </a:solidFill>
+                  </a:tcPr>
+                </a:tc>
+                <a:tc>
+                  <a:txBody>
+                    <a:bodyPr/>
+                    <a:lstStyle/>
+                    <a:p>
+                      <a:pPr algn="r" marL="6350" marR="76200">
+                        <a:lnSpc>
+                          <a:spcPct val="100000"/>
+                        </a:lnSpc>
+                        <a:spcBef>
+                          <a:spcPts val="50"/>
+                        </a:spcBef>
+                        <a:spcAft>
+                          <a:spcPts val="50"/>
+                        </a:spcAft>
+                        <a:buNone/>
+                      </a:pPr>
+                      <a:r>
+                        <a:rPr sz="1100">
+                          <a:solidFill>
+                            <a:srgbClr val="000000">
+                              <a:alpha val="100000"/>
+                            </a:srgbClr>
+                          </a:solidFill>
+                          <a:latin typeface="Helvetica"/>
+                        </a:rPr>
+                        <a:t>10.3 </a:t>
+                      </a:r>
+                    </a:p>
+                  </a:txBody>
+                  <a:tcPr anchor="t" marB="0" marT="0" marR="0" marL="0">
+                    <a:lnL w="12700" cmpd="sng" algn="ctr" cap="flat">
+                      <a:solidFill>
+                        <a:srgbClr val="FFFFFF">
+                          <a:alpha val="100000"/>
+                        </a:srgbClr>
+                      </a:solidFill>
+                      <a:prstDash val="solid"/>
+                    </a:lnL>
+                    <a:lnR w="12700" cmpd="sng" algn="ctr" cap="flat">
+                      <a:solidFill>
+                        <a:srgbClr val="FFFFFF">
+                          <a:alpha val="100000"/>
+                        </a:srgbClr>
+                      </a:solidFill>
+                      <a:prstDash val="solid"/>
+                    </a:lnR>
+                    <a:lnT w="12700" cmpd="sng" algn="ctr" cap="flat">
+                      <a:solidFill>
+                        <a:srgbClr val="FFFFFF">
+                          <a:alpha val="100000"/>
+                        </a:srgbClr>
+                      </a:solidFill>
+                      <a:prstDash val="solid"/>
+                    </a:lnT>
+                    <a:lnB w="12700" cmpd="sng" algn="ctr" cap="flat">
+                      <a:solidFill>
+                        <a:srgbClr val="FFFFFF">
+                          <a:alpha val="100000"/>
+                        </a:srgbClr>
+                      </a:solidFill>
+                      <a:prstDash val="solid"/>
+                    </a:lnB>
+                    <a:solidFill>
+                      <a:srgbClr val="A9CCE3">
+                        <a:alpha val="100000"/>
+                      </a:srgbClr>
+                    </a:solidFill>
+                  </a:tcPr>
+                </a:tc>
+              </a:tr>
+              <a:tr h="242207">
+                <a:tc>
+                  <a:txBody>
+                    <a:bodyPr/>
+                    <a:lstStyle/>
+                    <a:p>
+                      <a:pPr algn="l" marL="76200" marR="6350">
+                        <a:lnSpc>
+                          <a:spcPct val="100000"/>
+                        </a:lnSpc>
+                        <a:spcBef>
+                          <a:spcPts val="50"/>
+                        </a:spcBef>
+                        <a:spcAft>
+                          <a:spcPts val="50"/>
+                        </a:spcAft>
+                        <a:buNone/>
+                      </a:pPr>
+                      <a:r>
+                        <a:rPr sz="1100">
+                          <a:solidFill>
+                            <a:srgbClr val="000000">
+                              <a:alpha val="100000"/>
+                            </a:srgbClr>
+                          </a:solidFill>
+                          <a:latin typeface="Helvetica"/>
+                        </a:rPr>
+                        <a:t>Abidjan 2</a:t>
+                      </a:r>
+                    </a:p>
+                  </a:txBody>
+                  <a:tcPr anchor="t" marB="0" marT="0" marR="0" marL="0">
+                    <a:lnL w="12700" cmpd="sng" algn="ctr" cap="flat">
+                      <a:solidFill>
+                        <a:srgbClr val="FFFFFF">
+                          <a:alpha val="100000"/>
+                        </a:srgbClr>
+                      </a:solidFill>
+                      <a:prstDash val="solid"/>
+                    </a:lnL>
+                    <a:lnR w="12700" cmpd="sng" algn="ctr" cap="flat">
+                      <a:solidFill>
+                        <a:srgbClr val="FFFFFF">
+                          <a:alpha val="100000"/>
+                        </a:srgbClr>
+                      </a:solidFill>
+                      <a:prstDash val="solid"/>
+                    </a:lnR>
+                    <a:lnT w="12700" cmpd="sng" algn="ctr" cap="flat">
+                      <a:solidFill>
+                        <a:srgbClr val="FFFFFF">
+                          <a:alpha val="100000"/>
+                        </a:srgbClr>
+                      </a:solidFill>
+                      <a:prstDash val="solid"/>
+                    </a:lnT>
+                    <a:lnB w="12700" cmpd="sng" algn="ctr" cap="flat">
+                      <a:solidFill>
+                        <a:srgbClr val="FFFFFF">
+                          <a:alpha val="100000"/>
+                        </a:srgbClr>
+                      </a:solidFill>
+                      <a:prstDash val="solid"/>
+                    </a:lnB>
+                    <a:solidFill>
+                      <a:srgbClr val="D4E6F1">
+                        <a:alpha val="100000"/>
+                      </a:srgbClr>
+                    </a:solidFill>
+                  </a:tcPr>
+                </a:tc>
+                <a:tc>
+                  <a:txBody>
+                    <a:bodyPr/>
+                    <a:lstStyle/>
+                    <a:p>
+                      <a:pPr algn="l" marL="6350" marR="6350">
+                        <a:lnSpc>
+                          <a:spcPct val="100000"/>
+                        </a:lnSpc>
+                        <a:spcBef>
+                          <a:spcPts val="50"/>
+                        </a:spcBef>
+                        <a:spcAft>
+                          <a:spcPts val="50"/>
+                        </a:spcAft>
+                        <a:buNone/>
+                      </a:pPr>
+                      <a:r>
+                        <a:rPr sz="1100">
+                          <a:solidFill>
+                            <a:srgbClr val="000000">
+                              <a:alpha val="100000"/>
+                            </a:srgbClr>
+                          </a:solidFill>
+                          <a:latin typeface="Helvetica"/>
+                        </a:rPr>
+                        <a:t>Cocody Bingerville</a:t>
+                      </a:r>
+                    </a:p>
+                  </a:txBody>
+                  <a:tcPr anchor="t" marB="0" marT="0" marR="0" marL="0">
+                    <a:lnL w="12700" cmpd="sng" algn="ctr" cap="flat">
+                      <a:solidFill>
+                        <a:srgbClr val="FFFFFF">
+                          <a:alpha val="100000"/>
+                        </a:srgbClr>
+                      </a:solidFill>
+                      <a:prstDash val="solid"/>
+                    </a:lnL>
+                    <a:lnR w="12700" cmpd="sng" algn="ctr" cap="flat">
+                      <a:solidFill>
+                        <a:srgbClr val="FFFFFF">
+                          <a:alpha val="100000"/>
+                        </a:srgbClr>
+                      </a:solidFill>
+                      <a:prstDash val="solid"/>
+                    </a:lnR>
+                    <a:lnT w="12700" cmpd="sng" algn="ctr" cap="flat">
+                      <a:solidFill>
+                        <a:srgbClr val="FFFFFF">
+                          <a:alpha val="100000"/>
+                        </a:srgbClr>
+                      </a:solidFill>
+                      <a:prstDash val="solid"/>
+                    </a:lnT>
+                    <a:lnB w="12700" cmpd="sng" algn="ctr" cap="flat">
+                      <a:solidFill>
+                        <a:srgbClr val="FFFFFF">
+                          <a:alpha val="100000"/>
+                        </a:srgbClr>
+                      </a:solidFill>
+                      <a:prstDash val="solid"/>
+                    </a:lnB>
+                    <a:solidFill>
+                      <a:srgbClr val="D4E6F1">
+                        <a:alpha val="100000"/>
+                      </a:srgbClr>
+                    </a:solidFill>
+                  </a:tcPr>
+                </a:tc>
+                <a:tc>
+                  <a:txBody>
+                    <a:bodyPr/>
+                    <a:lstStyle/>
+                    <a:p>
+                      <a:pPr algn="r" marL="6350" marR="6350">
+                        <a:lnSpc>
+                          <a:spcPct val="100000"/>
+                        </a:lnSpc>
+                        <a:spcBef>
+                          <a:spcPts val="50"/>
+                        </a:spcBef>
+                        <a:spcAft>
+                          <a:spcPts val="50"/>
+                        </a:spcAft>
+                        <a:buNone/>
+                      </a:pPr>
+                      <a:r>
+                        <a:rPr sz="1100">
+                          <a:solidFill>
+                            <a:srgbClr val="000000">
+                              <a:alpha val="100000"/>
+                            </a:srgbClr>
+                          </a:solidFill>
+                          <a:latin typeface="Helvetica"/>
+                        </a:rPr>
+                        <a:t>40</a:t>
+                      </a:r>
+                    </a:p>
+                  </a:txBody>
+                  <a:tcPr anchor="t" marB="0" marT="0" marR="0" marL="0">
+                    <a:lnL w="12700" cmpd="sng" algn="ctr" cap="flat">
+                      <a:solidFill>
+                        <a:srgbClr val="FFFFFF">
+                          <a:alpha val="100000"/>
+                        </a:srgbClr>
+                      </a:solidFill>
+                      <a:prstDash val="solid"/>
+                    </a:lnL>
+                    <a:lnR w="12700" cmpd="sng" algn="ctr" cap="flat">
+                      <a:solidFill>
+                        <a:srgbClr val="FFFFFF">
+                          <a:alpha val="100000"/>
+                        </a:srgbClr>
+                      </a:solidFill>
+                      <a:prstDash val="solid"/>
+                    </a:lnR>
+                    <a:lnT w="12700" cmpd="sng" algn="ctr" cap="flat">
+                      <a:solidFill>
+                        <a:srgbClr val="FFFFFF">
+                          <a:alpha val="100000"/>
+                        </a:srgbClr>
+                      </a:solidFill>
+                      <a:prstDash val="solid"/>
+                    </a:lnT>
+                    <a:lnB w="12700" cmpd="sng" algn="ctr" cap="flat">
+                      <a:solidFill>
+                        <a:srgbClr val="FFFFFF">
+                          <a:alpha val="100000"/>
+                        </a:srgbClr>
+                      </a:solidFill>
+                      <a:prstDash val="solid"/>
+                    </a:lnB>
+                    <a:solidFill>
+                      <a:srgbClr val="D4E6F1">
+                        <a:alpha val="100000"/>
+                      </a:srgbClr>
+                    </a:solidFill>
+                  </a:tcPr>
+                </a:tc>
+                <a:tc>
+                  <a:txBody>
+                    <a:bodyPr/>
+                    <a:lstStyle/>
+                    <a:p>
+                      <a:pPr algn="r" marL="6350" marR="76200">
+                        <a:lnSpc>
+                          <a:spcPct val="100000"/>
+                        </a:lnSpc>
+                        <a:spcBef>
+                          <a:spcPts val="50"/>
+                        </a:spcBef>
+                        <a:spcAft>
+                          <a:spcPts val="50"/>
+                        </a:spcAft>
+                        <a:buNone/>
+                      </a:pPr>
+                      <a:r>
+                        <a:rPr sz="1100">
+                          <a:solidFill>
+                            <a:srgbClr val="000000">
+                              <a:alpha val="100000"/>
+                            </a:srgbClr>
+                          </a:solidFill>
+                          <a:latin typeface="Helvetica"/>
+                        </a:rPr>
+                        <a:t>10.1 </a:t>
+                      </a:r>
+                    </a:p>
+                  </a:txBody>
+                  <a:tcPr anchor="t" marB="0" marT="0" marR="0" marL="0">
+                    <a:lnL w="12700" cmpd="sng" algn="ctr" cap="flat">
+                      <a:solidFill>
+                        <a:srgbClr val="FFFFFF">
+                          <a:alpha val="100000"/>
+                        </a:srgbClr>
+                      </a:solidFill>
+                      <a:prstDash val="solid"/>
+                    </a:lnL>
+                    <a:lnR w="12700" cmpd="sng" algn="ctr" cap="flat">
+                      <a:solidFill>
+                        <a:srgbClr val="FFFFFF">
+                          <a:alpha val="100000"/>
+                        </a:srgbClr>
+                      </a:solidFill>
+                      <a:prstDash val="solid"/>
+                    </a:lnR>
+                    <a:lnT w="12700" cmpd="sng" algn="ctr" cap="flat">
+                      <a:solidFill>
+                        <a:srgbClr val="FFFFFF">
+                          <a:alpha val="100000"/>
+                        </a:srgbClr>
+                      </a:solidFill>
+                      <a:prstDash val="solid"/>
+                    </a:lnT>
+                    <a:lnB w="12700" cmpd="sng" algn="ctr" cap="flat">
+                      <a:solidFill>
+                        <a:srgbClr val="FFFFFF">
+                          <a:alpha val="100000"/>
+                        </a:srgbClr>
+                      </a:solidFill>
+                      <a:prstDash val="solid"/>
+                    </a:lnB>
+                    <a:solidFill>
+                      <a:srgbClr val="D4E6F1">
+                        <a:alpha val="100000"/>
+                      </a:srgbClr>
+                    </a:solidFill>
+                  </a:tcPr>
+                </a:tc>
+              </a:tr>
+              <a:tr h="238387">
+                <a:tc>
+                  <a:txBody>
+                    <a:bodyPr/>
+                    <a:lstStyle/>
+                    <a:p>
+                      <a:pPr algn="l" marL="76200" marR="6350">
+                        <a:lnSpc>
+                          <a:spcPct val="100000"/>
+                        </a:lnSpc>
+                        <a:spcBef>
+                          <a:spcPts val="50"/>
+                        </a:spcBef>
+                        <a:spcAft>
+                          <a:spcPts val="50"/>
+                        </a:spcAft>
+                        <a:buNone/>
+                      </a:pPr>
+                      <a:r>
+                        <a:rPr sz="1100">
+                          <a:solidFill>
+                            <a:srgbClr val="000000">
+                              <a:alpha val="100000"/>
+                            </a:srgbClr>
+                          </a:solidFill>
+                          <a:latin typeface="Helvetica"/>
+                        </a:rPr>
+                        <a:t>Abidjan 2</a:t>
+                      </a:r>
+                    </a:p>
+                  </a:txBody>
+                  <a:tcPr anchor="t" marB="0" marT="0" marR="0" marL="0">
+                    <a:lnL w="12700" cmpd="sng" algn="ctr" cap="flat">
+                      <a:solidFill>
+                        <a:srgbClr val="FFFFFF">
+                          <a:alpha val="100000"/>
+                        </a:srgbClr>
+                      </a:solidFill>
+                      <a:prstDash val="solid"/>
+                    </a:lnL>
+                    <a:lnR w="12700" cmpd="sng" algn="ctr" cap="flat">
+                      <a:solidFill>
+                        <a:srgbClr val="FFFFFF">
+                          <a:alpha val="100000"/>
+                        </a:srgbClr>
+                      </a:solidFill>
+                      <a:prstDash val="solid"/>
+                    </a:lnR>
+                    <a:lnT w="12700" cmpd="sng" algn="ctr" cap="flat">
+                      <a:solidFill>
+                        <a:srgbClr val="FFFFFF">
+                          <a:alpha val="100000"/>
+                        </a:srgbClr>
+                      </a:solidFill>
+                      <a:prstDash val="solid"/>
+                    </a:lnT>
+                    <a:lnB w="12700" cmpd="sng" algn="ctr" cap="flat">
+                      <a:solidFill>
+                        <a:srgbClr val="FFFFFF">
+                          <a:alpha val="100000"/>
+                        </a:srgbClr>
+                      </a:solidFill>
+                      <a:prstDash val="solid"/>
+                    </a:lnB>
+                    <a:solidFill>
+                      <a:srgbClr val="A9CCE3">
+                        <a:alpha val="100000"/>
+                      </a:srgbClr>
+                    </a:solidFill>
+                  </a:tcPr>
+                </a:tc>
+                <a:tc>
+                  <a:txBody>
+                    <a:bodyPr/>
+                    <a:lstStyle/>
+                    <a:p>
+                      <a:pPr algn="l" marL="6350" marR="6350">
+                        <a:lnSpc>
+                          <a:spcPct val="100000"/>
+                        </a:lnSpc>
+                        <a:spcBef>
+                          <a:spcPts val="50"/>
+                        </a:spcBef>
+                        <a:spcAft>
+                          <a:spcPts val="50"/>
+                        </a:spcAft>
+                        <a:buNone/>
+                      </a:pPr>
+                      <a:r>
+                        <a:rPr sz="1100">
+                          <a:solidFill>
+                            <a:srgbClr val="000000">
+                              <a:alpha val="100000"/>
+                            </a:srgbClr>
+                          </a:solidFill>
+                          <a:latin typeface="Helvetica"/>
+                        </a:rPr>
+                        <a:t>Koumassi</a:t>
+                      </a:r>
+                    </a:p>
+                  </a:txBody>
+                  <a:tcPr anchor="t" marB="0" marT="0" marR="0" marL="0">
+                    <a:lnL w="12700" cmpd="sng" algn="ctr" cap="flat">
+                      <a:solidFill>
+                        <a:srgbClr val="FFFFFF">
+                          <a:alpha val="100000"/>
+                        </a:srgbClr>
+                      </a:solidFill>
+                      <a:prstDash val="solid"/>
+                    </a:lnL>
+                    <a:lnR w="12700" cmpd="sng" algn="ctr" cap="flat">
+                      <a:solidFill>
+                        <a:srgbClr val="FFFFFF">
+                          <a:alpha val="100000"/>
+                        </a:srgbClr>
+                      </a:solidFill>
+                      <a:prstDash val="solid"/>
+                    </a:lnR>
+                    <a:lnT w="12700" cmpd="sng" algn="ctr" cap="flat">
+                      <a:solidFill>
+                        <a:srgbClr val="FFFFFF">
+                          <a:alpha val="100000"/>
+                        </a:srgbClr>
+                      </a:solidFill>
+                      <a:prstDash val="solid"/>
+                    </a:lnT>
+                    <a:lnB w="12700" cmpd="sng" algn="ctr" cap="flat">
+                      <a:solidFill>
+                        <a:srgbClr val="FFFFFF">
+                          <a:alpha val="100000"/>
+                        </a:srgbClr>
+                      </a:solidFill>
+                      <a:prstDash val="solid"/>
+                    </a:lnB>
+                    <a:solidFill>
+                      <a:srgbClr val="A9CCE3">
+                        <a:alpha val="100000"/>
+                      </a:srgbClr>
+                    </a:solidFill>
+                  </a:tcPr>
+                </a:tc>
+                <a:tc>
+                  <a:txBody>
+                    <a:bodyPr/>
+                    <a:lstStyle/>
+                    <a:p>
+                      <a:pPr algn="r" marL="6350" marR="6350">
+                        <a:lnSpc>
+                          <a:spcPct val="100000"/>
+                        </a:lnSpc>
+                        <a:spcBef>
+                          <a:spcPts val="50"/>
+                        </a:spcBef>
+                        <a:spcAft>
+                          <a:spcPts val="50"/>
+                        </a:spcAft>
+                        <a:buNone/>
+                      </a:pPr>
+                      <a:r>
+                        <a:rPr sz="1100">
+                          <a:solidFill>
+                            <a:srgbClr val="000000">
+                              <a:alpha val="100000"/>
+                            </a:srgbClr>
+                          </a:solidFill>
+                          <a:latin typeface="Helvetica"/>
+                        </a:rPr>
+                        <a:t>33</a:t>
+                      </a:r>
+                    </a:p>
+                  </a:txBody>
+                  <a:tcPr anchor="t" marB="0" marT="0" marR="0" marL="0">
+                    <a:lnL w="12700" cmpd="sng" algn="ctr" cap="flat">
+                      <a:solidFill>
+                        <a:srgbClr val="FFFFFF">
+                          <a:alpha val="100000"/>
+                        </a:srgbClr>
+                      </a:solidFill>
+                      <a:prstDash val="solid"/>
+                    </a:lnL>
+                    <a:lnR w="12700" cmpd="sng" algn="ctr" cap="flat">
+                      <a:solidFill>
+                        <a:srgbClr val="FFFFFF">
+                          <a:alpha val="100000"/>
+                        </a:srgbClr>
+                      </a:solidFill>
+                      <a:prstDash val="solid"/>
+                    </a:lnR>
+                    <a:lnT w="12700" cmpd="sng" algn="ctr" cap="flat">
+                      <a:solidFill>
+                        <a:srgbClr val="FFFFFF">
+                          <a:alpha val="100000"/>
+                        </a:srgbClr>
+                      </a:solidFill>
+                      <a:prstDash val="solid"/>
+                    </a:lnT>
+                    <a:lnB w="12700" cmpd="sng" algn="ctr" cap="flat">
+                      <a:solidFill>
+                        <a:srgbClr val="FFFFFF">
+                          <a:alpha val="100000"/>
+                        </a:srgbClr>
+                      </a:solidFill>
+                      <a:prstDash val="solid"/>
+                    </a:lnB>
+                    <a:solidFill>
+                      <a:srgbClr val="A9CCE3">
+                        <a:alpha val="100000"/>
+                      </a:srgbClr>
+                    </a:solidFill>
+                  </a:tcPr>
+                </a:tc>
+                <a:tc>
+                  <a:txBody>
+                    <a:bodyPr/>
+                    <a:lstStyle/>
+                    <a:p>
+                      <a:pPr algn="r" marL="6350" marR="76200">
+                        <a:lnSpc>
+                          <a:spcPct val="100000"/>
+                        </a:lnSpc>
+                        <a:spcBef>
+                          <a:spcPts val="50"/>
+                        </a:spcBef>
+                        <a:spcAft>
+                          <a:spcPts val="50"/>
+                        </a:spcAft>
+                        <a:buNone/>
+                      </a:pPr>
+                      <a:r>
+                        <a:rPr sz="1100">
+                          <a:solidFill>
+                            <a:srgbClr val="000000">
+                              <a:alpha val="100000"/>
+                            </a:srgbClr>
+                          </a:solidFill>
+                          <a:latin typeface="Helvetica"/>
+                        </a:rPr>
+                        <a:t>8.33</a:t>
+                      </a:r>
+                    </a:p>
+                  </a:txBody>
+                  <a:tcPr anchor="t" marB="0" marT="0" marR="0" marL="0">
+                    <a:lnL w="12700" cmpd="sng" algn="ctr" cap="flat">
+                      <a:solidFill>
+                        <a:srgbClr val="FFFFFF">
+                          <a:alpha val="100000"/>
+                        </a:srgbClr>
+                      </a:solidFill>
+                      <a:prstDash val="solid"/>
+                    </a:lnL>
+                    <a:lnR w="12700" cmpd="sng" algn="ctr" cap="flat">
+                      <a:solidFill>
+                        <a:srgbClr val="FFFFFF">
+                          <a:alpha val="100000"/>
+                        </a:srgbClr>
+                      </a:solidFill>
+                      <a:prstDash val="solid"/>
+                    </a:lnR>
+                    <a:lnT w="12700" cmpd="sng" algn="ctr" cap="flat">
+                      <a:solidFill>
+                        <a:srgbClr val="FFFFFF">
+                          <a:alpha val="100000"/>
+                        </a:srgbClr>
+                      </a:solidFill>
+                      <a:prstDash val="solid"/>
+                    </a:lnT>
+                    <a:lnB w="12700" cmpd="sng" algn="ctr" cap="flat">
+                      <a:solidFill>
+                        <a:srgbClr val="FFFFFF">
+                          <a:alpha val="100000"/>
+                        </a:srgbClr>
+                      </a:solidFill>
+                      <a:prstDash val="solid"/>
+                    </a:lnB>
+                    <a:solidFill>
+                      <a:srgbClr val="A9CCE3">
+                        <a:alpha val="100000"/>
+                      </a:srgbClr>
+                    </a:solidFill>
+                  </a:tcPr>
+                </a:tc>
+              </a:tr>
+              <a:tr h="238865">
+                <a:tc>
+                  <a:txBody>
+                    <a:bodyPr/>
+                    <a:lstStyle/>
+                    <a:p>
+                      <a:pPr algn="l" marL="76200" marR="6350">
+                        <a:lnSpc>
+                          <a:spcPct val="100000"/>
+                        </a:lnSpc>
+                        <a:spcBef>
+                          <a:spcPts val="50"/>
+                        </a:spcBef>
+                        <a:spcAft>
+                          <a:spcPts val="50"/>
+                        </a:spcAft>
+                        <a:buNone/>
+                      </a:pPr>
+                      <a:r>
+                        <a:rPr sz="1100">
+                          <a:solidFill>
+                            <a:srgbClr val="000000">
+                              <a:alpha val="100000"/>
+                            </a:srgbClr>
+                          </a:solidFill>
+                          <a:latin typeface="Helvetica"/>
+                        </a:rPr>
+                        <a:t>Abidjan 2</a:t>
+                      </a:r>
+                    </a:p>
+                  </a:txBody>
+                  <a:tcPr anchor="t" marB="0" marT="0" marR="0" marL="0">
+                    <a:lnL w="12700" cmpd="sng" algn="ctr" cap="flat">
+                      <a:solidFill>
+                        <a:srgbClr val="FFFFFF">
+                          <a:alpha val="100000"/>
+                        </a:srgbClr>
+                      </a:solidFill>
+                      <a:prstDash val="solid"/>
+                    </a:lnL>
+                    <a:lnR w="12700" cmpd="sng" algn="ctr" cap="flat">
+                      <a:solidFill>
+                        <a:srgbClr val="FFFFFF">
+                          <a:alpha val="100000"/>
+                        </a:srgbClr>
+                      </a:solidFill>
+                      <a:prstDash val="solid"/>
+                    </a:lnR>
+                    <a:lnT w="12700" cmpd="sng" algn="ctr" cap="flat">
+                      <a:solidFill>
+                        <a:srgbClr val="FFFFFF">
+                          <a:alpha val="100000"/>
+                        </a:srgbClr>
+                      </a:solidFill>
+                      <a:prstDash val="solid"/>
+                    </a:lnT>
+                    <a:lnB w="12700" cmpd="sng" algn="ctr" cap="flat">
+                      <a:solidFill>
+                        <a:srgbClr val="FFFFFF">
+                          <a:alpha val="100000"/>
+                        </a:srgbClr>
+                      </a:solidFill>
+                      <a:prstDash val="solid"/>
+                    </a:lnB>
+                    <a:solidFill>
+                      <a:srgbClr val="D4E6F1">
+                        <a:alpha val="100000"/>
+                      </a:srgbClr>
+                    </a:solidFill>
+                  </a:tcPr>
+                </a:tc>
+                <a:tc>
+                  <a:txBody>
+                    <a:bodyPr/>
+                    <a:lstStyle/>
+                    <a:p>
+                      <a:pPr algn="l" marL="6350" marR="6350">
+                        <a:lnSpc>
+                          <a:spcPct val="100000"/>
+                        </a:lnSpc>
+                        <a:spcBef>
+                          <a:spcPts val="50"/>
+                        </a:spcBef>
+                        <a:spcAft>
+                          <a:spcPts val="50"/>
+                        </a:spcAft>
+                        <a:buNone/>
+                      </a:pPr>
+                      <a:r>
+                        <a:rPr sz="1100">
+                          <a:solidFill>
+                            <a:srgbClr val="000000">
+                              <a:alpha val="100000"/>
+                            </a:srgbClr>
+                          </a:solidFill>
+                          <a:latin typeface="Helvetica"/>
+                        </a:rPr>
+                        <a:t>Trechville &amp; Marcory</a:t>
+                      </a:r>
+                    </a:p>
+                  </a:txBody>
+                  <a:tcPr anchor="t" marB="0" marT="0" marR="0" marL="0">
+                    <a:lnL w="12700" cmpd="sng" algn="ctr" cap="flat">
+                      <a:solidFill>
+                        <a:srgbClr val="FFFFFF">
+                          <a:alpha val="100000"/>
+                        </a:srgbClr>
+                      </a:solidFill>
+                      <a:prstDash val="solid"/>
+                    </a:lnL>
+                    <a:lnR w="12700" cmpd="sng" algn="ctr" cap="flat">
+                      <a:solidFill>
+                        <a:srgbClr val="FFFFFF">
+                          <a:alpha val="100000"/>
+                        </a:srgbClr>
+                      </a:solidFill>
+                      <a:prstDash val="solid"/>
+                    </a:lnR>
+                    <a:lnT w="12700" cmpd="sng" algn="ctr" cap="flat">
+                      <a:solidFill>
+                        <a:srgbClr val="FFFFFF">
+                          <a:alpha val="100000"/>
+                        </a:srgbClr>
+                      </a:solidFill>
+                      <a:prstDash val="solid"/>
+                    </a:lnT>
+                    <a:lnB w="12700" cmpd="sng" algn="ctr" cap="flat">
+                      <a:solidFill>
+                        <a:srgbClr val="FFFFFF">
+                          <a:alpha val="100000"/>
+                        </a:srgbClr>
+                      </a:solidFill>
+                      <a:prstDash val="solid"/>
+                    </a:lnB>
+                    <a:solidFill>
+                      <a:srgbClr val="D4E6F1">
+                        <a:alpha val="100000"/>
+                      </a:srgbClr>
+                    </a:solidFill>
+                  </a:tcPr>
+                </a:tc>
+                <a:tc>
+                  <a:txBody>
+                    <a:bodyPr/>
+                    <a:lstStyle/>
+                    <a:p>
+                      <a:pPr algn="r" marL="6350" marR="6350">
+                        <a:lnSpc>
+                          <a:spcPct val="100000"/>
+                        </a:lnSpc>
+                        <a:spcBef>
+                          <a:spcPts val="50"/>
+                        </a:spcBef>
+                        <a:spcAft>
+                          <a:spcPts val="50"/>
+                        </a:spcAft>
+                        <a:buNone/>
+                      </a:pPr>
+                      <a:r>
+                        <a:rPr sz="1100">
+                          <a:solidFill>
+                            <a:srgbClr val="000000">
+                              <a:alpha val="100000"/>
+                            </a:srgbClr>
+                          </a:solidFill>
+                          <a:latin typeface="Helvetica"/>
+                        </a:rPr>
+                        <a:t>29</a:t>
+                      </a:r>
+                    </a:p>
+                  </a:txBody>
+                  <a:tcPr anchor="t" marB="0" marT="0" marR="0" marL="0">
+                    <a:lnL w="12700" cmpd="sng" algn="ctr" cap="flat">
+                      <a:solidFill>
+                        <a:srgbClr val="FFFFFF">
+                          <a:alpha val="100000"/>
+                        </a:srgbClr>
+                      </a:solidFill>
+                      <a:prstDash val="solid"/>
+                    </a:lnL>
+                    <a:lnR w="12700" cmpd="sng" algn="ctr" cap="flat">
+                      <a:solidFill>
+                        <a:srgbClr val="FFFFFF">
+                          <a:alpha val="100000"/>
+                        </a:srgbClr>
+                      </a:solidFill>
+                      <a:prstDash val="solid"/>
+                    </a:lnR>
+                    <a:lnT w="12700" cmpd="sng" algn="ctr" cap="flat">
+                      <a:solidFill>
+                        <a:srgbClr val="FFFFFF">
+                          <a:alpha val="100000"/>
+                        </a:srgbClr>
+                      </a:solidFill>
+                      <a:prstDash val="solid"/>
+                    </a:lnT>
+                    <a:lnB w="12700" cmpd="sng" algn="ctr" cap="flat">
+                      <a:solidFill>
+                        <a:srgbClr val="FFFFFF">
+                          <a:alpha val="100000"/>
+                        </a:srgbClr>
+                      </a:solidFill>
+                      <a:prstDash val="solid"/>
+                    </a:lnB>
+                    <a:solidFill>
+                      <a:srgbClr val="D4E6F1">
+                        <a:alpha val="100000"/>
+                      </a:srgbClr>
+                    </a:solidFill>
+                  </a:tcPr>
+                </a:tc>
+                <a:tc>
+                  <a:txBody>
+                    <a:bodyPr/>
+                    <a:lstStyle/>
+                    <a:p>
+                      <a:pPr algn="r" marL="6350" marR="76200">
+                        <a:lnSpc>
+                          <a:spcPct val="100000"/>
+                        </a:lnSpc>
+                        <a:spcBef>
+                          <a:spcPts val="50"/>
+                        </a:spcBef>
+                        <a:spcAft>
+                          <a:spcPts val="50"/>
+                        </a:spcAft>
+                        <a:buNone/>
+                      </a:pPr>
+                      <a:r>
+                        <a:rPr sz="1100">
+                          <a:solidFill>
+                            <a:srgbClr val="000000">
+                              <a:alpha val="100000"/>
+                            </a:srgbClr>
+                          </a:solidFill>
+                          <a:latin typeface="Helvetica"/>
+                        </a:rPr>
+                        <a:t>7.32</a:t>
+                      </a:r>
+                    </a:p>
+                  </a:txBody>
+                  <a:tcPr anchor="t" marB="0" marT="0" marR="0" marL="0">
+                    <a:lnL w="12700" cmpd="sng" algn="ctr" cap="flat">
+                      <a:solidFill>
+                        <a:srgbClr val="FFFFFF">
+                          <a:alpha val="100000"/>
+                        </a:srgbClr>
+                      </a:solidFill>
+                      <a:prstDash val="solid"/>
+                    </a:lnL>
+                    <a:lnR w="12700" cmpd="sng" algn="ctr" cap="flat">
+                      <a:solidFill>
+                        <a:srgbClr val="FFFFFF">
+                          <a:alpha val="100000"/>
+                        </a:srgbClr>
+                      </a:solidFill>
+                      <a:prstDash val="solid"/>
+                    </a:lnR>
+                    <a:lnT w="12700" cmpd="sng" algn="ctr" cap="flat">
+                      <a:solidFill>
+                        <a:srgbClr val="FFFFFF">
+                          <a:alpha val="100000"/>
+                        </a:srgbClr>
+                      </a:solidFill>
+                      <a:prstDash val="solid"/>
+                    </a:lnT>
+                    <a:lnB w="12700" cmpd="sng" algn="ctr" cap="flat">
+                      <a:solidFill>
+                        <a:srgbClr val="FFFFFF">
+                          <a:alpha val="100000"/>
+                        </a:srgbClr>
+                      </a:solidFill>
+                      <a:prstDash val="solid"/>
+                    </a:lnB>
+                    <a:solidFill>
+                      <a:srgbClr val="D4E6F1">
+                        <a:alpha val="100000"/>
+                      </a:srgbClr>
+                    </a:solidFill>
+                  </a:tcPr>
+                </a:tc>
+              </a:tr>
+              <a:tr h="239479">
+                <a:tc>
+                  <a:txBody>
+                    <a:bodyPr/>
+                    <a:lstStyle/>
+                    <a:p>
+                      <a:pPr algn="l" marL="76200" marR="6350">
+                        <a:lnSpc>
+                          <a:spcPct val="100000"/>
+                        </a:lnSpc>
+                        <a:spcBef>
+                          <a:spcPts val="50"/>
+                        </a:spcBef>
+                        <a:spcAft>
+                          <a:spcPts val="50"/>
+                        </a:spcAft>
+                        <a:buNone/>
+                      </a:pPr>
+                      <a:r>
+                        <a:rPr sz="1100">
+                          <a:solidFill>
+                            <a:srgbClr val="000000">
+                              <a:alpha val="100000"/>
+                            </a:srgbClr>
+                          </a:solidFill>
+                          <a:latin typeface="Helvetica"/>
+                        </a:rPr>
+                        <a:t>Abidjan 1</a:t>
+                      </a:r>
+                    </a:p>
+                  </a:txBody>
+                  <a:tcPr anchor="t" marB="0" marT="0" marR="0" marL="0">
+                    <a:lnL w="12700" cmpd="sng" algn="ctr" cap="flat">
+                      <a:solidFill>
+                        <a:srgbClr val="FFFFFF">
+                          <a:alpha val="100000"/>
+                        </a:srgbClr>
+                      </a:solidFill>
+                      <a:prstDash val="solid"/>
+                    </a:lnL>
+                    <a:lnR w="12700" cmpd="sng" algn="ctr" cap="flat">
+                      <a:solidFill>
+                        <a:srgbClr val="FFFFFF">
+                          <a:alpha val="100000"/>
+                        </a:srgbClr>
+                      </a:solidFill>
+                      <a:prstDash val="solid"/>
+                    </a:lnR>
+                    <a:lnT w="12700" cmpd="sng" algn="ctr" cap="flat">
+                      <a:solidFill>
+                        <a:srgbClr val="FFFFFF">
+                          <a:alpha val="100000"/>
+                        </a:srgbClr>
+                      </a:solidFill>
+                      <a:prstDash val="solid"/>
+                    </a:lnT>
+                    <a:lnB w="12700" cmpd="sng" algn="ctr" cap="flat">
+                      <a:solidFill>
+                        <a:srgbClr val="FFFFFF">
+                          <a:alpha val="100000"/>
+                        </a:srgbClr>
+                      </a:solidFill>
+                      <a:prstDash val="solid"/>
+                    </a:lnB>
+                    <a:solidFill>
+                      <a:srgbClr val="A9CCE3">
+                        <a:alpha val="100000"/>
+                      </a:srgbClr>
+                    </a:solidFill>
+                  </a:tcPr>
+                </a:tc>
+                <a:tc>
+                  <a:txBody>
+                    <a:bodyPr/>
+                    <a:lstStyle/>
+                    <a:p>
+                      <a:pPr algn="l" marL="6350" marR="6350">
+                        <a:lnSpc>
+                          <a:spcPct val="100000"/>
+                        </a:lnSpc>
+                        <a:spcBef>
+                          <a:spcPts val="50"/>
+                        </a:spcBef>
+                        <a:spcAft>
+                          <a:spcPts val="50"/>
+                        </a:spcAft>
+                        <a:buNone/>
+                      </a:pPr>
+                      <a:r>
+                        <a:rPr sz="1100">
+                          <a:solidFill>
+                            <a:srgbClr val="000000">
+                              <a:alpha val="100000"/>
+                            </a:srgbClr>
+                          </a:solidFill>
+                          <a:latin typeface="Helvetica"/>
+                        </a:rPr>
+                        <a:t>Yopougan Est</a:t>
+                      </a:r>
+                    </a:p>
+                  </a:txBody>
+                  <a:tcPr anchor="t" marB="0" marT="0" marR="0" marL="0">
+                    <a:lnL w="12700" cmpd="sng" algn="ctr" cap="flat">
+                      <a:solidFill>
+                        <a:srgbClr val="FFFFFF">
+                          <a:alpha val="100000"/>
+                        </a:srgbClr>
+                      </a:solidFill>
+                      <a:prstDash val="solid"/>
+                    </a:lnL>
+                    <a:lnR w="12700" cmpd="sng" algn="ctr" cap="flat">
+                      <a:solidFill>
+                        <a:srgbClr val="FFFFFF">
+                          <a:alpha val="100000"/>
+                        </a:srgbClr>
+                      </a:solidFill>
+                      <a:prstDash val="solid"/>
+                    </a:lnR>
+                    <a:lnT w="12700" cmpd="sng" algn="ctr" cap="flat">
+                      <a:solidFill>
+                        <a:srgbClr val="FFFFFF">
+                          <a:alpha val="100000"/>
+                        </a:srgbClr>
+                      </a:solidFill>
+                      <a:prstDash val="solid"/>
+                    </a:lnT>
+                    <a:lnB w="12700" cmpd="sng" algn="ctr" cap="flat">
+                      <a:solidFill>
+                        <a:srgbClr val="FFFFFF">
+                          <a:alpha val="100000"/>
+                        </a:srgbClr>
+                      </a:solidFill>
+                      <a:prstDash val="solid"/>
+                    </a:lnB>
+                    <a:solidFill>
+                      <a:srgbClr val="A9CCE3">
+                        <a:alpha val="100000"/>
+                      </a:srgbClr>
+                    </a:solidFill>
+                  </a:tcPr>
+                </a:tc>
+                <a:tc>
+                  <a:txBody>
+                    <a:bodyPr/>
+                    <a:lstStyle/>
+                    <a:p>
+                      <a:pPr algn="r" marL="6350" marR="6350">
+                        <a:lnSpc>
+                          <a:spcPct val="100000"/>
+                        </a:lnSpc>
+                        <a:spcBef>
+                          <a:spcPts val="50"/>
+                        </a:spcBef>
+                        <a:spcAft>
+                          <a:spcPts val="50"/>
+                        </a:spcAft>
+                        <a:buNone/>
+                      </a:pPr>
+                      <a:r>
+                        <a:rPr sz="1100">
+                          <a:solidFill>
+                            <a:srgbClr val="000000">
+                              <a:alpha val="100000"/>
+                            </a:srgbClr>
+                          </a:solidFill>
+                          <a:latin typeface="Helvetica"/>
+                        </a:rPr>
+                        <a:t>50</a:t>
+                      </a:r>
+                    </a:p>
+                  </a:txBody>
+                  <a:tcPr anchor="t" marB="0" marT="0" marR="0" marL="0">
+                    <a:lnL w="12700" cmpd="sng" algn="ctr" cap="flat">
+                      <a:solidFill>
+                        <a:srgbClr val="FFFFFF">
+                          <a:alpha val="100000"/>
+                        </a:srgbClr>
+                      </a:solidFill>
+                      <a:prstDash val="solid"/>
+                    </a:lnL>
+                    <a:lnR w="12700" cmpd="sng" algn="ctr" cap="flat">
+                      <a:solidFill>
+                        <a:srgbClr val="FFFFFF">
+                          <a:alpha val="100000"/>
+                        </a:srgbClr>
+                      </a:solidFill>
+                      <a:prstDash val="solid"/>
+                    </a:lnR>
+                    <a:lnT w="12700" cmpd="sng" algn="ctr" cap="flat">
+                      <a:solidFill>
+                        <a:srgbClr val="FFFFFF">
+                          <a:alpha val="100000"/>
+                        </a:srgbClr>
+                      </a:solidFill>
+                      <a:prstDash val="solid"/>
+                    </a:lnT>
+                    <a:lnB w="12700" cmpd="sng" algn="ctr" cap="flat">
+                      <a:solidFill>
+                        <a:srgbClr val="FFFFFF">
+                          <a:alpha val="100000"/>
+                        </a:srgbClr>
+                      </a:solidFill>
+                      <a:prstDash val="solid"/>
+                    </a:lnB>
+                    <a:solidFill>
+                      <a:srgbClr val="A9CCE3">
+                        <a:alpha val="100000"/>
+                      </a:srgbClr>
+                    </a:solidFill>
+                  </a:tcPr>
+                </a:tc>
+                <a:tc>
+                  <a:txBody>
+                    <a:bodyPr/>
+                    <a:lstStyle/>
+                    <a:p>
+                      <a:pPr algn="r" marL="6350" marR="76200">
+                        <a:lnSpc>
+                          <a:spcPct val="100000"/>
+                        </a:lnSpc>
+                        <a:spcBef>
+                          <a:spcPts val="50"/>
+                        </a:spcBef>
+                        <a:spcAft>
+                          <a:spcPts val="50"/>
+                        </a:spcAft>
+                        <a:buNone/>
+                      </a:pPr>
+                      <a:r>
+                        <a:rPr sz="1100">
+                          <a:solidFill>
+                            <a:srgbClr val="000000">
+                              <a:alpha val="100000"/>
+                            </a:srgbClr>
+                          </a:solidFill>
+                          <a:latin typeface="Helvetica"/>
+                        </a:rPr>
+                        <a:t>12.6 </a:t>
+                      </a:r>
+                    </a:p>
+                  </a:txBody>
+                  <a:tcPr anchor="t" marB="0" marT="0" marR="0" marL="0">
+                    <a:lnL w="12700" cmpd="sng" algn="ctr" cap="flat">
+                      <a:solidFill>
+                        <a:srgbClr val="FFFFFF">
+                          <a:alpha val="100000"/>
+                        </a:srgbClr>
+                      </a:solidFill>
+                      <a:prstDash val="solid"/>
+                    </a:lnL>
+                    <a:lnR w="12700" cmpd="sng" algn="ctr" cap="flat">
+                      <a:solidFill>
+                        <a:srgbClr val="FFFFFF">
+                          <a:alpha val="100000"/>
+                        </a:srgbClr>
+                      </a:solidFill>
+                      <a:prstDash val="solid"/>
+                    </a:lnR>
+                    <a:lnT w="12700" cmpd="sng" algn="ctr" cap="flat">
+                      <a:solidFill>
+                        <a:srgbClr val="FFFFFF">
+                          <a:alpha val="100000"/>
+                        </a:srgbClr>
+                      </a:solidFill>
+                      <a:prstDash val="solid"/>
+                    </a:lnT>
+                    <a:lnB w="12700" cmpd="sng" algn="ctr" cap="flat">
+                      <a:solidFill>
+                        <a:srgbClr val="FFFFFF">
+                          <a:alpha val="100000"/>
+                        </a:srgbClr>
+                      </a:solidFill>
+                      <a:prstDash val="solid"/>
+                    </a:lnB>
+                    <a:solidFill>
+                      <a:srgbClr val="A9CCE3">
+                        <a:alpha val="100000"/>
+                      </a:srgbClr>
+                    </a:solidFill>
+                  </a:tcPr>
+                </a:tc>
+              </a:tr>
+              <a:tr h="238387">
+                <a:tc>
+                  <a:txBody>
+                    <a:bodyPr/>
+                    <a:lstStyle/>
+                    <a:p>
+                      <a:pPr algn="l" marL="76200" marR="6350">
+                        <a:lnSpc>
+                          <a:spcPct val="100000"/>
+                        </a:lnSpc>
+                        <a:spcBef>
+                          <a:spcPts val="50"/>
+                        </a:spcBef>
+                        <a:spcAft>
+                          <a:spcPts val="50"/>
+                        </a:spcAft>
+                        <a:buNone/>
+                      </a:pPr>
+                      <a:r>
+                        <a:rPr sz="1100">
+                          <a:solidFill>
+                            <a:srgbClr val="000000">
+                              <a:alpha val="100000"/>
+                            </a:srgbClr>
+                          </a:solidFill>
+                          <a:latin typeface="Helvetica"/>
+                        </a:rPr>
+                        <a:t>Abidjan 1</a:t>
+                      </a:r>
+                    </a:p>
+                  </a:txBody>
+                  <a:tcPr anchor="t" marB="0" marT="0" marR="0" marL="0">
+                    <a:lnL w="12700" cmpd="sng" algn="ctr" cap="flat">
+                      <a:solidFill>
+                        <a:srgbClr val="FFFFFF">
+                          <a:alpha val="100000"/>
+                        </a:srgbClr>
+                      </a:solidFill>
+                      <a:prstDash val="solid"/>
+                    </a:lnL>
+                    <a:lnR w="12700" cmpd="sng" algn="ctr" cap="flat">
+                      <a:solidFill>
+                        <a:srgbClr val="FFFFFF">
+                          <a:alpha val="100000"/>
+                        </a:srgbClr>
+                      </a:solidFill>
+                      <a:prstDash val="solid"/>
+                    </a:lnR>
+                    <a:lnT w="12700" cmpd="sng" algn="ctr" cap="flat">
+                      <a:solidFill>
+                        <a:srgbClr val="FFFFFF">
+                          <a:alpha val="100000"/>
+                        </a:srgbClr>
+                      </a:solidFill>
+                      <a:prstDash val="solid"/>
+                    </a:lnT>
+                    <a:lnB w="12700" cmpd="sng" algn="ctr" cap="flat">
+                      <a:solidFill>
+                        <a:srgbClr val="FFFFFF">
+                          <a:alpha val="100000"/>
+                        </a:srgbClr>
+                      </a:solidFill>
+                      <a:prstDash val="solid"/>
+                    </a:lnB>
+                    <a:solidFill>
+                      <a:srgbClr val="D4E6F1">
+                        <a:alpha val="100000"/>
+                      </a:srgbClr>
+                    </a:solidFill>
+                  </a:tcPr>
+                </a:tc>
+                <a:tc>
+                  <a:txBody>
+                    <a:bodyPr/>
+                    <a:lstStyle/>
+                    <a:p>
+                      <a:pPr algn="l" marL="6350" marR="6350">
+                        <a:lnSpc>
+                          <a:spcPct val="100000"/>
+                        </a:lnSpc>
+                        <a:spcBef>
+                          <a:spcPts val="50"/>
+                        </a:spcBef>
+                        <a:spcAft>
+                          <a:spcPts val="50"/>
+                        </a:spcAft>
+                        <a:buNone/>
+                      </a:pPr>
+                      <a:r>
+                        <a:rPr sz="1100">
+                          <a:solidFill>
+                            <a:srgbClr val="000000">
+                              <a:alpha val="100000"/>
+                            </a:srgbClr>
+                          </a:solidFill>
+                          <a:latin typeface="Helvetica"/>
+                        </a:rPr>
+                        <a:t>Abobo Est</a:t>
+                      </a:r>
+                    </a:p>
+                  </a:txBody>
+                  <a:tcPr anchor="t" marB="0" marT="0" marR="0" marL="0">
+                    <a:lnL w="12700" cmpd="sng" algn="ctr" cap="flat">
+                      <a:solidFill>
+                        <a:srgbClr val="FFFFFF">
+                          <a:alpha val="100000"/>
+                        </a:srgbClr>
+                      </a:solidFill>
+                      <a:prstDash val="solid"/>
+                    </a:lnL>
+                    <a:lnR w="12700" cmpd="sng" algn="ctr" cap="flat">
+                      <a:solidFill>
+                        <a:srgbClr val="FFFFFF">
+                          <a:alpha val="100000"/>
+                        </a:srgbClr>
+                      </a:solidFill>
+                      <a:prstDash val="solid"/>
+                    </a:lnR>
+                    <a:lnT w="12700" cmpd="sng" algn="ctr" cap="flat">
+                      <a:solidFill>
+                        <a:srgbClr val="FFFFFF">
+                          <a:alpha val="100000"/>
+                        </a:srgbClr>
+                      </a:solidFill>
+                      <a:prstDash val="solid"/>
+                    </a:lnT>
+                    <a:lnB w="12700" cmpd="sng" algn="ctr" cap="flat">
+                      <a:solidFill>
+                        <a:srgbClr val="FFFFFF">
+                          <a:alpha val="100000"/>
+                        </a:srgbClr>
+                      </a:solidFill>
+                      <a:prstDash val="solid"/>
+                    </a:lnB>
+                    <a:solidFill>
+                      <a:srgbClr val="D4E6F1">
+                        <a:alpha val="100000"/>
+                      </a:srgbClr>
+                    </a:solidFill>
+                  </a:tcPr>
+                </a:tc>
+                <a:tc>
+                  <a:txBody>
+                    <a:bodyPr/>
+                    <a:lstStyle/>
+                    <a:p>
+                      <a:pPr algn="r" marL="6350" marR="6350">
+                        <a:lnSpc>
+                          <a:spcPct val="100000"/>
+                        </a:lnSpc>
+                        <a:spcBef>
+                          <a:spcPts val="50"/>
+                        </a:spcBef>
+                        <a:spcAft>
+                          <a:spcPts val="50"/>
+                        </a:spcAft>
+                        <a:buNone/>
+                      </a:pPr>
+                      <a:r>
+                        <a:rPr sz="1100">
+                          <a:solidFill>
+                            <a:srgbClr val="000000">
+                              <a:alpha val="100000"/>
+                            </a:srgbClr>
+                          </a:solidFill>
+                          <a:latin typeface="Helvetica"/>
+                        </a:rPr>
+                        <a:t>48</a:t>
+                      </a:r>
+                    </a:p>
+                  </a:txBody>
+                  <a:tcPr anchor="t" marB="0" marT="0" marR="0" marL="0">
+                    <a:lnL w="12700" cmpd="sng" algn="ctr" cap="flat">
+                      <a:solidFill>
+                        <a:srgbClr val="FFFFFF">
+                          <a:alpha val="100000"/>
+                        </a:srgbClr>
+                      </a:solidFill>
+                      <a:prstDash val="solid"/>
+                    </a:lnL>
+                    <a:lnR w="12700" cmpd="sng" algn="ctr" cap="flat">
+                      <a:solidFill>
+                        <a:srgbClr val="FFFFFF">
+                          <a:alpha val="100000"/>
+                        </a:srgbClr>
+                      </a:solidFill>
+                      <a:prstDash val="solid"/>
+                    </a:lnR>
+                    <a:lnT w="12700" cmpd="sng" algn="ctr" cap="flat">
+                      <a:solidFill>
+                        <a:srgbClr val="FFFFFF">
+                          <a:alpha val="100000"/>
+                        </a:srgbClr>
+                      </a:solidFill>
+                      <a:prstDash val="solid"/>
+                    </a:lnT>
+                    <a:lnB w="12700" cmpd="sng" algn="ctr" cap="flat">
+                      <a:solidFill>
+                        <a:srgbClr val="FFFFFF">
+                          <a:alpha val="100000"/>
+                        </a:srgbClr>
+                      </a:solidFill>
+                      <a:prstDash val="solid"/>
+                    </a:lnB>
+                    <a:solidFill>
+                      <a:srgbClr val="D4E6F1">
+                        <a:alpha val="100000"/>
+                      </a:srgbClr>
+                    </a:solidFill>
+                  </a:tcPr>
+                </a:tc>
+                <a:tc>
+                  <a:txBody>
+                    <a:bodyPr/>
+                    <a:lstStyle/>
+                    <a:p>
+                      <a:pPr algn="r" marL="6350" marR="76200">
+                        <a:lnSpc>
+                          <a:spcPct val="100000"/>
+                        </a:lnSpc>
+                        <a:spcBef>
+                          <a:spcPts val="50"/>
+                        </a:spcBef>
+                        <a:spcAft>
+                          <a:spcPts val="50"/>
+                        </a:spcAft>
+                        <a:buNone/>
+                      </a:pPr>
+                      <a:r>
+                        <a:rPr sz="1100">
+                          <a:solidFill>
+                            <a:srgbClr val="000000">
+                              <a:alpha val="100000"/>
+                            </a:srgbClr>
+                          </a:solidFill>
+                          <a:latin typeface="Helvetica"/>
+                        </a:rPr>
+                        <a:t>12.1 </a:t>
+                      </a:r>
+                    </a:p>
+                  </a:txBody>
+                  <a:tcPr anchor="t" marB="0" marT="0" marR="0" marL="0">
+                    <a:lnL w="12700" cmpd="sng" algn="ctr" cap="flat">
+                      <a:solidFill>
+                        <a:srgbClr val="FFFFFF">
+                          <a:alpha val="100000"/>
+                        </a:srgbClr>
+                      </a:solidFill>
+                      <a:prstDash val="solid"/>
+                    </a:lnL>
+                    <a:lnR w="12700" cmpd="sng" algn="ctr" cap="flat">
+                      <a:solidFill>
+                        <a:srgbClr val="FFFFFF">
+                          <a:alpha val="100000"/>
+                        </a:srgbClr>
+                      </a:solidFill>
+                      <a:prstDash val="solid"/>
+                    </a:lnR>
+                    <a:lnT w="12700" cmpd="sng" algn="ctr" cap="flat">
+                      <a:solidFill>
+                        <a:srgbClr val="FFFFFF">
+                          <a:alpha val="100000"/>
+                        </a:srgbClr>
+                      </a:solidFill>
+                      <a:prstDash val="solid"/>
+                    </a:lnT>
+                    <a:lnB w="12700" cmpd="sng" algn="ctr" cap="flat">
+                      <a:solidFill>
+                        <a:srgbClr val="FFFFFF">
+                          <a:alpha val="100000"/>
+                        </a:srgbClr>
+                      </a:solidFill>
+                      <a:prstDash val="solid"/>
+                    </a:lnB>
+                    <a:solidFill>
+                      <a:srgbClr val="D4E6F1">
+                        <a:alpha val="100000"/>
+                      </a:srgbClr>
+                    </a:solidFill>
+                  </a:tcPr>
+                </a:tc>
+              </a:tr>
+              <a:tr h="238524">
+                <a:tc>
+                  <a:txBody>
+                    <a:bodyPr/>
+                    <a:lstStyle/>
+                    <a:p>
+                      <a:pPr algn="l" marL="76200" marR="6350">
+                        <a:lnSpc>
+                          <a:spcPct val="100000"/>
+                        </a:lnSpc>
+                        <a:spcBef>
+                          <a:spcPts val="50"/>
+                        </a:spcBef>
+                        <a:spcAft>
+                          <a:spcPts val="50"/>
+                        </a:spcAft>
+                        <a:buNone/>
+                      </a:pPr>
+                      <a:r>
+                        <a:rPr sz="1100">
+                          <a:solidFill>
+                            <a:srgbClr val="000000">
+                              <a:alpha val="100000"/>
+                            </a:srgbClr>
+                          </a:solidFill>
+                          <a:latin typeface="Helvetica"/>
+                        </a:rPr>
+                        <a:t>Abidjan 1</a:t>
+                      </a:r>
+                    </a:p>
+                  </a:txBody>
+                  <a:tcPr anchor="t" marB="0" marT="0" marR="0" marL="0">
+                    <a:lnL w="12700" cmpd="sng" algn="ctr" cap="flat">
+                      <a:solidFill>
+                        <a:srgbClr val="FFFFFF">
+                          <a:alpha val="100000"/>
+                        </a:srgbClr>
+                      </a:solidFill>
+                      <a:prstDash val="solid"/>
+                    </a:lnL>
+                    <a:lnR w="12700" cmpd="sng" algn="ctr" cap="flat">
+                      <a:solidFill>
+                        <a:srgbClr val="FFFFFF">
+                          <a:alpha val="100000"/>
+                        </a:srgbClr>
+                      </a:solidFill>
+                      <a:prstDash val="solid"/>
+                    </a:lnR>
+                    <a:lnT w="12700" cmpd="sng" algn="ctr" cap="flat">
+                      <a:solidFill>
+                        <a:srgbClr val="FFFFFF">
+                          <a:alpha val="100000"/>
+                        </a:srgbClr>
+                      </a:solidFill>
+                      <a:prstDash val="solid"/>
+                    </a:lnT>
+                    <a:lnB w="12700" cmpd="sng" algn="ctr" cap="flat">
+                      <a:solidFill>
+                        <a:srgbClr val="FFFFFF">
+                          <a:alpha val="100000"/>
+                        </a:srgbClr>
+                      </a:solidFill>
+                      <a:prstDash val="solid"/>
+                    </a:lnB>
+                    <a:solidFill>
+                      <a:srgbClr val="A9CCE3">
+                        <a:alpha val="100000"/>
+                      </a:srgbClr>
+                    </a:solidFill>
+                  </a:tcPr>
+                </a:tc>
+                <a:tc>
+                  <a:txBody>
+                    <a:bodyPr/>
+                    <a:lstStyle/>
+                    <a:p>
+                      <a:pPr algn="l" marL="6350" marR="6350">
+                        <a:lnSpc>
+                          <a:spcPct val="100000"/>
+                        </a:lnSpc>
+                        <a:spcBef>
+                          <a:spcPts val="50"/>
+                        </a:spcBef>
+                        <a:spcAft>
+                          <a:spcPts val="50"/>
+                        </a:spcAft>
+                        <a:buNone/>
+                      </a:pPr>
+                      <a:r>
+                        <a:rPr sz="1100">
+                          <a:solidFill>
+                            <a:srgbClr val="000000">
+                              <a:alpha val="100000"/>
+                            </a:srgbClr>
+                          </a:solidFill>
+                          <a:latin typeface="Helvetica"/>
+                        </a:rPr>
+                        <a:t>Anyama</a:t>
+                      </a:r>
+                    </a:p>
+                  </a:txBody>
+                  <a:tcPr anchor="t" marB="0" marT="0" marR="0" marL="0">
+                    <a:lnL w="12700" cmpd="sng" algn="ctr" cap="flat">
+                      <a:solidFill>
+                        <a:srgbClr val="FFFFFF">
+                          <a:alpha val="100000"/>
+                        </a:srgbClr>
+                      </a:solidFill>
+                      <a:prstDash val="solid"/>
+                    </a:lnL>
+                    <a:lnR w="12700" cmpd="sng" algn="ctr" cap="flat">
+                      <a:solidFill>
+                        <a:srgbClr val="FFFFFF">
+                          <a:alpha val="100000"/>
+                        </a:srgbClr>
+                      </a:solidFill>
+                      <a:prstDash val="solid"/>
+                    </a:lnR>
+                    <a:lnT w="12700" cmpd="sng" algn="ctr" cap="flat">
+                      <a:solidFill>
+                        <a:srgbClr val="FFFFFF">
+                          <a:alpha val="100000"/>
+                        </a:srgbClr>
+                      </a:solidFill>
+                      <a:prstDash val="solid"/>
+                    </a:lnT>
+                    <a:lnB w="12700" cmpd="sng" algn="ctr" cap="flat">
+                      <a:solidFill>
+                        <a:srgbClr val="FFFFFF">
+                          <a:alpha val="100000"/>
+                        </a:srgbClr>
+                      </a:solidFill>
+                      <a:prstDash val="solid"/>
+                    </a:lnB>
+                    <a:solidFill>
+                      <a:srgbClr val="A9CCE3">
+                        <a:alpha val="100000"/>
+                      </a:srgbClr>
+                    </a:solidFill>
+                  </a:tcPr>
+                </a:tc>
+                <a:tc>
+                  <a:txBody>
+                    <a:bodyPr/>
+                    <a:lstStyle/>
+                    <a:p>
+                      <a:pPr algn="r" marL="6350" marR="6350">
+                        <a:lnSpc>
+                          <a:spcPct val="100000"/>
+                        </a:lnSpc>
+                        <a:spcBef>
+                          <a:spcPts val="50"/>
+                        </a:spcBef>
+                        <a:spcAft>
+                          <a:spcPts val="50"/>
+                        </a:spcAft>
+                        <a:buNone/>
+                      </a:pPr>
+                      <a:r>
+                        <a:rPr sz="1100">
+                          <a:solidFill>
+                            <a:srgbClr val="000000">
+                              <a:alpha val="100000"/>
+                            </a:srgbClr>
+                          </a:solidFill>
+                          <a:latin typeface="Helvetica"/>
+                        </a:rPr>
+                        <a:t>42</a:t>
+                      </a:r>
+                    </a:p>
+                  </a:txBody>
+                  <a:tcPr anchor="t" marB="0" marT="0" marR="0" marL="0">
+                    <a:lnL w="12700" cmpd="sng" algn="ctr" cap="flat">
+                      <a:solidFill>
+                        <a:srgbClr val="FFFFFF">
+                          <a:alpha val="100000"/>
+                        </a:srgbClr>
+                      </a:solidFill>
+                      <a:prstDash val="solid"/>
+                    </a:lnL>
+                    <a:lnR w="12700" cmpd="sng" algn="ctr" cap="flat">
+                      <a:solidFill>
+                        <a:srgbClr val="FFFFFF">
+                          <a:alpha val="100000"/>
+                        </a:srgbClr>
+                      </a:solidFill>
+                      <a:prstDash val="solid"/>
+                    </a:lnR>
+                    <a:lnT w="12700" cmpd="sng" algn="ctr" cap="flat">
+                      <a:solidFill>
+                        <a:srgbClr val="FFFFFF">
+                          <a:alpha val="100000"/>
+                        </a:srgbClr>
+                      </a:solidFill>
+                      <a:prstDash val="solid"/>
+                    </a:lnT>
+                    <a:lnB w="12700" cmpd="sng" algn="ctr" cap="flat">
+                      <a:solidFill>
+                        <a:srgbClr val="FFFFFF">
+                          <a:alpha val="100000"/>
+                        </a:srgbClr>
+                      </a:solidFill>
+                      <a:prstDash val="solid"/>
+                    </a:lnB>
+                    <a:solidFill>
+                      <a:srgbClr val="A9CCE3">
+                        <a:alpha val="100000"/>
+                      </a:srgbClr>
+                    </a:solidFill>
+                  </a:tcPr>
+                </a:tc>
+                <a:tc>
+                  <a:txBody>
+                    <a:bodyPr/>
+                    <a:lstStyle/>
+                    <a:p>
+                      <a:pPr algn="r" marL="6350" marR="76200">
+                        <a:lnSpc>
+                          <a:spcPct val="100000"/>
+                        </a:lnSpc>
+                        <a:spcBef>
+                          <a:spcPts val="50"/>
+                        </a:spcBef>
+                        <a:spcAft>
+                          <a:spcPts val="50"/>
+                        </a:spcAft>
+                        <a:buNone/>
+                      </a:pPr>
+                      <a:r>
+                        <a:rPr sz="1100">
+                          <a:solidFill>
+                            <a:srgbClr val="000000">
+                              <a:alpha val="100000"/>
+                            </a:srgbClr>
+                          </a:solidFill>
+                          <a:latin typeface="Helvetica"/>
+                        </a:rPr>
+                        <a:t>10.6 </a:t>
+                      </a:r>
+                    </a:p>
+                  </a:txBody>
+                  <a:tcPr anchor="t" marB="0" marT="0" marR="0" marL="0">
+                    <a:lnL w="12700" cmpd="sng" algn="ctr" cap="flat">
+                      <a:solidFill>
+                        <a:srgbClr val="FFFFFF">
+                          <a:alpha val="100000"/>
+                        </a:srgbClr>
+                      </a:solidFill>
+                      <a:prstDash val="solid"/>
+                    </a:lnL>
+                    <a:lnR w="12700" cmpd="sng" algn="ctr" cap="flat">
+                      <a:solidFill>
+                        <a:srgbClr val="FFFFFF">
+                          <a:alpha val="100000"/>
+                        </a:srgbClr>
+                      </a:solidFill>
+                      <a:prstDash val="solid"/>
+                    </a:lnR>
+                    <a:lnT w="12700" cmpd="sng" algn="ctr" cap="flat">
+                      <a:solidFill>
+                        <a:srgbClr val="FFFFFF">
+                          <a:alpha val="100000"/>
+                        </a:srgbClr>
+                      </a:solidFill>
+                      <a:prstDash val="solid"/>
+                    </a:lnT>
+                    <a:lnB w="12700" cmpd="sng" algn="ctr" cap="flat">
+                      <a:solidFill>
+                        <a:srgbClr val="FFFFFF">
+                          <a:alpha val="100000"/>
+                        </a:srgbClr>
+                      </a:solidFill>
+                      <a:prstDash val="solid"/>
+                    </a:lnB>
+                    <a:solidFill>
+                      <a:srgbClr val="A9CCE3">
+                        <a:alpha val="100000"/>
+                      </a:srgbClr>
+                    </a:solidFill>
+                  </a:tcPr>
+                </a:tc>
+              </a:tr>
+              <a:tr h="242207">
+                <a:tc>
+                  <a:txBody>
+                    <a:bodyPr/>
+                    <a:lstStyle/>
+                    <a:p>
+                      <a:pPr algn="l" marL="76200" marR="6350">
+                        <a:lnSpc>
+                          <a:spcPct val="100000"/>
+                        </a:lnSpc>
+                        <a:spcBef>
+                          <a:spcPts val="50"/>
+                        </a:spcBef>
+                        <a:spcAft>
+                          <a:spcPts val="50"/>
+                        </a:spcAft>
+                        <a:buNone/>
+                      </a:pPr>
+                      <a:r>
+                        <a:rPr sz="1100">
+                          <a:solidFill>
+                            <a:srgbClr val="000000">
+                              <a:alpha val="100000"/>
+                            </a:srgbClr>
+                          </a:solidFill>
+                          <a:latin typeface="Helvetica"/>
+                        </a:rPr>
+                        <a:t>Abidjan 1</a:t>
+                      </a:r>
+                    </a:p>
+                  </a:txBody>
+                  <a:tcPr anchor="t" marB="0" marT="0" marR="0" marL="0">
+                    <a:lnL w="12700" cmpd="sng" algn="ctr" cap="flat">
+                      <a:solidFill>
+                        <a:srgbClr val="FFFFFF">
+                          <a:alpha val="100000"/>
+                        </a:srgbClr>
+                      </a:solidFill>
+                      <a:prstDash val="solid"/>
+                    </a:lnL>
+                    <a:lnR w="12700" cmpd="sng" algn="ctr" cap="flat">
+                      <a:solidFill>
+                        <a:srgbClr val="FFFFFF">
+                          <a:alpha val="100000"/>
+                        </a:srgbClr>
+                      </a:solidFill>
+                      <a:prstDash val="solid"/>
+                    </a:lnR>
+                    <a:lnT w="12700" cmpd="sng" algn="ctr" cap="flat">
+                      <a:solidFill>
+                        <a:srgbClr val="FFFFFF">
+                          <a:alpha val="100000"/>
+                        </a:srgbClr>
+                      </a:solidFill>
+                      <a:prstDash val="solid"/>
+                    </a:lnT>
+                    <a:lnB w="12700" cmpd="sng" algn="ctr" cap="flat">
+                      <a:solidFill>
+                        <a:srgbClr val="FFFFFF">
+                          <a:alpha val="100000"/>
+                        </a:srgbClr>
+                      </a:solidFill>
+                      <a:prstDash val="solid"/>
+                    </a:lnB>
+                    <a:solidFill>
+                      <a:srgbClr val="D4E6F1">
+                        <a:alpha val="100000"/>
+                      </a:srgbClr>
+                    </a:solidFill>
+                  </a:tcPr>
+                </a:tc>
+                <a:tc>
+                  <a:txBody>
+                    <a:bodyPr/>
+                    <a:lstStyle/>
+                    <a:p>
+                      <a:pPr algn="l" marL="6350" marR="6350">
+                        <a:lnSpc>
+                          <a:spcPct val="100000"/>
+                        </a:lnSpc>
+                        <a:spcBef>
+                          <a:spcPts val="50"/>
+                        </a:spcBef>
+                        <a:spcAft>
+                          <a:spcPts val="50"/>
+                        </a:spcAft>
+                        <a:buNone/>
+                      </a:pPr>
+                      <a:r>
+                        <a:rPr sz="1100">
+                          <a:solidFill>
+                            <a:srgbClr val="000000">
+                              <a:alpha val="100000"/>
+                            </a:srgbClr>
+                          </a:solidFill>
+                          <a:latin typeface="Helvetica"/>
+                        </a:rPr>
+                        <a:t>Yopougan Ouest</a:t>
+                      </a:r>
+                    </a:p>
+                  </a:txBody>
+                  <a:tcPr anchor="t" marB="0" marT="0" marR="0" marL="0">
+                    <a:lnL w="12700" cmpd="sng" algn="ctr" cap="flat">
+                      <a:solidFill>
+                        <a:srgbClr val="FFFFFF">
+                          <a:alpha val="100000"/>
+                        </a:srgbClr>
+                      </a:solidFill>
+                      <a:prstDash val="solid"/>
+                    </a:lnL>
+                    <a:lnR w="12700" cmpd="sng" algn="ctr" cap="flat">
+                      <a:solidFill>
+                        <a:srgbClr val="FFFFFF">
+                          <a:alpha val="100000"/>
+                        </a:srgbClr>
+                      </a:solidFill>
+                      <a:prstDash val="solid"/>
+                    </a:lnR>
+                    <a:lnT w="12700" cmpd="sng" algn="ctr" cap="flat">
+                      <a:solidFill>
+                        <a:srgbClr val="FFFFFF">
+                          <a:alpha val="100000"/>
+                        </a:srgbClr>
+                      </a:solidFill>
+                      <a:prstDash val="solid"/>
+                    </a:lnT>
+                    <a:lnB w="12700" cmpd="sng" algn="ctr" cap="flat">
+                      <a:solidFill>
+                        <a:srgbClr val="FFFFFF">
+                          <a:alpha val="100000"/>
+                        </a:srgbClr>
+                      </a:solidFill>
+                      <a:prstDash val="solid"/>
+                    </a:lnB>
+                    <a:solidFill>
+                      <a:srgbClr val="D4E6F1">
+                        <a:alpha val="100000"/>
+                      </a:srgbClr>
+                    </a:solidFill>
+                  </a:tcPr>
+                </a:tc>
+                <a:tc>
+                  <a:txBody>
+                    <a:bodyPr/>
+                    <a:lstStyle/>
+                    <a:p>
+                      <a:pPr algn="r" marL="6350" marR="6350">
+                        <a:lnSpc>
+                          <a:spcPct val="100000"/>
+                        </a:lnSpc>
+                        <a:spcBef>
+                          <a:spcPts val="50"/>
+                        </a:spcBef>
+                        <a:spcAft>
+                          <a:spcPts val="50"/>
+                        </a:spcAft>
+                        <a:buNone/>
+                      </a:pPr>
+                      <a:r>
+                        <a:rPr sz="1100">
+                          <a:solidFill>
+                            <a:srgbClr val="000000">
+                              <a:alpha val="100000"/>
+                            </a:srgbClr>
+                          </a:solidFill>
+                          <a:latin typeface="Helvetica"/>
+                        </a:rPr>
+                        <a:t>29</a:t>
+                      </a:r>
+                    </a:p>
+                  </a:txBody>
+                  <a:tcPr anchor="t" marB="0" marT="0" marR="0" marL="0">
+                    <a:lnL w="12700" cmpd="sng" algn="ctr" cap="flat">
+                      <a:solidFill>
+                        <a:srgbClr val="FFFFFF">
+                          <a:alpha val="100000"/>
+                        </a:srgbClr>
+                      </a:solidFill>
+                      <a:prstDash val="solid"/>
+                    </a:lnL>
+                    <a:lnR w="12700" cmpd="sng" algn="ctr" cap="flat">
+                      <a:solidFill>
+                        <a:srgbClr val="FFFFFF">
+                          <a:alpha val="100000"/>
+                        </a:srgbClr>
+                      </a:solidFill>
+                      <a:prstDash val="solid"/>
+                    </a:lnR>
+                    <a:lnT w="12700" cmpd="sng" algn="ctr" cap="flat">
+                      <a:solidFill>
+                        <a:srgbClr val="FFFFFF">
+                          <a:alpha val="100000"/>
+                        </a:srgbClr>
+                      </a:solidFill>
+                      <a:prstDash val="solid"/>
+                    </a:lnT>
+                    <a:lnB w="12700" cmpd="sng" algn="ctr" cap="flat">
+                      <a:solidFill>
+                        <a:srgbClr val="FFFFFF">
+                          <a:alpha val="100000"/>
+                        </a:srgbClr>
+                      </a:solidFill>
+                      <a:prstDash val="solid"/>
+                    </a:lnB>
+                    <a:solidFill>
+                      <a:srgbClr val="D4E6F1">
+                        <a:alpha val="100000"/>
+                      </a:srgbClr>
+                    </a:solidFill>
+                  </a:tcPr>
+                </a:tc>
+                <a:tc>
+                  <a:txBody>
+                    <a:bodyPr/>
+                    <a:lstStyle/>
+                    <a:p>
+                      <a:pPr algn="r" marL="6350" marR="76200">
+                        <a:lnSpc>
+                          <a:spcPct val="100000"/>
+                        </a:lnSpc>
+                        <a:spcBef>
+                          <a:spcPts val="50"/>
+                        </a:spcBef>
+                        <a:spcAft>
+                          <a:spcPts val="50"/>
+                        </a:spcAft>
+                        <a:buNone/>
+                      </a:pPr>
+                      <a:r>
+                        <a:rPr sz="1100">
+                          <a:solidFill>
+                            <a:srgbClr val="000000">
+                              <a:alpha val="100000"/>
+                            </a:srgbClr>
+                          </a:solidFill>
+                          <a:latin typeface="Helvetica"/>
+                        </a:rPr>
+                        <a:t>7.32</a:t>
+                      </a:r>
+                    </a:p>
+                  </a:txBody>
+                  <a:tcPr anchor="t" marB="0" marT="0" marR="0" marL="0">
+                    <a:lnL w="12700" cmpd="sng" algn="ctr" cap="flat">
+                      <a:solidFill>
+                        <a:srgbClr val="FFFFFF">
+                          <a:alpha val="100000"/>
+                        </a:srgbClr>
+                      </a:solidFill>
+                      <a:prstDash val="solid"/>
+                    </a:lnL>
+                    <a:lnR w="12700" cmpd="sng" algn="ctr" cap="flat">
+                      <a:solidFill>
+                        <a:srgbClr val="FFFFFF">
+                          <a:alpha val="100000"/>
+                        </a:srgbClr>
+                      </a:solidFill>
+                      <a:prstDash val="solid"/>
+                    </a:lnR>
+                    <a:lnT w="12700" cmpd="sng" algn="ctr" cap="flat">
+                      <a:solidFill>
+                        <a:srgbClr val="FFFFFF">
+                          <a:alpha val="100000"/>
+                        </a:srgbClr>
+                      </a:solidFill>
+                      <a:prstDash val="solid"/>
+                    </a:lnT>
+                    <a:lnB w="12700" cmpd="sng" algn="ctr" cap="flat">
+                      <a:solidFill>
+                        <a:srgbClr val="FFFFFF">
+                          <a:alpha val="100000"/>
+                        </a:srgbClr>
+                      </a:solidFill>
+                      <a:prstDash val="solid"/>
+                    </a:lnB>
+                    <a:solidFill>
+                      <a:srgbClr val="D4E6F1">
+                        <a:alpha val="100000"/>
+                      </a:srgbClr>
+                    </a:solidFill>
+                  </a:tcPr>
+                </a:tc>
+              </a:tr>
+              <a:tr h="238387">
+                <a:tc>
+                  <a:txBody>
+                    <a:bodyPr/>
+                    <a:lstStyle/>
+                    <a:p>
+                      <a:pPr algn="l" marL="76200" marR="6350">
+                        <a:lnSpc>
+                          <a:spcPct val="100000"/>
+                        </a:lnSpc>
+                        <a:spcBef>
+                          <a:spcPts val="50"/>
+                        </a:spcBef>
+                        <a:spcAft>
+                          <a:spcPts val="50"/>
+                        </a:spcAft>
+                        <a:buNone/>
+                      </a:pPr>
+                      <a:r>
+                        <a:rPr sz="1100">
+                          <a:solidFill>
+                            <a:srgbClr val="000000">
+                              <a:alpha val="100000"/>
+                            </a:srgbClr>
+                          </a:solidFill>
+                          <a:latin typeface="Helvetica"/>
+                        </a:rPr>
+                        <a:t>Abidjan 1</a:t>
+                      </a:r>
+                    </a:p>
+                  </a:txBody>
+                  <a:tcPr anchor="t" marB="0" marT="0" marR="0" marL="0">
+                    <a:lnL w="12700" cmpd="sng" algn="ctr" cap="flat">
+                      <a:solidFill>
+                        <a:srgbClr val="FFFFFF">
+                          <a:alpha val="100000"/>
+                        </a:srgbClr>
+                      </a:solidFill>
+                      <a:prstDash val="solid"/>
+                    </a:lnL>
+                    <a:lnR w="12700" cmpd="sng" algn="ctr" cap="flat">
+                      <a:solidFill>
+                        <a:srgbClr val="FFFFFF">
+                          <a:alpha val="100000"/>
+                        </a:srgbClr>
+                      </a:solidFill>
+                      <a:prstDash val="solid"/>
+                    </a:lnR>
+                    <a:lnT w="12700" cmpd="sng" algn="ctr" cap="flat">
+                      <a:solidFill>
+                        <a:srgbClr val="FFFFFF">
+                          <a:alpha val="100000"/>
+                        </a:srgbClr>
+                      </a:solidFill>
+                      <a:prstDash val="solid"/>
+                    </a:lnT>
+                    <a:lnB w="12700" cmpd="sng" algn="ctr" cap="flat">
+                      <a:solidFill>
+                        <a:srgbClr val="FFFFFF">
+                          <a:alpha val="100000"/>
+                        </a:srgbClr>
+                      </a:solidFill>
+                      <a:prstDash val="solid"/>
+                    </a:lnB>
+                    <a:solidFill>
+                      <a:srgbClr val="A9CCE3">
+                        <a:alpha val="100000"/>
+                      </a:srgbClr>
+                    </a:solidFill>
+                  </a:tcPr>
+                </a:tc>
+                <a:tc>
+                  <a:txBody>
+                    <a:bodyPr/>
+                    <a:lstStyle/>
+                    <a:p>
+                      <a:pPr algn="l" marL="6350" marR="6350">
+                        <a:lnSpc>
+                          <a:spcPct val="100000"/>
+                        </a:lnSpc>
+                        <a:spcBef>
+                          <a:spcPts val="50"/>
+                        </a:spcBef>
+                        <a:spcAft>
+                          <a:spcPts val="50"/>
+                        </a:spcAft>
+                        <a:buNone/>
+                      </a:pPr>
+                      <a:r>
+                        <a:rPr sz="1100">
+                          <a:solidFill>
+                            <a:srgbClr val="000000">
+                              <a:alpha val="100000"/>
+                            </a:srgbClr>
+                          </a:solidFill>
+                          <a:latin typeface="Helvetica"/>
+                        </a:rPr>
+                        <a:t>Abobo Ouest</a:t>
+                      </a:r>
+                    </a:p>
+                  </a:txBody>
+                  <a:tcPr anchor="t" marB="0" marT="0" marR="0" marL="0">
+                    <a:lnL w="12700" cmpd="sng" algn="ctr" cap="flat">
+                      <a:solidFill>
+                        <a:srgbClr val="FFFFFF">
+                          <a:alpha val="100000"/>
+                        </a:srgbClr>
+                      </a:solidFill>
+                      <a:prstDash val="solid"/>
+                    </a:lnL>
+                    <a:lnR w="12700" cmpd="sng" algn="ctr" cap="flat">
+                      <a:solidFill>
+                        <a:srgbClr val="FFFFFF">
+                          <a:alpha val="100000"/>
+                        </a:srgbClr>
+                      </a:solidFill>
+                      <a:prstDash val="solid"/>
+                    </a:lnR>
+                    <a:lnT w="12700" cmpd="sng" algn="ctr" cap="flat">
+                      <a:solidFill>
+                        <a:srgbClr val="FFFFFF">
+                          <a:alpha val="100000"/>
+                        </a:srgbClr>
+                      </a:solidFill>
+                      <a:prstDash val="solid"/>
+                    </a:lnT>
+                    <a:lnB w="12700" cmpd="sng" algn="ctr" cap="flat">
+                      <a:solidFill>
+                        <a:srgbClr val="FFFFFF">
+                          <a:alpha val="100000"/>
+                        </a:srgbClr>
+                      </a:solidFill>
+                      <a:prstDash val="solid"/>
+                    </a:lnB>
+                    <a:solidFill>
+                      <a:srgbClr val="A9CCE3">
+                        <a:alpha val="100000"/>
+                      </a:srgbClr>
+                    </a:solidFill>
+                  </a:tcPr>
+                </a:tc>
+                <a:tc>
+                  <a:txBody>
+                    <a:bodyPr/>
+                    <a:lstStyle/>
+                    <a:p>
+                      <a:pPr algn="r" marL="6350" marR="6350">
+                        <a:lnSpc>
+                          <a:spcPct val="100000"/>
+                        </a:lnSpc>
+                        <a:spcBef>
+                          <a:spcPts val="50"/>
+                        </a:spcBef>
+                        <a:spcAft>
+                          <a:spcPts val="50"/>
+                        </a:spcAft>
+                        <a:buNone/>
+                      </a:pPr>
+                      <a:r>
+                        <a:rPr sz="1100">
+                          <a:solidFill>
+                            <a:srgbClr val="000000">
+                              <a:alpha val="100000"/>
+                            </a:srgbClr>
+                          </a:solidFill>
+                          <a:latin typeface="Helvetica"/>
+                        </a:rPr>
+                        <a:t>23</a:t>
+                      </a:r>
+                    </a:p>
+                  </a:txBody>
+                  <a:tcPr anchor="t" marB="0" marT="0" marR="0" marL="0">
+                    <a:lnL w="12700" cmpd="sng" algn="ctr" cap="flat">
+                      <a:solidFill>
+                        <a:srgbClr val="FFFFFF">
+                          <a:alpha val="100000"/>
+                        </a:srgbClr>
+                      </a:solidFill>
+                      <a:prstDash val="solid"/>
+                    </a:lnL>
+                    <a:lnR w="12700" cmpd="sng" algn="ctr" cap="flat">
+                      <a:solidFill>
+                        <a:srgbClr val="FFFFFF">
+                          <a:alpha val="100000"/>
+                        </a:srgbClr>
+                      </a:solidFill>
+                      <a:prstDash val="solid"/>
+                    </a:lnR>
+                    <a:lnT w="12700" cmpd="sng" algn="ctr" cap="flat">
+                      <a:solidFill>
+                        <a:srgbClr val="FFFFFF">
+                          <a:alpha val="100000"/>
+                        </a:srgbClr>
+                      </a:solidFill>
+                      <a:prstDash val="solid"/>
+                    </a:lnT>
+                    <a:lnB w="12700" cmpd="sng" algn="ctr" cap="flat">
+                      <a:solidFill>
+                        <a:srgbClr val="FFFFFF">
+                          <a:alpha val="100000"/>
+                        </a:srgbClr>
+                      </a:solidFill>
+                      <a:prstDash val="solid"/>
+                    </a:lnB>
+                    <a:solidFill>
+                      <a:srgbClr val="A9CCE3">
+                        <a:alpha val="100000"/>
+                      </a:srgbClr>
+                    </a:solidFill>
+                  </a:tcPr>
+                </a:tc>
+                <a:tc>
+                  <a:txBody>
+                    <a:bodyPr/>
+                    <a:lstStyle/>
+                    <a:p>
+                      <a:pPr algn="r" marL="6350" marR="76200">
+                        <a:lnSpc>
+                          <a:spcPct val="100000"/>
+                        </a:lnSpc>
+                        <a:spcBef>
+                          <a:spcPts val="50"/>
+                        </a:spcBef>
+                        <a:spcAft>
+                          <a:spcPts val="50"/>
+                        </a:spcAft>
+                        <a:buNone/>
+                      </a:pPr>
+                      <a:r>
+                        <a:rPr sz="1100">
+                          <a:solidFill>
+                            <a:srgbClr val="000000">
+                              <a:alpha val="100000"/>
+                            </a:srgbClr>
+                          </a:solidFill>
+                          <a:latin typeface="Helvetica"/>
+                        </a:rPr>
+                        <a:t>5.81</a:t>
+                      </a:r>
+                    </a:p>
+                  </a:txBody>
+                  <a:tcPr anchor="t" marB="0" marT="0" marR="0" marL="0">
+                    <a:lnL w="12700" cmpd="sng" algn="ctr" cap="flat">
+                      <a:solidFill>
+                        <a:srgbClr val="FFFFFF">
+                          <a:alpha val="100000"/>
+                        </a:srgbClr>
+                      </a:solidFill>
+                      <a:prstDash val="solid"/>
+                    </a:lnL>
+                    <a:lnR w="12700" cmpd="sng" algn="ctr" cap="flat">
+                      <a:solidFill>
+                        <a:srgbClr val="FFFFFF">
+                          <a:alpha val="100000"/>
+                        </a:srgbClr>
+                      </a:solidFill>
+                      <a:prstDash val="solid"/>
+                    </a:lnR>
+                    <a:lnT w="12700" cmpd="sng" algn="ctr" cap="flat">
+                      <a:solidFill>
+                        <a:srgbClr val="FFFFFF">
+                          <a:alpha val="100000"/>
+                        </a:srgbClr>
+                      </a:solidFill>
+                      <a:prstDash val="solid"/>
+                    </a:lnT>
+                    <a:lnB w="12700" cmpd="sng" algn="ctr" cap="flat">
+                      <a:solidFill>
+                        <a:srgbClr val="FFFFFF">
+                          <a:alpha val="100000"/>
+                        </a:srgbClr>
+                      </a:solidFill>
+                      <a:prstDash val="solid"/>
+                    </a:lnB>
+                    <a:solidFill>
+                      <a:srgbClr val="A9CCE3">
+                        <a:alpha val="100000"/>
+                      </a:srgbClr>
+                    </a:solidFill>
+                  </a:tcPr>
+                </a:tc>
+              </a:tr>
+              <a:tr h="209192">
+                <a:tc>
+                  <a:txBody>
+                    <a:bodyPr/>
+                    <a:lstStyle/>
+                    <a:p>
+                      <a:pPr algn="l" marL="76200" marR="6350">
+                        <a:lnSpc>
+                          <a:spcPct val="100000"/>
+                        </a:lnSpc>
+                        <a:spcBef>
+                          <a:spcPts val="50"/>
+                        </a:spcBef>
+                        <a:spcAft>
+                          <a:spcPts val="50"/>
+                        </a:spcAft>
+                        <a:buNone/>
+                      </a:pPr>
+                      <a:r>
+                        <a:rPr sz="1100">
+                          <a:solidFill>
+                            <a:srgbClr val="000000">
+                              <a:alpha val="100000"/>
+                            </a:srgbClr>
+                          </a:solidFill>
+                          <a:latin typeface="Helvetica"/>
+                        </a:rPr>
+                        <a:t>NA</a:t>
+                      </a:r>
+                    </a:p>
+                  </a:txBody>
+                  <a:tcPr anchor="t" marB="0" marT="0" marR="0" marL="0">
+                    <a:lnL w="12700" cmpd="sng" algn="ctr" cap="flat">
+                      <a:solidFill>
+                        <a:srgbClr val="FFFFFF">
+                          <a:alpha val="100000"/>
+                        </a:srgbClr>
+                      </a:solidFill>
+                      <a:prstDash val="solid"/>
+                    </a:lnL>
+                    <a:lnR w="12700" cmpd="sng" algn="ctr" cap="flat">
+                      <a:solidFill>
+                        <a:srgbClr val="FFFFFF">
+                          <a:alpha val="100000"/>
+                        </a:srgbClr>
+                      </a:solidFill>
+                      <a:prstDash val="solid"/>
+                    </a:lnR>
+                    <a:lnT w="12700" cmpd="sng" algn="ctr" cap="flat">
+                      <a:solidFill>
+                        <a:srgbClr val="FFFFFF">
+                          <a:alpha val="100000"/>
+                        </a:srgbClr>
+                      </a:solidFill>
+                      <a:prstDash val="solid"/>
+                    </a:lnT>
+                    <a:lnB w="12700" cmpd="sng" algn="ctr" cap="flat">
+                      <a:solidFill>
+                        <a:srgbClr val="FFFFFF">
+                          <a:alpha val="100000"/>
+                        </a:srgbClr>
+                      </a:solidFill>
+                      <a:prstDash val="solid"/>
+                    </a:lnB>
+                    <a:solidFill>
+                      <a:srgbClr val="D4E6F1">
+                        <a:alpha val="100000"/>
+                      </a:srgbClr>
+                    </a:solidFill>
+                  </a:tcPr>
+                </a:tc>
+                <a:tc>
+                  <a:txBody>
+                    <a:bodyPr/>
+                    <a:lstStyle/>
+                    <a:p>
+                      <a:pPr algn="l" marL="6350" marR="6350">
+                        <a:lnSpc>
+                          <a:spcPct val="100000"/>
+                        </a:lnSpc>
+                        <a:spcBef>
+                          <a:spcPts val="50"/>
+                        </a:spcBef>
+                        <a:spcAft>
+                          <a:spcPts val="50"/>
+                        </a:spcAft>
+                        <a:buNone/>
+                      </a:pPr>
+                      <a:r>
+                        <a:rPr sz="1100">
+                          <a:solidFill>
+                            <a:srgbClr val="000000">
+                              <a:alpha val="100000"/>
+                            </a:srgbClr>
+                          </a:solidFill>
+                          <a:latin typeface="Helvetica"/>
+                        </a:rPr>
+                        <a:t>NA</a:t>
+                      </a:r>
+                    </a:p>
+                  </a:txBody>
+                  <a:tcPr anchor="t" marB="0" marT="0" marR="0" marL="0">
+                    <a:lnL w="12700" cmpd="sng" algn="ctr" cap="flat">
+                      <a:solidFill>
+                        <a:srgbClr val="FFFFFF">
+                          <a:alpha val="100000"/>
+                        </a:srgbClr>
+                      </a:solidFill>
+                      <a:prstDash val="solid"/>
+                    </a:lnL>
+                    <a:lnR w="12700" cmpd="sng" algn="ctr" cap="flat">
+                      <a:solidFill>
+                        <a:srgbClr val="FFFFFF">
+                          <a:alpha val="100000"/>
+                        </a:srgbClr>
+                      </a:solidFill>
+                      <a:prstDash val="solid"/>
+                    </a:lnR>
+                    <a:lnT w="12700" cmpd="sng" algn="ctr" cap="flat">
+                      <a:solidFill>
+                        <a:srgbClr val="FFFFFF">
+                          <a:alpha val="100000"/>
+                        </a:srgbClr>
+                      </a:solidFill>
+                      <a:prstDash val="solid"/>
+                    </a:lnT>
+                    <a:lnB w="12700" cmpd="sng" algn="ctr" cap="flat">
+                      <a:solidFill>
+                        <a:srgbClr val="FFFFFF">
+                          <a:alpha val="100000"/>
+                        </a:srgbClr>
+                      </a:solidFill>
+                      <a:prstDash val="solid"/>
+                    </a:lnB>
+                    <a:solidFill>
+                      <a:srgbClr val="D4E6F1">
+                        <a:alpha val="100000"/>
+                      </a:srgbClr>
+                    </a:solidFill>
+                  </a:tcPr>
+                </a:tc>
+                <a:tc>
+                  <a:txBody>
+                    <a:bodyPr/>
+                    <a:lstStyle/>
+                    <a:p>
+                      <a:pPr algn="r" marL="6350" marR="6350">
+                        <a:lnSpc>
+                          <a:spcPct val="100000"/>
+                        </a:lnSpc>
+                        <a:spcBef>
+                          <a:spcPts val="50"/>
+                        </a:spcBef>
+                        <a:spcAft>
+                          <a:spcPts val="50"/>
+                        </a:spcAft>
+                        <a:buNone/>
+                      </a:pPr>
+                      <a:r>
+                        <a:rPr sz="1100">
+                          <a:solidFill>
+                            <a:srgbClr val="000000">
+                              <a:alpha val="100000"/>
+                            </a:srgbClr>
+                          </a:solidFill>
+                          <a:latin typeface="Helvetica"/>
+                        </a:rPr>
+                        <a:t>11</a:t>
+                      </a:r>
+                    </a:p>
+                  </a:txBody>
+                  <a:tcPr anchor="t" marB="0" marT="0" marR="0" marL="0">
+                    <a:lnL w="12700" cmpd="sng" algn="ctr" cap="flat">
+                      <a:solidFill>
+                        <a:srgbClr val="FFFFFF">
+                          <a:alpha val="100000"/>
+                        </a:srgbClr>
+                      </a:solidFill>
+                      <a:prstDash val="solid"/>
+                    </a:lnL>
+                    <a:lnR w="12700" cmpd="sng" algn="ctr" cap="flat">
+                      <a:solidFill>
+                        <a:srgbClr val="FFFFFF">
+                          <a:alpha val="100000"/>
+                        </a:srgbClr>
+                      </a:solidFill>
+                      <a:prstDash val="solid"/>
+                    </a:lnR>
+                    <a:lnT w="12700" cmpd="sng" algn="ctr" cap="flat">
+                      <a:solidFill>
+                        <a:srgbClr val="FFFFFF">
+                          <a:alpha val="100000"/>
+                        </a:srgbClr>
+                      </a:solidFill>
+                      <a:prstDash val="solid"/>
+                    </a:lnT>
+                    <a:lnB w="12700" cmpd="sng" algn="ctr" cap="flat">
+                      <a:solidFill>
+                        <a:srgbClr val="FFFFFF">
+                          <a:alpha val="100000"/>
+                        </a:srgbClr>
+                      </a:solidFill>
+                      <a:prstDash val="solid"/>
+                    </a:lnB>
+                    <a:solidFill>
+                      <a:srgbClr val="D4E6F1">
+                        <a:alpha val="100000"/>
+                      </a:srgbClr>
+                    </a:solidFill>
+                  </a:tcPr>
+                </a:tc>
+                <a:tc>
+                  <a:txBody>
+                    <a:bodyPr/>
+                    <a:lstStyle/>
+                    <a:p>
+                      <a:pPr algn="r" marL="6350" marR="76200">
+                        <a:lnSpc>
+                          <a:spcPct val="100000"/>
+                        </a:lnSpc>
+                        <a:spcBef>
+                          <a:spcPts val="50"/>
+                        </a:spcBef>
+                        <a:spcAft>
+                          <a:spcPts val="50"/>
+                        </a:spcAft>
+                        <a:buNone/>
+                      </a:pPr>
+                      <a:r>
+                        <a:rPr sz="1100">
+                          <a:solidFill>
+                            <a:srgbClr val="000000">
+                              <a:alpha val="100000"/>
+                            </a:srgbClr>
+                          </a:solidFill>
+                          <a:latin typeface="Helvetica"/>
+                        </a:rPr>
+                        <a:t>2.78</a:t>
+                      </a:r>
+                    </a:p>
+                  </a:txBody>
+                  <a:tcPr anchor="t" marB="0" marT="0" marR="0" marL="0">
+                    <a:lnL w="12700" cmpd="sng" algn="ctr" cap="flat">
+                      <a:solidFill>
+                        <a:srgbClr val="FFFFFF">
+                          <a:alpha val="100000"/>
+                        </a:srgbClr>
+                      </a:solidFill>
+                      <a:prstDash val="solid"/>
+                    </a:lnL>
+                    <a:lnR w="12700" cmpd="sng" algn="ctr" cap="flat">
+                      <a:solidFill>
+                        <a:srgbClr val="FFFFFF">
+                          <a:alpha val="100000"/>
+                        </a:srgbClr>
+                      </a:solidFill>
+                      <a:prstDash val="solid"/>
+                    </a:lnR>
+                    <a:lnT w="12700" cmpd="sng" algn="ctr" cap="flat">
+                      <a:solidFill>
+                        <a:srgbClr val="FFFFFF">
+                          <a:alpha val="100000"/>
+                        </a:srgbClr>
+                      </a:solidFill>
+                      <a:prstDash val="solid"/>
+                    </a:lnT>
+                    <a:lnB w="12700" cmpd="sng" algn="ctr" cap="flat">
+                      <a:solidFill>
+                        <a:srgbClr val="FFFFFF">
+                          <a:alpha val="100000"/>
+                        </a:srgbClr>
+                      </a:solidFill>
+                      <a:prstDash val="solid"/>
+                    </a:lnB>
+                    <a:solidFill>
+                      <a:srgbClr val="D4E6F1">
+                        <a:alpha val="100000"/>
+                      </a:srgbClr>
+                    </a:solidFill>
+                  </a:tcPr>
+                </a:tc>
+              </a:tr>
+              <a:tr h="211238">
+                <a:tc>
+                  <a:txBody>
+                    <a:bodyPr/>
+                    <a:lstStyle/>
+                    <a:p>
+                      <a:pPr algn="l" marL="76200" marR="6350">
+                        <a:lnSpc>
+                          <a:spcPct val="100000"/>
+                        </a:lnSpc>
+                        <a:spcBef>
+                          <a:spcPts val="50"/>
+                        </a:spcBef>
+                        <a:spcAft>
+                          <a:spcPts val="50"/>
+                        </a:spcAft>
+                        <a:buNone/>
+                      </a:pPr>
+                      <a:r>
+                        <a:rPr sz="1100">
+                          <a:solidFill>
+                            <a:srgbClr val="000000">
+                              <a:alpha val="100000"/>
+                            </a:srgbClr>
+                          </a:solidFill>
+                          <a:latin typeface="Helvetica"/>
+                        </a:rPr>
+                        <a:t>Total</a:t>
+                      </a:r>
+                    </a:p>
+                  </a:txBody>
+                  <a:tcPr anchor="t" marB="0" marT="0" marR="0" marL="0">
+                    <a:lnL w="12700" cmpd="sng" algn="ctr" cap="flat">
+                      <a:solidFill>
+                        <a:srgbClr val="FFFFFF">
+                          <a:alpha val="100000"/>
+                        </a:srgbClr>
+                      </a:solidFill>
+                      <a:prstDash val="solid"/>
+                    </a:lnL>
+                    <a:lnR w="12700" cmpd="sng" algn="ctr" cap="flat">
+                      <a:solidFill>
+                        <a:srgbClr val="FFFFFF">
+                          <a:alpha val="100000"/>
+                        </a:srgbClr>
+                      </a:solidFill>
+                      <a:prstDash val="solid"/>
+                    </a:lnR>
+                    <a:lnT w="12700" cmpd="sng" algn="ctr" cap="flat">
+                      <a:solidFill>
+                        <a:srgbClr val="FFFFFF">
+                          <a:alpha val="100000"/>
+                        </a:srgbClr>
+                      </a:solidFill>
+                      <a:prstDash val="solid"/>
+                    </a:lnT>
+                    <a:lnB w="12700" cmpd="sng" algn="ctr" cap="flat">
+                      <a:solidFill>
+                        <a:srgbClr val="FFFFFF">
+                          <a:alpha val="100000"/>
+                        </a:srgbClr>
+                      </a:solidFill>
+                      <a:prstDash val="solid"/>
+                    </a:lnB>
+                    <a:solidFill>
+                      <a:srgbClr val="A9CCE3">
+                        <a:alpha val="100000"/>
+                      </a:srgbClr>
+                    </a:solidFill>
+                  </a:tcPr>
+                </a:tc>
+                <a:tc>
+                  <a:txBody>
+                    <a:bodyPr/>
+                    <a:lstStyle/>
+                    <a:p>
+                      <a:pPr algn="l" marL="6350" marR="6350">
+                        <a:lnSpc>
+                          <a:spcPct val="100000"/>
+                        </a:lnSpc>
+                        <a:spcBef>
+                          <a:spcPts val="50"/>
+                        </a:spcBef>
+                        <a:spcAft>
+                          <a:spcPts val="50"/>
+                        </a:spcAft>
+                        <a:buNone/>
+                      </a:pPr>
+                      <a:r>
+                        <a:rPr sz="1100">
+                          <a:solidFill>
+                            <a:srgbClr val="000000">
+                              <a:alpha val="100000"/>
+                            </a:srgbClr>
+                          </a:solidFill>
+                          <a:latin typeface="Helvetica"/>
+                        </a:rPr>
+                        <a:t>-</a:t>
+                      </a:r>
+                    </a:p>
+                  </a:txBody>
+                  <a:tcPr anchor="t" marB="0" marT="0" marR="0" marL="0">
+                    <a:lnL w="12700" cmpd="sng" algn="ctr" cap="flat">
+                      <a:solidFill>
+                        <a:srgbClr val="FFFFFF">
+                          <a:alpha val="100000"/>
+                        </a:srgbClr>
+                      </a:solidFill>
+                      <a:prstDash val="solid"/>
+                    </a:lnL>
+                    <a:lnR w="12700" cmpd="sng" algn="ctr" cap="flat">
+                      <a:solidFill>
+                        <a:srgbClr val="FFFFFF">
+                          <a:alpha val="100000"/>
+                        </a:srgbClr>
+                      </a:solidFill>
+                      <a:prstDash val="solid"/>
+                    </a:lnR>
+                    <a:lnT w="12700" cmpd="sng" algn="ctr" cap="flat">
+                      <a:solidFill>
+                        <a:srgbClr val="FFFFFF">
+                          <a:alpha val="100000"/>
+                        </a:srgbClr>
+                      </a:solidFill>
+                      <a:prstDash val="solid"/>
+                    </a:lnT>
+                    <a:lnB w="12700" cmpd="sng" algn="ctr" cap="flat">
+                      <a:solidFill>
+                        <a:srgbClr val="FFFFFF">
+                          <a:alpha val="100000"/>
+                        </a:srgbClr>
+                      </a:solidFill>
+                      <a:prstDash val="solid"/>
+                    </a:lnB>
+                    <a:solidFill>
+                      <a:srgbClr val="A9CCE3">
+                        <a:alpha val="100000"/>
+                      </a:srgbClr>
+                    </a:solidFill>
+                  </a:tcPr>
+                </a:tc>
+                <a:tc>
+                  <a:txBody>
+                    <a:bodyPr/>
+                    <a:lstStyle/>
+                    <a:p>
+                      <a:pPr algn="r" marL="6350" marR="6350">
+                        <a:lnSpc>
+                          <a:spcPct val="100000"/>
+                        </a:lnSpc>
+                        <a:spcBef>
+                          <a:spcPts val="50"/>
+                        </a:spcBef>
+                        <a:spcAft>
+                          <a:spcPts val="50"/>
+                        </a:spcAft>
+                        <a:buNone/>
+                      </a:pPr>
+                      <a:r>
+                        <a:rPr sz="1100">
+                          <a:solidFill>
+                            <a:srgbClr val="000000">
+                              <a:alpha val="100000"/>
+                            </a:srgbClr>
+                          </a:solidFill>
+                          <a:latin typeface="Helvetica"/>
+                        </a:rPr>
+                        <a:t>396</a:t>
+                      </a:r>
+                    </a:p>
+                  </a:txBody>
+                  <a:tcPr anchor="t" marB="0" marT="0" marR="0" marL="0">
+                    <a:lnL w="12700" cmpd="sng" algn="ctr" cap="flat">
+                      <a:solidFill>
+                        <a:srgbClr val="FFFFFF">
+                          <a:alpha val="100000"/>
+                        </a:srgbClr>
+                      </a:solidFill>
+                      <a:prstDash val="solid"/>
+                    </a:lnL>
+                    <a:lnR w="12700" cmpd="sng" algn="ctr" cap="flat">
+                      <a:solidFill>
+                        <a:srgbClr val="FFFFFF">
+                          <a:alpha val="100000"/>
+                        </a:srgbClr>
+                      </a:solidFill>
+                      <a:prstDash val="solid"/>
+                    </a:lnR>
+                    <a:lnT w="12700" cmpd="sng" algn="ctr" cap="flat">
+                      <a:solidFill>
+                        <a:srgbClr val="FFFFFF">
+                          <a:alpha val="100000"/>
+                        </a:srgbClr>
+                      </a:solidFill>
+                      <a:prstDash val="solid"/>
+                    </a:lnT>
+                    <a:lnB w="12700" cmpd="sng" algn="ctr" cap="flat">
+                      <a:solidFill>
+                        <a:srgbClr val="FFFFFF">
+                          <a:alpha val="100000"/>
+                        </a:srgbClr>
+                      </a:solidFill>
+                      <a:prstDash val="solid"/>
+                    </a:lnB>
+                    <a:solidFill>
+                      <a:srgbClr val="A9CCE3">
+                        <a:alpha val="100000"/>
+                      </a:srgbClr>
+                    </a:solidFill>
+                  </a:tcPr>
+                </a:tc>
+                <a:tc>
+                  <a:txBody>
+                    <a:bodyPr/>
+                    <a:lstStyle/>
+                    <a:p>
+                      <a:pPr algn="r" marL="6350" marR="76200">
+                        <a:lnSpc>
+                          <a:spcPct val="100000"/>
+                        </a:lnSpc>
+                        <a:spcBef>
+                          <a:spcPts val="50"/>
+                        </a:spcBef>
+                        <a:spcAft>
+                          <a:spcPts val="50"/>
+                        </a:spcAft>
+                        <a:buNone/>
+                      </a:pPr>
+                      <a:r>
+                        <a:rPr sz="1100">
+                          <a:solidFill>
+                            <a:srgbClr val="000000">
+                              <a:alpha val="100000"/>
+                            </a:srgbClr>
+                          </a:solidFill>
+                          <a:latin typeface="Helvetica"/>
+                        </a:rPr>
+                        <a:t>100   </a:t>
+                      </a:r>
+                    </a:p>
+                  </a:txBody>
+                  <a:tcPr anchor="t" marB="0" marT="0" marR="0" marL="0">
+                    <a:lnL w="12700" cmpd="sng" algn="ctr" cap="flat">
+                      <a:solidFill>
+                        <a:srgbClr val="FFFFFF">
+                          <a:alpha val="100000"/>
+                        </a:srgbClr>
+                      </a:solidFill>
+                      <a:prstDash val="solid"/>
+                    </a:lnL>
+                    <a:lnR w="12700" cmpd="sng" algn="ctr" cap="flat">
+                      <a:solidFill>
+                        <a:srgbClr val="FFFFFF">
+                          <a:alpha val="100000"/>
+                        </a:srgbClr>
+                      </a:solidFill>
+                      <a:prstDash val="solid"/>
+                    </a:lnR>
+                    <a:lnT w="12700" cmpd="sng" algn="ctr" cap="flat">
+                      <a:solidFill>
+                        <a:srgbClr val="FFFFFF">
+                          <a:alpha val="100000"/>
+                        </a:srgbClr>
+                      </a:solidFill>
+                      <a:prstDash val="solid"/>
+                    </a:lnT>
+                    <a:lnB w="12700" cmpd="sng" algn="ctr" cap="flat">
+                      <a:solidFill>
+                        <a:srgbClr val="FFFFFF">
+                          <a:alpha val="100000"/>
+                        </a:srgbClr>
+                      </a:solidFill>
+                      <a:prstDash val="solid"/>
+                    </a:lnB>
+                    <a:solidFill>
+                      <a:srgbClr val="A9CCE3">
+                        <a:alpha val="100000"/>
+                      </a:srgbClr>
+                    </a:solidFill>
+                  </a:tcPr>
+                </a:tc>
+              </a:tr>
+            </a:tbl>
+          </a:graphicData>
+        </a:graphic>
+      </p:graphicFrame>
+    </p:spTree>
+  </p:cSld>
+</p:sld>
+</file>
+
+<file path=ppt/slides/slide13.xml><?xml version="1.0" encoding="utf-8"?>
+<p:sld xmlns:a="http://schemas.openxmlformats.org/drawingml/2006/main" xmlns:r="http://schemas.openxmlformats.org/officeDocument/2006/relationships" xmlns:p="http://schemas.openxmlformats.org/presentationml/2006/main">
+  <p:cSld>
+    <p:spTree>
+      <p:nvGrpSpPr>
+        <p:cNvPr id="1" name=""/>
+        <p:cNvGrpSpPr/>
+        <p:nvPr/>
+      </p:nvGrpSpPr>
+      <p:grpSpPr>
+        <a:xfrm>
+          <a:off x="0" y="0"/>
+          <a:ext cx="0" cy="0"/>
+          <a:chOff x="0" y="0"/>
+          <a:chExt cx="0" cy="0"/>
+        </a:xfrm>
+      </p:grpSpPr>
+      <p:sp>
+        <p:nvSpPr>
+          <p:cNvPr id="2" name="Title 1"/>
+          <p:cNvSpPr>
+            <a:spLocks noGrp="1"/>
+          </p:cNvSpPr>
+          <p:nvPr>
+            <p:ph type="ctrTitle"/>
+          </p:nvPr>
+        </p:nvSpPr>
+        <p:spPr>
+          <a:xfrm>
+            <a:off x="685800" y="1597819"/>
+            <a:ext cx="7772400" cy="1102519"/>
+          </a:xfrm>
+        </p:spPr>
+        <p:txBody>
+          <a:bodyPr/>
+          <a:lstStyle/>
+          <a:p>
+            <a:pPr lvl="0" marL="0" indent="0">
+              <a:buNone/>
+            </a:pPr>
+            <a:r>
+              <a:rPr/>
+              <a:t>Regional</a:t>
+            </a:r>
+            <a:r>
+              <a:rPr/>
+              <a:t> </a:t>
+            </a:r>
+            <a:r>
+              <a:rPr/>
+              <a:t>trends</a:t>
+            </a:r>
+          </a:p>
+        </p:txBody>
+      </p:sp>
+    </p:spTree>
+  </p:cSld>
+</p:sld>
+</file>
+
+<file path=ppt/slides/slide14.xml><?xml version="1.0" encoding="utf-8"?>
+<p:sld xmlns:a="http://schemas.openxmlformats.org/drawingml/2006/main" xmlns:r="http://schemas.openxmlformats.org/officeDocument/2006/relationships" xmlns:p="http://schemas.openxmlformats.org/presentationml/2006/main">
+  <p:cSld>
+    <p:spTree>
+      <p:nvGrpSpPr>
+        <p:cNvPr id="1" name=""/>
+        <p:cNvGrpSpPr/>
+        <p:nvPr/>
+      </p:nvGrpSpPr>
+      <p:grpSpPr>
+        <a:xfrm>
+          <a:off x="0" y="0"/>
+          <a:ext cx="0" cy="0"/>
+          <a:chOff x="0" y="0"/>
+          <a:chExt cx="0" cy="0"/>
+        </a:xfrm>
+      </p:grpSpPr>
+      <p:sp>
+        <p:nvSpPr>
           <p:cNvPr id="3" name="Content Placeholder 2"/>
           <p:cNvSpPr>
             <a:spLocks noGrp="1"/>
@@ -3742,7 +7444,16 @@
             </a:pPr>
             <a:r>
               <a:rPr/>
-              <a:t>NULL</a:t>
+              <a:t>ℹ: The plots show the number of contacts under surveillance on each day, whether or not they were successfully contacted.</a:t>
+            </a:r>
+          </a:p>
+          <a:p>
+            <a:pPr lvl="0" marL="0" indent="0">
+              <a:buNone/>
+            </a:pPr>
+            <a:r>
+              <a:rPr/>
+              <a:t>The day on which the highest number contacts were under surveillance was Jan 26, 2021, with 56 contacts under surveillance.</a:t>
             </a:r>
           </a:p>
         </p:txBody>
@@ -3752,7 +7463,7 @@
 </p:sld>
 </file>
 
-<file path=ppt/slides/slide13.xml><?xml version="1.0" encoding="utf-8"?>
+<file path=ppt/slides/slide15.xml><?xml version="1.0" encoding="utf-8"?>
 <p:sld xmlns:a="http://schemas.openxmlformats.org/drawingml/2006/main" xmlns:r="http://schemas.openxmlformats.org/officeDocument/2006/relationships" xmlns:p="http://schemas.openxmlformats.org/presentationml/2006/main">
   <p:cSld>
     <p:spTree>
@@ -3797,7 +7508,7 @@
             </a:r>
             <a:r>
               <a:rPr/>
-              <a:t>breakdown</a:t>
+              <a:t>trends</a:t>
             </a:r>
             <a:r>
               <a:rPr/>
@@ -3805,136 +7516,49 @@
             </a:r>
             <a:r>
               <a:rPr/>
-              <a:t>table</a:t>
+              <a:t>absolute</a:t>
+            </a:r>
+            <a:r>
+              <a:rPr/>
+              <a:t> </a:t>
+            </a:r>
+            <a:r>
+              <a:rPr/>
+              <a:t>counts</a:t>
             </a:r>
           </a:p>
         </p:txBody>
       </p:sp>
-    </p:spTree>
-  </p:cSld>
-</p:sld>
-</file>
-
-<file path=ppt/slides/slide14.xml><?xml version="1.0" encoding="utf-8"?>
-<p:sld xmlns:a="http://schemas.openxmlformats.org/drawingml/2006/main" xmlns:r="http://schemas.openxmlformats.org/officeDocument/2006/relationships" xmlns:p="http://schemas.openxmlformats.org/presentationml/2006/main">
-  <p:cSld>
-    <p:spTree>
-      <p:nvGrpSpPr>
-        <p:cNvPr id="1" name=""/>
-        <p:cNvGrpSpPr/>
-        <p:nvPr/>
-      </p:nvGrpSpPr>
-      <p:grpSpPr>
-        <a:xfrm>
-          <a:off x="0" y="0"/>
-          <a:ext cx="0" cy="0"/>
-          <a:chOff x="0" y="0"/>
-          <a:chExt cx="0" cy="0"/>
-        </a:xfrm>
-      </p:grpSpPr>
-      <p:sp>
-        <p:nvSpPr>
-          <p:cNvPr id="2" name="Title 1"/>
-          <p:cNvSpPr>
-            <a:spLocks noGrp="1"/>
-          </p:cNvSpPr>
-          <p:nvPr>
-            <p:ph type="title"/>
-          </p:nvPr>
-        </p:nvSpPr>
-        <p:spPr>
+      <p:pic>
+        <p:nvPicPr>
+          <p:cNvPr descr="report_files/figure-pptx/contactsUnderSurveillancePerRegionOverTimeBarChart-1.png" id="0" name="Picture 1"/>
+          <p:cNvPicPr>
+            <a:picLocks noGrp="1" noChangeAspect="1"/>
+          </p:cNvPicPr>
+          <p:nvPr/>
+        </p:nvPicPr>
+        <p:blipFill>
+          <a:blip r:embed="rId2"/>
+          <a:stretch>
+            <a:fillRect/>
+          </a:stretch>
+        </p:blipFill>
+        <p:spPr bwMode="auto">
           <a:xfrm>
-            <a:off x="722313" y="3305176"/>
-            <a:ext cx="7772400" cy="1021556"/>
+            <a:off x="2451100" y="1193800"/>
+            <a:ext cx="4241800" cy="3390900"/>
           </a:xfrm>
+          <a:prstGeom prst="rect">
+            <a:avLst/>
+          </a:prstGeom>
+          <a:noFill/>
+          <a:ln w="9525">
+            <a:noFill/>
+            <a:headEnd/>
+            <a:tailEnd/>
+          </a:ln>
         </p:spPr>
-        <p:txBody>
-          <a:bodyPr/>
-          <a:lstStyle/>
-          <a:p>
-            <a:pPr lvl="0" marL="0" indent="0">
-              <a:buNone/>
-            </a:pPr>
-            <a:r>
-              <a:rPr/>
-              <a:t>Regional</a:t>
-            </a:r>
-            <a:r>
-              <a:rPr/>
-              <a:t> </a:t>
-            </a:r>
-            <a:r>
-              <a:rPr/>
-              <a:t>trends</a:t>
-            </a:r>
-          </a:p>
-        </p:txBody>
-      </p:sp>
-    </p:spTree>
-  </p:cSld>
-</p:sld>
-</file>
-
-<file path=ppt/slides/slide15.xml><?xml version="1.0" encoding="utf-8"?>
-<p:sld xmlns:a="http://schemas.openxmlformats.org/drawingml/2006/main" xmlns:r="http://schemas.openxmlformats.org/officeDocument/2006/relationships" xmlns:p="http://schemas.openxmlformats.org/presentationml/2006/main">
-  <p:cSld>
-    <p:spTree>
-      <p:nvGrpSpPr>
-        <p:cNvPr id="1" name=""/>
-        <p:cNvGrpSpPr/>
-        <p:nvPr/>
-      </p:nvGrpSpPr>
-      <p:grpSpPr>
-        <a:xfrm>
-          <a:off x="0" y="0"/>
-          <a:ext cx="0" cy="0"/>
-          <a:chOff x="0" y="0"/>
-          <a:chExt cx="0" cy="0"/>
-        </a:xfrm>
-      </p:grpSpPr>
-      <p:sp>
-        <p:nvSpPr>
-          <p:cNvPr id="3" name="Content Placeholder 2"/>
-          <p:cNvSpPr>
-            <a:spLocks noGrp="1"/>
-          </p:cNvSpPr>
-          <p:nvPr>
-            <p:ph idx="1"/>
-          </p:nvPr>
-        </p:nvSpPr>
-        <p:spPr/>
-        <p:txBody>
-          <a:bodyPr/>
-          <a:lstStyle/>
-          <a:p>
-            <a:pPr lvl="0" marL="0" indent="0">
-              <a:buNone/>
-            </a:pPr>
-            <a:r>
-              <a:rPr/>
-              <a:t>ℹ: The plots show the number of contacts under surveillance on each day, whether or not they were successfully contacted.</a:t>
-            </a:r>
-          </a:p>
-          <a:p>
-            <a:pPr lvl="0" marL="0" indent="0">
-              <a:buNone/>
-            </a:pPr>
-            <a:r>
-              <a:rPr/>
-              <a:t>The day on which the highest number contacts were under surveillance was Jan 26, 2021, with 56 contacts under surveillance.</a:t>
-            </a:r>
-          </a:p>
-          <a:p>
-            <a:pPr lvl="0" marL="0" indent="0">
-              <a:buNone/>
-            </a:pPr>
-            <a:r>
-              <a:rPr/>
-              <a:t>NULL</a:t>
-            </a:r>
-          </a:p>
-        </p:txBody>
-      </p:sp>
+      </p:pic>
     </p:spTree>
   </p:cSld>
 </p:sld>
@@ -3993,7 +7617,7 @@
             </a:r>
             <a:r>
               <a:rPr/>
-              <a:t>absolute</a:t>
+              <a:t>relative</a:t>
             </a:r>
             <a:r>
               <a:rPr/>
@@ -4001,14 +7625,14 @@
             </a:r>
             <a:r>
               <a:rPr/>
-              <a:t>counts</a:t>
+              <a:t>proportions</a:t>
             </a:r>
           </a:p>
         </p:txBody>
       </p:sp>
       <p:pic>
         <p:nvPicPr>
-          <p:cNvPr descr="report_files/figure-pptx/unnamed-chunk-12-1.png" id="0" name="Picture 1"/>
+          <p:cNvPr descr="report_files/figure-pptx/contactsUnderSurveillancePerRegionOverTimeBarChartRelative-1.png" id="0" name="Picture 1"/>
           <p:cNvPicPr>
             <a:picLocks noGrp="1" noChangeAspect="1"/>
           </p:cNvPicPr>
@@ -4060,6 +7684,74 @@
       </p:grpSpPr>
       <p:sp>
         <p:nvSpPr>
+          <p:cNvPr id="2" name="Title 1"/>
+          <p:cNvSpPr>
+            <a:spLocks noGrp="1"/>
+          </p:cNvSpPr>
+          <p:nvPr>
+            <p:ph type="ctrTitle"/>
+          </p:nvPr>
+        </p:nvSpPr>
+        <p:spPr>
+          <a:xfrm>
+            <a:off x="685800" y="1597819"/>
+            <a:ext cx="7772400" cy="1102519"/>
+          </a:xfrm>
+        </p:spPr>
+        <p:txBody>
+          <a:bodyPr/>
+          <a:lstStyle/>
+          <a:p>
+            <a:pPr lvl="0" marL="0" indent="0">
+              <a:buNone/>
+            </a:pPr>
+            <a:r>
+              <a:rPr/>
+              <a:t>Contacts</a:t>
+            </a:r>
+            <a:r>
+              <a:rPr/>
+              <a:t> </a:t>
+            </a:r>
+            <a:r>
+              <a:rPr/>
+              <a:t>per</a:t>
+            </a:r>
+            <a:r>
+              <a:rPr/>
+              <a:t> </a:t>
+            </a:r>
+            <a:r>
+              <a:rPr/>
+              <a:t>case</a:t>
+            </a:r>
+          </a:p>
+        </p:txBody>
+      </p:sp>
+    </p:spTree>
+  </p:cSld>
+</p:sld>
+</file>
+
+<file path=ppt/slides/slide18.xml><?xml version="1.0" encoding="utf-8"?>
+<p:sld xmlns:a="http://schemas.openxmlformats.org/drawingml/2006/main" xmlns:r="http://schemas.openxmlformats.org/officeDocument/2006/relationships" xmlns:p="http://schemas.openxmlformats.org/presentationml/2006/main">
+  <p:cSld>
+    <p:spTree>
+      <p:nvGrpSpPr>
+        <p:cNvPr id="1" name=""/>
+        <p:cNvGrpSpPr/>
+        <p:nvPr/>
+      </p:nvGrpSpPr>
+      <p:grpSpPr>
+        <a:xfrm>
+          <a:off x="0" y="0"/>
+          <a:ext cx="0" cy="0"/>
+          <a:chOff x="0" y="0"/>
+          <a:chExt cx="0" cy="0"/>
+        </a:xfrm>
+      </p:grpSpPr>
+      <p:sp>
+        <p:nvSpPr>
           <p:cNvPr id="3" name="Content Placeholder 2"/>
           <p:cNvSpPr>
             <a:spLocks noGrp="1"/>
@@ -4076,16 +7768,18 @@
             <a:pPr lvl="0" marL="0" indent="0">
               <a:buNone/>
             </a:pPr>
-          </a:p>
-          <a:p>
-            <a:pPr lvl="0" indent="0">
+            <a:r>
+              <a:rPr/>
+              <a:t>ℹ: The plots show the number of contacts linked to each case.</a:t>
+            </a:r>
+          </a:p>
+          <a:p>
+            <a:pPr lvl="0" marL="0" indent="0">
               <a:buNone/>
             </a:pPr>
             <a:r>
-              <a:rPr>
-                <a:latin typeface="Courier"/>
-              </a:rPr>
-              <a:t>## NULL</a:t>
+              <a:rPr/>
+              <a:t>The mean number of contacts per case is 12.8, (SD:5.3) with a minimum of 2 and a maximum of 24</a:t>
             </a:r>
           </a:p>
         </p:txBody>
@@ -4095,7 +7789,7 @@
 </p:sld>
 </file>
 
-<file path=ppt/slides/slide18.xml><?xml version="1.0" encoding="utf-8"?>
+<file path=ppt/slides/slide19.xml><?xml version="1.0" encoding="utf-8"?>
 <p:sld xmlns:a="http://schemas.openxmlformats.org/drawingml/2006/main" xmlns:r="http://schemas.openxmlformats.org/officeDocument/2006/relationships" xmlns:p="http://schemas.openxmlformats.org/presentationml/2006/main">
   <p:cSld>
     <p:spTree>
@@ -4132,7 +7826,7 @@
             </a:pPr>
             <a:r>
               <a:rPr/>
-              <a:t>Regional</a:t>
+              <a:t>Contacts</a:t>
             </a:r>
             <a:r>
               <a:rPr/>
@@ -4140,7 +7834,7 @@
             </a:r>
             <a:r>
               <a:rPr/>
-              <a:t>trends</a:t>
+              <a:t>per</a:t>
             </a:r>
             <a:r>
               <a:rPr/>
@@ -4148,7 +7842,7 @@
             </a:r>
             <a:r>
               <a:rPr/>
-              <a:t>relative</a:t>
+              <a:t>case</a:t>
             </a:r>
             <a:r>
               <a:rPr/>
@@ -4156,14 +7850,22 @@
             </a:r>
             <a:r>
               <a:rPr/>
-              <a:t>proportions</a:t>
+              <a:t>donut</a:t>
+            </a:r>
+            <a:r>
+              <a:rPr/>
+              <a:t> </a:t>
+            </a:r>
+            <a:r>
+              <a:rPr/>
+              <a:t>plot</a:t>
             </a:r>
           </a:p>
         </p:txBody>
       </p:sp>
       <p:pic>
         <p:nvPicPr>
-          <p:cNvPr descr="report_files/figure-pptx/unnamed-chunk-13-1.png" id="0" name="Picture 1"/>
+          <p:cNvPr descr="report_files/figure-pptx/totalContactsPerCaseDonutPlot-1.png" id="0" name="Picture 1"/>
           <p:cNvPicPr>
             <a:picLocks noGrp="1" noChangeAspect="1"/>
           </p:cNvPicPr>
@@ -4196,60 +7898,6 @@
 </p:sld>
 </file>
 
-<file path=ppt/slides/slide19.xml><?xml version="1.0" encoding="utf-8"?>
-<p:sld xmlns:a="http://schemas.openxmlformats.org/drawingml/2006/main" xmlns:r="http://schemas.openxmlformats.org/officeDocument/2006/relationships" xmlns:p="http://schemas.openxmlformats.org/presentationml/2006/main">
-  <p:cSld>
-    <p:spTree>
-      <p:nvGrpSpPr>
-        <p:cNvPr id="1" name=""/>
-        <p:cNvGrpSpPr/>
-        <p:nvPr/>
-      </p:nvGrpSpPr>
-      <p:grpSpPr>
-        <a:xfrm>
-          <a:off x="0" y="0"/>
-          <a:ext cx="0" cy="0"/>
-          <a:chOff x="0" y="0"/>
-          <a:chExt cx="0" cy="0"/>
-        </a:xfrm>
-      </p:grpSpPr>
-      <p:sp>
-        <p:nvSpPr>
-          <p:cNvPr id="3" name="Content Placeholder 2"/>
-          <p:cNvSpPr>
-            <a:spLocks noGrp="1"/>
-          </p:cNvSpPr>
-          <p:nvPr>
-            <p:ph idx="1"/>
-          </p:nvPr>
-        </p:nvSpPr>
-        <p:spPr/>
-        <p:txBody>
-          <a:bodyPr/>
-          <a:lstStyle/>
-          <a:p>
-            <a:pPr lvl="0" marL="0" indent="0">
-              <a:buNone/>
-            </a:pPr>
-          </a:p>
-          <a:p>
-            <a:pPr lvl="0" indent="0">
-              <a:buNone/>
-            </a:pPr>
-            <a:r>
-              <a:rPr>
-                <a:latin typeface="Courier"/>
-              </a:rPr>
-              <a:t>## NULL</a:t>
-            </a:r>
-          </a:p>
-        </p:txBody>
-      </p:sp>
-    </p:spTree>
-  </p:cSld>
-</p:sld>
-</file>
-
 <file path=ppt/slides/slide2.xml><?xml version="1.0" encoding="utf-8"?>
 <p:sld xmlns:a="http://schemas.openxmlformats.org/drawingml/2006/main" xmlns:r="http://schemas.openxmlformats.org/officeDocument/2006/relationships" xmlns:p="http://schemas.openxmlformats.org/presentationml/2006/main">
   <p:cSld>
@@ -4274,13 +7922,13 @@
             <a:spLocks noGrp="1"/>
           </p:cNvSpPr>
           <p:nvPr>
-            <p:ph type="title"/>
+            <p:ph type="ctrTitle"/>
           </p:nvPr>
         </p:nvSpPr>
         <p:spPr>
           <a:xfrm>
-            <a:off x="722313" y="3305176"/>
-            <a:ext cx="7772400" cy="1021556"/>
+            <a:off x="685800" y="1597819"/>
+            <a:ext cx="7772400" cy="1102519"/>
           </a:xfrm>
         </p:spPr>
         <p:txBody>
@@ -4345,74 +7993,6 @@
             <p:ph type="title"/>
           </p:nvPr>
         </p:nvSpPr>
-        <p:spPr>
-          <a:xfrm>
-            <a:off x="722313" y="3305176"/>
-            <a:ext cx="7772400" cy="1021556"/>
-          </a:xfrm>
-        </p:spPr>
-        <p:txBody>
-          <a:bodyPr/>
-          <a:lstStyle/>
-          <a:p>
-            <a:pPr lvl="0" marL="0" indent="0">
-              <a:buNone/>
-            </a:pPr>
-            <a:r>
-              <a:rPr/>
-              <a:t>Contacts</a:t>
-            </a:r>
-            <a:r>
-              <a:rPr/>
-              <a:t> </a:t>
-            </a:r>
-            <a:r>
-              <a:rPr/>
-              <a:t>per</a:t>
-            </a:r>
-            <a:r>
-              <a:rPr/>
-              <a:t> </a:t>
-            </a:r>
-            <a:r>
-              <a:rPr/>
-              <a:t>case</a:t>
-            </a:r>
-          </a:p>
-        </p:txBody>
-      </p:sp>
-    </p:spTree>
-  </p:cSld>
-</p:sld>
-</file>
-
-<file path=ppt/slides/slide21.xml><?xml version="1.0" encoding="utf-8"?>
-<p:sld xmlns:a="http://schemas.openxmlformats.org/drawingml/2006/main" xmlns:r="http://schemas.openxmlformats.org/officeDocument/2006/relationships" xmlns:p="http://schemas.openxmlformats.org/presentationml/2006/main">
-  <p:cSld>
-    <p:spTree>
-      <p:nvGrpSpPr>
-        <p:cNvPr id="1" name=""/>
-        <p:cNvGrpSpPr/>
-        <p:nvPr/>
-      </p:nvGrpSpPr>
-      <p:grpSpPr>
-        <a:xfrm>
-          <a:off x="0" y="0"/>
-          <a:ext cx="0" cy="0"/>
-          <a:chOff x="0" y="0"/>
-          <a:chExt cx="0" cy="0"/>
-        </a:xfrm>
-      </p:grpSpPr>
-      <p:sp>
-        <p:nvSpPr>
-          <p:cNvPr id="3" name="Content Placeholder 2"/>
-          <p:cNvSpPr>
-            <a:spLocks noGrp="1"/>
-          </p:cNvSpPr>
-          <p:nvPr>
-            <p:ph idx="1"/>
-          </p:nvPr>
-        </p:nvSpPr>
         <p:spPr/>
         <p:txBody>
           <a:bodyPr/>
@@ -4423,71 +8003,6 @@
             </a:pPr>
             <a:r>
               <a:rPr/>
-              <a:t>ℹ: The plots show the number of contacts linked to each case.</a:t>
-            </a:r>
-          </a:p>
-          <a:p>
-            <a:pPr lvl="0" marL="0" indent="0">
-              <a:buNone/>
-            </a:pPr>
-            <a:r>
-              <a:rPr/>
-              <a:t>The mean number of contacts per case is 12.8, (SD:5.3) with a minimum of 2 and a maximum of 24</a:t>
-            </a:r>
-          </a:p>
-          <a:p>
-            <a:pPr lvl="0" marL="0" indent="0">
-              <a:buNone/>
-            </a:pPr>
-            <a:r>
-              <a:rPr/>
-              <a:t>NULL</a:t>
-            </a:r>
-          </a:p>
-        </p:txBody>
-      </p:sp>
-    </p:spTree>
-  </p:cSld>
-</p:sld>
-</file>
-
-<file path=ppt/slides/slide22.xml><?xml version="1.0" encoding="utf-8"?>
-<p:sld xmlns:a="http://schemas.openxmlformats.org/drawingml/2006/main" xmlns:r="http://schemas.openxmlformats.org/officeDocument/2006/relationships" xmlns:p="http://schemas.openxmlformats.org/presentationml/2006/main">
-  <p:cSld>
-    <p:spTree>
-      <p:nvGrpSpPr>
-        <p:cNvPr id="1" name=""/>
-        <p:cNvGrpSpPr/>
-        <p:nvPr/>
-      </p:nvGrpSpPr>
-      <p:grpSpPr>
-        <a:xfrm>
-          <a:off x="0" y="0"/>
-          <a:ext cx="0" cy="0"/>
-          <a:chOff x="0" y="0"/>
-          <a:chExt cx="0" cy="0"/>
-        </a:xfrm>
-      </p:grpSpPr>
-      <p:sp>
-        <p:nvSpPr>
-          <p:cNvPr id="2" name="Title 1"/>
-          <p:cNvSpPr>
-            <a:spLocks noGrp="1"/>
-          </p:cNvSpPr>
-          <p:nvPr>
-            <p:ph type="title"/>
-          </p:nvPr>
-        </p:nvSpPr>
-        <p:spPr/>
-        <p:txBody>
-          <a:bodyPr/>
-          <a:lstStyle/>
-          <a:p>
-            <a:pPr lvl="0" marL="0" indent="0">
-              <a:buNone/>
-            </a:pPr>
-            <a:r>
-              <a:rPr/>
               <a:t>Contacts</a:t>
             </a:r>
             <a:r>
@@ -4512,7 +8027,7 @@
             </a:r>
             <a:r>
               <a:rPr/>
-              <a:t>donut</a:t>
+              <a:t>bar</a:t>
             </a:r>
             <a:r>
               <a:rPr/>
@@ -4520,14 +8035,14 @@
             </a:r>
             <a:r>
               <a:rPr/>
-              <a:t>plot</a:t>
+              <a:t>chart</a:t>
             </a:r>
           </a:p>
         </p:txBody>
       </p:sp>
       <p:pic>
         <p:nvPicPr>
-          <p:cNvPr descr="report_files/figure-pptx/unnamed-chunk-15-1.png" id="0" name="Picture 1"/>
+          <p:cNvPr descr="report_files/figure-pptx/totalContactsPerCaseBarChart-1.png" id="0" name="Picture 1"/>
           <p:cNvPicPr>
             <a:picLocks noGrp="1" noChangeAspect="1"/>
           </p:cNvPicPr>
@@ -4560,7 +8075,67 @@
 </p:sld>
 </file>
 
-<file path=ppt/slides/slide23.xml><?xml version="1.0" encoding="utf-8"?>
+<file path=ppt/slides/slide21.xml><?xml version="1.0" encoding="utf-8"?>
+<p:sld xmlns:a="http://schemas.openxmlformats.org/drawingml/2006/main" xmlns:r="http://schemas.openxmlformats.org/officeDocument/2006/relationships" xmlns:p="http://schemas.openxmlformats.org/presentationml/2006/main">
+  <p:cSld>
+    <p:spTree>
+      <p:nvGrpSpPr>
+        <p:cNvPr id="1" name=""/>
+        <p:cNvGrpSpPr/>
+        <p:nvPr/>
+      </p:nvGrpSpPr>
+      <p:grpSpPr>
+        <a:xfrm>
+          <a:off x="0" y="0"/>
+          <a:ext cx="0" cy="0"/>
+          <a:chOff x="0" y="0"/>
+          <a:chExt cx="0" cy="0"/>
+        </a:xfrm>
+      </p:grpSpPr>
+      <p:sp>
+        <p:nvSpPr>
+          <p:cNvPr id="2" name="Title 1"/>
+          <p:cNvSpPr>
+            <a:spLocks noGrp="1"/>
+          </p:cNvSpPr>
+          <p:nvPr>
+            <p:ph type="ctrTitle"/>
+          </p:nvPr>
+        </p:nvSpPr>
+        <p:spPr>
+          <a:xfrm>
+            <a:off x="685800" y="1597819"/>
+            <a:ext cx="7772400" cy="1102519"/>
+          </a:xfrm>
+        </p:spPr>
+        <p:txBody>
+          <a:bodyPr/>
+          <a:lstStyle/>
+          <a:p>
+            <a:pPr lvl="0" marL="0" indent="0">
+              <a:buNone/>
+            </a:pPr>
+            <a:r>
+              <a:rPr/>
+              <a:t>Case-contact</a:t>
+            </a:r>
+            <a:r>
+              <a:rPr/>
+              <a:t> </a:t>
+            </a:r>
+            <a:r>
+              <a:rPr/>
+              <a:t>relationships</a:t>
+            </a:r>
+          </a:p>
+        </p:txBody>
+      </p:sp>
+    </p:spTree>
+  </p:cSld>
+</p:sld>
+</file>
+
+<file path=ppt/slides/slide22.xml><?xml version="1.0" encoding="utf-8"?>
 <p:sld xmlns:a="http://schemas.openxmlformats.org/drawingml/2006/main" xmlns:r="http://schemas.openxmlformats.org/officeDocument/2006/relationships" xmlns:p="http://schemas.openxmlformats.org/presentationml/2006/main">
   <p:cSld>
     <p:spTree>
@@ -4595,20 +8170,123 @@
             <a:pPr lvl="0" marL="0" indent="0">
               <a:buNone/>
             </a:pPr>
-          </a:p>
-          <a:p>
-            <a:pPr lvl="0" indent="0">
+            <a:r>
+              <a:rPr/>
+              <a:t>ℹ: The plots show the number of contacts per type of type of link. The categories have been cleaned and condensed. Access the data in tabular form by clicking on the top-right button.</a:t>
+            </a:r>
+          </a:p>
+          <a:p>
+            <a:pPr lvl="0" marL="0" indent="0">
               <a:buNone/>
             </a:pPr>
             <a:r>
-              <a:rPr>
-                <a:latin typeface="Courier"/>
-              </a:rPr>
-              <a:t>## NULL</a:t>
+              <a:rPr/>
+              <a:t>The most common link category is ‘parent proche’, with 66 contacts (16.67%).</a:t>
             </a:r>
           </a:p>
         </p:txBody>
       </p:sp>
+    </p:spTree>
+  </p:cSld>
+</p:sld>
+</file>
+
+<file path=ppt/slides/slide23.xml><?xml version="1.0" encoding="utf-8"?>
+<p:sld xmlns:a="http://schemas.openxmlformats.org/drawingml/2006/main" xmlns:r="http://schemas.openxmlformats.org/officeDocument/2006/relationships" xmlns:p="http://schemas.openxmlformats.org/presentationml/2006/main">
+  <p:cSld>
+    <p:spTree>
+      <p:nvGrpSpPr>
+        <p:cNvPr id="1" name=""/>
+        <p:cNvGrpSpPr/>
+        <p:nvPr/>
+      </p:nvGrpSpPr>
+      <p:grpSpPr>
+        <a:xfrm>
+          <a:off x="0" y="0"/>
+          <a:ext cx="0" cy="0"/>
+          <a:chOff x="0" y="0"/>
+          <a:chExt cx="0" cy="0"/>
+        </a:xfrm>
+      </p:grpSpPr>
+      <p:sp>
+        <p:nvSpPr>
+          <p:cNvPr id="2" name="Title 1"/>
+          <p:cNvSpPr>
+            <a:spLocks noGrp="1"/>
+          </p:cNvSpPr>
+          <p:nvPr>
+            <p:ph type="title"/>
+          </p:nvPr>
+        </p:nvSpPr>
+        <p:spPr/>
+        <p:txBody>
+          <a:bodyPr/>
+          <a:lstStyle/>
+          <a:p>
+            <a:pPr lvl="0" marL="0" indent="0">
+              <a:buNone/>
+            </a:pPr>
+            <a:r>
+              <a:rPr/>
+              <a:t>Case-contact</a:t>
+            </a:r>
+            <a:r>
+              <a:rPr/>
+              <a:t> </a:t>
+            </a:r>
+            <a:r>
+              <a:rPr/>
+              <a:t>relationships</a:t>
+            </a:r>
+            <a:r>
+              <a:rPr/>
+              <a:t> </a:t>
+            </a:r>
+            <a:r>
+              <a:rPr/>
+              <a:t>donut</a:t>
+            </a:r>
+            <a:r>
+              <a:rPr/>
+              <a:t> </a:t>
+            </a:r>
+            <a:r>
+              <a:rPr/>
+              <a:t>plot</a:t>
+            </a:r>
+          </a:p>
+        </p:txBody>
+      </p:sp>
+      <p:pic>
+        <p:nvPicPr>
+          <p:cNvPr descr="report_files/figure-pptx/totalContactsPerLinkTypeDonutPlot-1.png" id="0" name="Picture 1"/>
+          <p:cNvPicPr>
+            <a:picLocks noGrp="1" noChangeAspect="1"/>
+          </p:cNvPicPr>
+          <p:nvPr/>
+        </p:nvPicPr>
+        <p:blipFill>
+          <a:blip r:embed="rId2"/>
+          <a:stretch>
+            <a:fillRect/>
+          </a:stretch>
+        </p:blipFill>
+        <p:spPr bwMode="auto">
+          <a:xfrm>
+            <a:off x="2451100" y="1193800"/>
+            <a:ext cx="4241800" cy="3390900"/>
+          </a:xfrm>
+          <a:prstGeom prst="rect">
+            <a:avLst/>
+          </a:prstGeom>
+          <a:noFill/>
+          <a:ln w="9525">
+            <a:noFill/>
+            <a:headEnd/>
+            <a:tailEnd/>
+          </a:ln>
+        </p:spPr>
+      </p:pic>
     </p:spTree>
   </p:cSld>
 </p:sld>
@@ -4651,7 +8329,7 @@
             </a:pPr>
             <a:r>
               <a:rPr/>
-              <a:t>Contacts</a:t>
+              <a:t>Case-contact</a:t>
             </a:r>
             <a:r>
               <a:rPr/>
@@ -4659,15 +8337,7 @@
             </a:r>
             <a:r>
               <a:rPr/>
-              <a:t>per</a:t>
-            </a:r>
-            <a:r>
-              <a:rPr/>
-              <a:t> </a:t>
-            </a:r>
-            <a:r>
-              <a:rPr/>
-              <a:t>case</a:t>
+              <a:t>relationships</a:t>
             </a:r>
             <a:r>
               <a:rPr/>
@@ -4690,7 +8360,7 @@
       </p:sp>
       <p:pic>
         <p:nvPicPr>
-          <p:cNvPr descr="report_files/figure-pptx/unnamed-chunk-16-1.png" id="0" name="Picture 1"/>
+          <p:cNvPr descr="report_files/figure-pptx/totalContactsPerLinkTypeBarChart-1.png" id="0" name="Picture 1"/>
           <p:cNvPicPr>
             <a:picLocks noGrp="1" noChangeAspect="1"/>
           </p:cNvPicPr>
@@ -4742,15 +8412,20 @@
       </p:grpSpPr>
       <p:sp>
         <p:nvSpPr>
-          <p:cNvPr id="3" name="Content Placeholder 2"/>
+          <p:cNvPr id="2" name="Title 1"/>
           <p:cNvSpPr>
             <a:spLocks noGrp="1"/>
           </p:cNvSpPr>
           <p:nvPr>
-            <p:ph idx="1"/>
+            <p:ph type="ctrTitle"/>
           </p:nvPr>
         </p:nvSpPr>
-        <p:spPr/>
+        <p:spPr>
+          <a:xfrm>
+            <a:off x="685800" y="1597819"/>
+            <a:ext cx="7772400" cy="1102519"/>
+          </a:xfrm>
+        </p:spPr>
         <p:txBody>
           <a:bodyPr/>
           <a:lstStyle/>
@@ -4758,16 +8433,41 @@
             <a:pPr lvl="0" marL="0" indent="0">
               <a:buNone/>
             </a:pPr>
-          </a:p>
-          <a:p>
-            <a:pPr lvl="0" indent="0">
-              <a:buNone/>
-            </a:pPr>
-            <a:r>
-              <a:rPr>
-                <a:latin typeface="Courier"/>
-              </a:rPr>
-              <a:t>## NULL</a:t>
+            <a:r>
+              <a:rPr/>
+              <a:t>DATA</a:t>
+            </a:r>
+            <a:r>
+              <a:rPr/>
+              <a:t> </a:t>
+            </a:r>
+            <a:r>
+              <a:rPr/>
+              <a:t>PERTAINING</a:t>
+            </a:r>
+            <a:r>
+              <a:rPr/>
+              <a:t> </a:t>
+            </a:r>
+            <a:r>
+              <a:rPr/>
+              <a:t>TO</a:t>
+            </a:r>
+            <a:r>
+              <a:rPr/>
+              <a:t> </a:t>
+            </a:r>
+            <a:r>
+              <a:rPr/>
+              <a:t>ACTIVE</a:t>
+            </a:r>
+            <a:r>
+              <a:rPr/>
+              <a:t> </a:t>
+            </a:r>
+            <a:r>
+              <a:rPr/>
+              <a:t>CONTACTS</a:t>
             </a:r>
           </a:p>
         </p:txBody>
@@ -4801,13 +8501,13 @@
             <a:spLocks noGrp="1"/>
           </p:cNvSpPr>
           <p:nvPr>
-            <p:ph type="title"/>
+            <p:ph type="ctrTitle"/>
           </p:nvPr>
         </p:nvSpPr>
         <p:spPr>
           <a:xfrm>
-            <a:off x="722313" y="3305176"/>
-            <a:ext cx="7772400" cy="1021556"/>
+            <a:off x="685800" y="1597819"/>
+            <a:ext cx="7772400" cy="1102519"/>
           </a:xfrm>
         </p:spPr>
         <p:txBody>
@@ -4819,7 +8519,7 @@
             </a:pPr>
             <a:r>
               <a:rPr/>
-              <a:t>Link</a:t>
+              <a:t>Follow-up</a:t>
             </a:r>
             <a:r>
               <a:rPr/>
@@ -4827,39 +8527,7 @@
             </a:r>
             <a:r>
               <a:rPr/>
-              <a:t>type</a:t>
-            </a:r>
-            <a:r>
-              <a:rPr/>
-              <a:t> </a:t>
-            </a:r>
-            <a:r>
-              <a:rPr/>
-              <a:t>between</a:t>
-            </a:r>
-            <a:r>
-              <a:rPr/>
-              <a:t> </a:t>
-            </a:r>
-            <a:r>
-              <a:rPr/>
-              <a:t>contacts</a:t>
-            </a:r>
-            <a:r>
-              <a:rPr/>
-              <a:t> </a:t>
-            </a:r>
-            <a:r>
-              <a:rPr/>
-              <a:t>and</a:t>
-            </a:r>
-            <a:r>
-              <a:rPr/>
-              <a:t> </a:t>
-            </a:r>
-            <a:r>
-              <a:rPr/>
-              <a:t>cases</a:t>
+              <a:t>timelines</a:t>
             </a:r>
           </a:p>
         </p:txBody>
@@ -4906,7 +8574,7 @@
             </a:pPr>
             <a:r>
               <a:rPr/>
-              <a:t>ℹ: The plots show the number of contacts per type of type of link. The categories have been cleaned and condensed. Access the data in tabular form by clicking on the top-right button.</a:t>
+              <a:t>ℹ: The plots track the status of each active contact over all 10 days of follow-up.</a:t>
             </a:r>
           </a:p>
           <a:p>
@@ -4915,16 +8583,7 @@
             </a:pPr>
             <a:r>
               <a:rPr/>
-              <a:t>The most common link category is ‘parent proche’, with 66 contacts (16.67%).</a:t>
-            </a:r>
-          </a:p>
-          <a:p>
-            <a:pPr lvl="0" marL="0" indent="0">
-              <a:buNone/>
-            </a:pPr>
-            <a:r>
-              <a:rPr/>
-              <a:t>NULL</a:t>
+              <a:t>There are 5 active contacts</a:t>
             </a:r>
           </a:p>
         </p:txBody>
@@ -4971,7 +8630,7 @@
             </a:pPr>
             <a:r>
               <a:rPr/>
-              <a:t>Link</a:t>
+              <a:t>Follow-up</a:t>
             </a:r>
             <a:r>
               <a:rPr/>
@@ -4979,7 +8638,7 @@
             </a:r>
             <a:r>
               <a:rPr/>
-              <a:t>type</a:t>
+              <a:t>timeline</a:t>
             </a:r>
             <a:r>
               <a:rPr/>
@@ -4987,7 +8646,7 @@
             </a:r>
             <a:r>
               <a:rPr/>
-              <a:t>donut</a:t>
+              <a:t>snake</a:t>
             </a:r>
             <a:r>
               <a:rPr/>
@@ -5002,7 +8661,7 @@
       </p:sp>
       <p:pic>
         <p:nvPicPr>
-          <p:cNvPr descr="report_files/figure-pptx/unnamed-chunk-18-1.png" id="0" name="Picture 1"/>
+          <p:cNvPr descr="report_files/figure-pptx/activeContactsTimelineSnakePlot-1.png" id="0" name="Picture 1"/>
           <p:cNvPicPr>
             <a:picLocks noGrp="1" noChangeAspect="1"/>
           </p:cNvPicPr>
@@ -5054,12 +8713,12 @@
       </p:grpSpPr>
       <p:sp>
         <p:nvSpPr>
-          <p:cNvPr id="3" name="Content Placeholder 2"/>
+          <p:cNvPr id="2" name="Title 1"/>
           <p:cNvSpPr>
             <a:spLocks noGrp="1"/>
           </p:cNvSpPr>
           <p:nvPr>
-            <p:ph idx="1"/>
+            <p:ph type="title"/>
           </p:nvPr>
         </p:nvSpPr>
         <p:spPr/>
@@ -5070,20 +8729,67 @@
             <a:pPr lvl="0" marL="0" indent="0">
               <a:buNone/>
             </a:pPr>
-          </a:p>
-          <a:p>
-            <a:pPr lvl="0" indent="0">
-              <a:buNone/>
-            </a:pPr>
-            <a:r>
-              <a:rPr>
-                <a:latin typeface="Courier"/>
-              </a:rPr>
-              <a:t>## NULL</a:t>
+            <a:r>
+              <a:rPr/>
+              <a:t>Follow-up</a:t>
+            </a:r>
+            <a:r>
+              <a:rPr/>
+              <a:t> </a:t>
+            </a:r>
+            <a:r>
+              <a:rPr/>
+              <a:t>summary</a:t>
+            </a:r>
+            <a:r>
+              <a:rPr/>
+              <a:t> </a:t>
+            </a:r>
+            <a:r>
+              <a:rPr/>
+              <a:t>bar</a:t>
+            </a:r>
+            <a:r>
+              <a:rPr/>
+              <a:t> </a:t>
+            </a:r>
+            <a:r>
+              <a:rPr/>
+              <a:t>chart</a:t>
             </a:r>
           </a:p>
         </p:txBody>
       </p:sp>
+      <p:pic>
+        <p:nvPicPr>
+          <p:cNvPr descr="report_files/figure-pptx/activeContactsBreakdownBarChart-1.png" id="0" name="Picture 1"/>
+          <p:cNvPicPr>
+            <a:picLocks noGrp="1" noChangeAspect="1"/>
+          </p:cNvPicPr>
+          <p:nvPr/>
+        </p:nvPicPr>
+        <p:blipFill>
+          <a:blip r:embed="rId2"/>
+          <a:stretch>
+            <a:fillRect/>
+          </a:stretch>
+        </p:blipFill>
+        <p:spPr bwMode="auto">
+          <a:xfrm>
+            <a:off x="2451100" y="1193800"/>
+            <a:ext cx="4241800" cy="3390900"/>
+          </a:xfrm>
+          <a:prstGeom prst="rect">
+            <a:avLst/>
+          </a:prstGeom>
+          <a:noFill/>
+          <a:ln w="9525">
+            <a:noFill/>
+            <a:headEnd/>
+            <a:tailEnd/>
+          </a:ln>
+        </p:spPr>
+      </p:pic>
     </p:spTree>
   </p:cSld>
 </p:sld>
@@ -5108,7 +8814,7 @@
       </p:grpSpPr>
       <p:pic>
         <p:nvPicPr>
-          <p:cNvPr descr="report_files/figure-pptx/unnamed-chunk-5-1.png" id="0" name="Picture 1"/>
+          <p:cNvPr descr="report_files/figure-pptx/valueBoxes1-1.png" id="0" name="Picture 1"/>
           <p:cNvPicPr>
             <a:picLocks noGrp="1" noChangeAspect="1"/>
           </p:cNvPicPr>
@@ -5165,10 +8871,15 @@
             <a:spLocks noGrp="1"/>
           </p:cNvSpPr>
           <p:nvPr>
-            <p:ph type="title"/>
+            <p:ph type="ctrTitle"/>
           </p:nvPr>
         </p:nvSpPr>
-        <p:spPr/>
+        <p:spPr>
+          <a:xfrm>
+            <a:off x="685800" y="1597819"/>
+            <a:ext cx="7772400" cy="1102519"/>
+          </a:xfrm>
+        </p:spPr>
         <p:txBody>
           <a:bodyPr/>
           <a:lstStyle/>
@@ -5178,7 +8889,7 @@
             </a:pPr>
             <a:r>
               <a:rPr/>
-              <a:t>Link</a:t>
+              <a:t>Contacts</a:t>
             </a:r>
             <a:r>
               <a:rPr/>
@@ -5186,7 +8897,7 @@
             </a:r>
             <a:r>
               <a:rPr/>
-              <a:t>type</a:t>
+              <a:t>not</a:t>
             </a:r>
             <a:r>
               <a:rPr/>
@@ -5194,7 +8905,7 @@
             </a:r>
             <a:r>
               <a:rPr/>
-              <a:t>bar</a:t>
+              <a:t>seen</a:t>
             </a:r>
             <a:r>
               <a:rPr/>
@@ -5202,41 +8913,11 @@
             </a:r>
             <a:r>
               <a:rPr/>
-              <a:t>chart</a:t>
+              <a:t>recently</a:t>
             </a:r>
           </a:p>
         </p:txBody>
       </p:sp>
-      <p:pic>
-        <p:nvPicPr>
-          <p:cNvPr descr="report_files/figure-pptx/unnamed-chunk-19-1.png" id="0" name="Picture 1"/>
-          <p:cNvPicPr>
-            <a:picLocks noGrp="1" noChangeAspect="1"/>
-          </p:cNvPicPr>
-          <p:nvPr/>
-        </p:nvPicPr>
-        <p:blipFill>
-          <a:blip r:embed="rId2"/>
-          <a:stretch>
-            <a:fillRect/>
-          </a:stretch>
-        </p:blipFill>
-        <p:spPr bwMode="auto">
-          <a:xfrm>
-            <a:off x="2451100" y="1193800"/>
-            <a:ext cx="4241800" cy="3390900"/>
-          </a:xfrm>
-          <a:prstGeom prst="rect">
-            <a:avLst/>
-          </a:prstGeom>
-          <a:noFill/>
-          <a:ln w="9525">
-            <a:noFill/>
-            <a:headEnd/>
-            <a:tailEnd/>
-          </a:ln>
-        </p:spPr>
-      </p:pic>
     </p:spTree>
   </p:cSld>
 </p:sld>
@@ -5277,16 +8958,27 @@
             <a:pPr lvl="0" marL="0" indent="0">
               <a:buNone/>
             </a:pPr>
-          </a:p>
-          <a:p>
-            <a:pPr lvl="0" indent="0">
+            <a:r>
+              <a:rPr/>
+              <a:t>ℹ: The tables track the contacts who should be under surveillance but have not been followed for an extended period.</a:t>
+            </a:r>
+          </a:p>
+          <a:p>
+            <a:pPr lvl="0" marL="0" indent="0">
               <a:buNone/>
             </a:pPr>
             <a:r>
-              <a:rPr>
-                <a:latin typeface="Courier"/>
-              </a:rPr>
-              <a:t>## NULL</a:t>
+              <a:rPr/>
+              <a:t>No lost to follow-up (LTFU) contacts to show. (An LTFU contact is a contact that has been seen for more than two days.)</a:t>
+            </a:r>
+          </a:p>
+          <a:p>
+            <a:pPr lvl="0" marL="0" indent="0">
+              <a:buNone/>
+            </a:pPr>
+            <a:r>
+              <a:rPr/>
+              <a:t>[1] " "</a:t>
             </a:r>
           </a:p>
         </p:txBody>
@@ -5323,12 +9015,7 @@
             <p:ph type="title"/>
           </p:nvPr>
         </p:nvSpPr>
-        <p:spPr>
-          <a:xfrm>
-            <a:off x="722313" y="3305176"/>
-            <a:ext cx="7772400" cy="1021556"/>
-          </a:xfrm>
-        </p:spPr>
+        <p:spPr/>
         <p:txBody>
           <a:bodyPr/>
           <a:lstStyle/>
@@ -5338,7 +9025,7 @@
             </a:pPr>
             <a:r>
               <a:rPr/>
-              <a:t>ACTIVE</a:t>
+              <a:t>Loss</a:t>
             </a:r>
             <a:r>
               <a:rPr/>
@@ -5346,11 +9033,73 @@
             </a:r>
             <a:r>
               <a:rPr/>
-              <a:t>CONTACTS</a:t>
+              <a:t>to</a:t>
+            </a:r>
+            <a:r>
+              <a:rPr/>
+              <a:t> </a:t>
+            </a:r>
+            <a:r>
+              <a:rPr/>
+              <a:t>follow-up,</a:t>
+            </a:r>
+            <a:r>
+              <a:rPr/>
+              <a:t> </a:t>
+            </a:r>
+            <a:r>
+              <a:rPr/>
+              <a:t>past</a:t>
+            </a:r>
+            <a:r>
+              <a:rPr/>
+              <a:t> </a:t>
+            </a:r>
+            <a:r>
+              <a:rPr/>
+              <a:t>3</a:t>
+            </a:r>
+            <a:r>
+              <a:rPr/>
+              <a:t> </a:t>
+            </a:r>
+            <a:r>
+              <a:rPr/>
+              <a:t>days</a:t>
             </a:r>
           </a:p>
         </p:txBody>
       </p:sp>
+      <p:pic>
+        <p:nvPicPr>
+          <p:cNvPr descr="report_files/figure-pptx/contactsLost24To72HoursTable-1.png" id="0" name="Picture 1"/>
+          <p:cNvPicPr>
+            <a:picLocks noGrp="1" noChangeAspect="1"/>
+          </p:cNvPicPr>
+          <p:nvPr/>
+        </p:nvPicPr>
+        <p:blipFill>
+          <a:blip r:embed="rId2"/>
+          <a:stretch>
+            <a:fillRect/>
+          </a:stretch>
+        </p:blipFill>
+        <p:spPr bwMode="auto">
+          <a:xfrm>
+            <a:off x="2451100" y="1193800"/>
+            <a:ext cx="4241800" cy="3390900"/>
+          </a:xfrm>
+          <a:prstGeom prst="rect">
+            <a:avLst/>
+          </a:prstGeom>
+          <a:noFill/>
+          <a:ln w="9525">
+            <a:noFill/>
+            <a:headEnd/>
+            <a:tailEnd/>
+          </a:ln>
+        </p:spPr>
+      </p:pic>
     </p:spTree>
   </p:cSld>
 </p:sld>
@@ -5393,7 +9142,7 @@
             </a:pPr>
             <a:r>
               <a:rPr/>
-              <a:t>Follow-up</a:t>
+              <a:t>List</a:t>
             </a:r>
             <a:r>
               <a:rPr/>
@@ -5401,33 +9150,35 @@
             </a:r>
             <a:r>
               <a:rPr/>
-              <a:t>timelines</a:t>
+              <a:t>of</a:t>
+            </a:r>
+            <a:r>
+              <a:rPr/>
+              <a:t> </a:t>
+            </a:r>
+            <a:r>
+              <a:rPr/>
+              <a:t>contacts</a:t>
+            </a:r>
+            <a:r>
+              <a:rPr/>
+              <a:t> </a:t>
+            </a:r>
+            <a:r>
+              <a:rPr/>
+              <a:t>not</a:t>
+            </a:r>
+            <a:r>
+              <a:rPr/>
+              <a:t> </a:t>
+            </a:r>
+            <a:r>
+              <a:rPr/>
+              <a:t>seen</a:t>
             </a:r>
           </a:p>
         </p:txBody>
       </p:sp>
-    </p:spTree>
-  </p:cSld>
-</p:sld>
-</file>
-
-<file path=ppt/slides/slide34.xml><?xml version="1.0" encoding="utf-8"?>
-<p:sld xmlns:a="http://schemas.openxmlformats.org/drawingml/2006/main" xmlns:r="http://schemas.openxmlformats.org/officeDocument/2006/relationships" xmlns:p="http://schemas.openxmlformats.org/presentationml/2006/main">
-  <p:cSld>
-    <p:spTree>
-      <p:nvGrpSpPr>
-        <p:cNvPr id="1" name=""/>
-        <p:cNvGrpSpPr/>
-        <p:nvPr/>
-      </p:nvGrpSpPr>
-      <p:grpSpPr>
-        <a:xfrm>
-          <a:off x="0" y="0"/>
-          <a:ext cx="0" cy="0"/>
-          <a:chOff x="0" y="0"/>
-          <a:chExt cx="0" cy="0"/>
-        </a:xfrm>
-      </p:grpSpPr>
       <p:sp>
         <p:nvSpPr>
           <p:cNvPr id="3" name="Content Placeholder 2"/>
@@ -5448,250 +9199,7 @@
             </a:pPr>
             <a:r>
               <a:rPr/>
-              <a:t>There are 13 active contacts</a:t>
-            </a:r>
-          </a:p>
-          <a:p>
-            <a:pPr lvl="0" marL="0" indent="0">
-              <a:buNone/>
-            </a:pPr>
-            <a:r>
-              <a:rPr/>
               <a:t>NULL</a:t>
-            </a:r>
-          </a:p>
-        </p:txBody>
-      </p:sp>
-    </p:spTree>
-  </p:cSld>
-</p:sld>
-</file>
-
-<file path=ppt/slides/slide35.xml><?xml version="1.0" encoding="utf-8"?>
-<p:sld xmlns:a="http://schemas.openxmlformats.org/drawingml/2006/main" xmlns:r="http://schemas.openxmlformats.org/officeDocument/2006/relationships" xmlns:p="http://schemas.openxmlformats.org/presentationml/2006/main">
-  <p:cSld>
-    <p:spTree>
-      <p:nvGrpSpPr>
-        <p:cNvPr id="1" name=""/>
-        <p:cNvGrpSpPr/>
-        <p:nvPr/>
-      </p:nvGrpSpPr>
-      <p:grpSpPr>
-        <a:xfrm>
-          <a:off x="0" y="0"/>
-          <a:ext cx="0" cy="0"/>
-          <a:chOff x="0" y="0"/>
-          <a:chExt cx="0" cy="0"/>
-        </a:xfrm>
-      </p:grpSpPr>
-      <p:sp>
-        <p:nvSpPr>
-          <p:cNvPr id="2" name="Title 1"/>
-          <p:cNvSpPr>
-            <a:spLocks noGrp="1"/>
-          </p:cNvSpPr>
-          <p:nvPr>
-            <p:ph type="title"/>
-          </p:nvPr>
-        </p:nvSpPr>
-        <p:spPr/>
-        <p:txBody>
-          <a:bodyPr/>
-          <a:lstStyle/>
-          <a:p>
-            <a:pPr lvl="0" marL="0" indent="0">
-              <a:buNone/>
-            </a:pPr>
-            <a:r>
-              <a:rPr/>
-              <a:t>Follow-up</a:t>
-            </a:r>
-            <a:r>
-              <a:rPr/>
-              <a:t> </a:t>
-            </a:r>
-            <a:r>
-              <a:rPr/>
-              <a:t>timeline</a:t>
-            </a:r>
-            <a:r>
-              <a:rPr/>
-              <a:t> </a:t>
-            </a:r>
-            <a:r>
-              <a:rPr/>
-              <a:t>snake</a:t>
-            </a:r>
-            <a:r>
-              <a:rPr/>
-              <a:t> </a:t>
-            </a:r>
-            <a:r>
-              <a:rPr/>
-              <a:t>plot</a:t>
-            </a:r>
-          </a:p>
-        </p:txBody>
-      </p:sp>
-      <p:pic>
-        <p:nvPicPr>
-          <p:cNvPr descr="report_files/figure-pptx/unnamed-chunk-21-1.png" id="0" name="Picture 1"/>
-          <p:cNvPicPr>
-            <a:picLocks noGrp="1" noChangeAspect="1"/>
-          </p:cNvPicPr>
-          <p:nvPr/>
-        </p:nvPicPr>
-        <p:blipFill>
-          <a:blip r:embed="rId2"/>
-          <a:stretch>
-            <a:fillRect/>
-          </a:stretch>
-        </p:blipFill>
-        <p:spPr bwMode="auto">
-          <a:xfrm>
-            <a:off x="2451100" y="1193800"/>
-            <a:ext cx="4241800" cy="3390900"/>
-          </a:xfrm>
-          <a:prstGeom prst="rect">
-            <a:avLst/>
-          </a:prstGeom>
-          <a:noFill/>
-          <a:ln w="9525">
-            <a:noFill/>
-            <a:headEnd/>
-            <a:tailEnd/>
-          </a:ln>
-        </p:spPr>
-      </p:pic>
-    </p:spTree>
-  </p:cSld>
-</p:sld>
-</file>
-
-<file path=ppt/slides/slide36.xml><?xml version="1.0" encoding="utf-8"?>
-<p:sld xmlns:a="http://schemas.openxmlformats.org/drawingml/2006/main" xmlns:r="http://schemas.openxmlformats.org/officeDocument/2006/relationships" xmlns:p="http://schemas.openxmlformats.org/presentationml/2006/main">
-  <p:cSld>
-    <p:spTree>
-      <p:nvGrpSpPr>
-        <p:cNvPr id="1" name=""/>
-        <p:cNvGrpSpPr/>
-        <p:nvPr/>
-      </p:nvGrpSpPr>
-      <p:grpSpPr>
-        <a:xfrm>
-          <a:off x="0" y="0"/>
-          <a:ext cx="0" cy="0"/>
-          <a:chOff x="0" y="0"/>
-          <a:chExt cx="0" cy="0"/>
-        </a:xfrm>
-      </p:grpSpPr>
-      <p:sp>
-        <p:nvSpPr>
-          <p:cNvPr id="3" name="Content Placeholder 2"/>
-          <p:cNvSpPr>
-            <a:spLocks noGrp="1"/>
-          </p:cNvSpPr>
-          <p:nvPr>
-            <p:ph idx="1"/>
-          </p:nvPr>
-        </p:nvSpPr>
-        <p:spPr/>
-        <p:txBody>
-          <a:bodyPr/>
-          <a:lstStyle/>
-          <a:p>
-            <a:pPr lvl="0" marL="0" indent="0">
-              <a:buNone/>
-            </a:pPr>
-          </a:p>
-          <a:p>
-            <a:pPr lvl="0" indent="0">
-              <a:buNone/>
-            </a:pPr>
-            <a:r>
-              <a:rPr>
-                <a:latin typeface="Courier"/>
-              </a:rPr>
-              <a:t>## NULL</a:t>
-            </a:r>
-          </a:p>
-        </p:txBody>
-      </p:sp>
-    </p:spTree>
-  </p:cSld>
-</p:sld>
-</file>
-
-<file path=ppt/slides/slide37.xml><?xml version="1.0" encoding="utf-8"?>
-<p:sld xmlns:a="http://schemas.openxmlformats.org/drawingml/2006/main" xmlns:r="http://schemas.openxmlformats.org/officeDocument/2006/relationships" xmlns:p="http://schemas.openxmlformats.org/presentationml/2006/main">
-  <p:cSld>
-    <p:spTree>
-      <p:nvGrpSpPr>
-        <p:cNvPr id="1" name=""/>
-        <p:cNvGrpSpPr/>
-        <p:nvPr/>
-      </p:nvGrpSpPr>
-      <p:grpSpPr>
-        <a:xfrm>
-          <a:off x="0" y="0"/>
-          <a:ext cx="0" cy="0"/>
-          <a:chOff x="0" y="0"/>
-          <a:chExt cx="0" cy="0"/>
-        </a:xfrm>
-      </p:grpSpPr>
-      <p:sp>
-        <p:nvSpPr>
-          <p:cNvPr id="2" name="Title 1"/>
-          <p:cNvSpPr>
-            <a:spLocks noGrp="1"/>
-          </p:cNvSpPr>
-          <p:nvPr>
-            <p:ph type="title"/>
-          </p:nvPr>
-        </p:nvSpPr>
-        <p:spPr/>
-        <p:txBody>
-          <a:bodyPr/>
-          <a:lstStyle/>
-          <a:p>
-            <a:pPr lvl="0" marL="0" indent="0">
-              <a:buNone/>
-            </a:pPr>
-            <a:r>
-              <a:rPr/>
-              <a:t>Follow-up</a:t>
-            </a:r>
-            <a:r>
-              <a:rPr/>
-              <a:t> </a:t>
-            </a:r>
-            <a:r>
-              <a:rPr/>
-              <a:t>timeline</a:t>
-            </a:r>
-            <a:r>
-              <a:rPr/>
-              <a:t> </a:t>
-            </a:r>
-            <a:r>
-              <a:rPr/>
-              <a:t>summary</a:t>
-            </a:r>
-            <a:r>
-              <a:rPr/>
-              <a:t> </a:t>
-            </a:r>
-            <a:r>
-              <a:rPr/>
-              <a:t>bar</a:t>
-            </a:r>
-            <a:r>
-              <a:rPr/>
-              <a:t> </a:t>
-            </a:r>
-            <a:r>
-              <a:rPr/>
-              <a:t>chart</a:t>
             </a:r>
           </a:p>
         </p:txBody>
@@ -5720,7 +9228,7 @@
       </p:grpSpPr>
       <p:pic>
         <p:nvPicPr>
-          <p:cNvPr descr="report_files/figure-pptx/unnamed-chunk-5-2.png" id="0" name="Picture 1"/>
+          <p:cNvPr descr="report_files/figure-pptx/valueBoxes1-2.png" id="0" name="Picture 1"/>
           <p:cNvPicPr>
             <a:picLocks noGrp="1" noChangeAspect="1"/>
           </p:cNvPicPr>
@@ -5772,7 +9280,7 @@
       </p:grpSpPr>
       <p:pic>
         <p:nvPicPr>
-          <p:cNvPr descr="report_files/figure-pptx/unnamed-chunk-6-1.png" id="0" name="Picture 1"/>
+          <p:cNvPr descr="report_files/figure-pptx/valueBoxes2-1.png" id="0" name="Picture 1"/>
           <p:cNvPicPr>
             <a:picLocks noGrp="1" noChangeAspect="1"/>
           </p:cNvPicPr>
@@ -5824,7 +9332,7 @@
       </p:grpSpPr>
       <p:pic>
         <p:nvPicPr>
-          <p:cNvPr descr="report_files/figure-pptx/unnamed-chunk-6-2.png" id="0" name="Picture 1"/>
+          <p:cNvPr descr="report_files/figure-pptx/valueBoxes2-2.png" id="0" name="Picture 1"/>
           <p:cNvPicPr>
             <a:picLocks noGrp="1" noChangeAspect="1"/>
           </p:cNvPicPr>
@@ -5881,13 +9389,13 @@
             <a:spLocks noGrp="1"/>
           </p:cNvSpPr>
           <p:nvPr>
-            <p:ph type="title"/>
+            <p:ph type="ctrTitle"/>
           </p:nvPr>
         </p:nvSpPr>
         <p:spPr>
           <a:xfrm>
-            <a:off x="722313" y="3305176"/>
-            <a:ext cx="7772400" cy="1021556"/>
+            <a:off x="685800" y="1597819"/>
+            <a:ext cx="7772400" cy="1102519"/>
           </a:xfrm>
         </p:spPr>
         <p:txBody>
@@ -5897,6 +9405,30 @@
             <a:pPr lvl="0" marL="0" indent="0">
               <a:buNone/>
             </a:pPr>
+            <a:r>
+              <a:rPr/>
+              <a:t>DATA</a:t>
+            </a:r>
+            <a:r>
+              <a:rPr/>
+              <a:t> </a:t>
+            </a:r>
+            <a:r>
+              <a:rPr/>
+              <a:t>PERTAINING</a:t>
+            </a:r>
+            <a:r>
+              <a:rPr/>
+              <a:t> </a:t>
+            </a:r>
+            <a:r>
+              <a:rPr/>
+              <a:t>TO</a:t>
+            </a:r>
+            <a:r>
+              <a:rPr/>
+              <a:t> </a:t>
+            </a:r>
             <a:r>
               <a:rPr/>
               <a:t>ALL</a:t>
@@ -5941,13 +9473,13 @@
             <a:spLocks noGrp="1"/>
           </p:cNvSpPr>
           <p:nvPr>
-            <p:ph type="title"/>
+            <p:ph type="ctrTitle"/>
           </p:nvPr>
         </p:nvSpPr>
         <p:spPr>
           <a:xfrm>
-            <a:off x="722313" y="3305176"/>
-            <a:ext cx="7772400" cy="1021556"/>
+            <a:off x="685800" y="1597819"/>
+            <a:ext cx="7772400" cy="1102519"/>
           </a:xfrm>
         </p:spPr>
         <p:txBody>
@@ -6026,15 +9558,6 @@
               <a:t>The region with the most total contacts since database inception is Abidjan 2, with 193 contacts (48.7% of the total)</a:t>
             </a:r>
           </a:p>
-          <a:p>
-            <a:pPr lvl="0" marL="0" indent="0">
-              <a:buNone/>
-            </a:pPr>
-            <a:r>
-              <a:rPr/>
-              <a:t>NULL</a:t>
-            </a:r>
-          </a:p>
         </p:txBody>
       </p:sp>
     </p:spTree>
@@ -6045,7 +9568,7 @@
 <file path=ppt/theme/theme1.xml><?xml version="1.0" encoding="utf-8"?>
 <a:theme xmlns:a="http://schemas.openxmlformats.org/drawingml/2006/main" name="Office Theme">
   <a:themeElements>
-    <a:clrScheme name="Office">
+    <a:clrScheme name="Blue">
       <a:dk1>
         <a:sysClr val="windowText" lastClr="000000"/>
       </a:dk1>
@@ -6053,34 +9576,34 @@
         <a:sysClr val="window" lastClr="FFFFFF"/>
       </a:lt1>
       <a:dk2>
-        <a:srgbClr val="1F497D"/>
+        <a:srgbClr val="17406D"/>
       </a:dk2>
       <a:lt2>
-        <a:srgbClr val="EEECE1"/>
+        <a:srgbClr val="DBEFF9"/>
       </a:lt2>
       <a:accent1>
-        <a:srgbClr val="4F81BD"/>
+        <a:srgbClr val="0F6FC6"/>
       </a:accent1>
       <a:accent2>
-        <a:srgbClr val="C0504D"/>
+        <a:srgbClr val="009DD9"/>
       </a:accent2>
       <a:accent3>
-        <a:srgbClr val="9BBB59"/>
+        <a:srgbClr val="0BD0D9"/>
       </a:accent3>
       <a:accent4>
-        <a:srgbClr val="8064A2"/>
+        <a:srgbClr val="10CF9B"/>
       </a:accent4>
       <a:accent5>
-        <a:srgbClr val="4BACC6"/>
+        <a:srgbClr val="7CCA62"/>
       </a:accent5>
       <a:accent6>
-        <a:srgbClr val="F79646"/>
+        <a:srgbClr val="A5C249"/>
       </a:accent6>
       <a:hlink>
-        <a:srgbClr val="0000FF"/>
+        <a:srgbClr val="F49100"/>
       </a:hlink>
       <a:folHlink>
-        <a:srgbClr val="800080"/>
+        <a:srgbClr val="85DFD0"/>
       </a:folHlink>
     </a:clrScheme>
     <a:fontScheme name="Office">
